--- a/machine-learning/notations/semana-3/presentation/06-regularization-overfitting.pptx
+++ b/machine-learning/notations/semana-3/presentation/06-regularization-overfitting.pptx
@@ -26,6 +26,11 @@
     <p:sldId id="315" r:id="rId20"/>
     <p:sldId id="316" r:id="rId21"/>
     <p:sldId id="317" r:id="rId22"/>
+    <p:sldId id="318" r:id="rId23"/>
+    <p:sldId id="319" r:id="rId24"/>
+    <p:sldId id="320" r:id="rId25"/>
+    <p:sldId id="321" r:id="rId26"/>
+    <p:sldId id="322" r:id="rId27"/>
   </p:sldIdLst>
   <p:sldSz cx="9144000" cy="5143500" type="screen16x9"/>
   <p:notesSz cx="6858000" cy="9144000"/>
@@ -2951,6 +2956,554 @@
 </file>
 
 <file path=ppt/slideLayouts/slideLayout19.xml><?xml version="1.0" encoding="utf-8"?>
+<p:sldLayout xmlns:a="http://schemas.openxmlformats.org/drawingml/2006/main" xmlns:r="http://schemas.openxmlformats.org/officeDocument/2006/relationships" xmlns:p="http://schemas.openxmlformats.org/presentationml/2006/main" userDrawn="1">
+  <p:cSld name="Section Break Layout">
+    <p:spTree>
+      <p:nvGrpSpPr>
+        <p:cNvPr id="1" name=""/>
+        <p:cNvGrpSpPr/>
+        <p:nvPr/>
+      </p:nvGrpSpPr>
+      <p:grpSpPr>
+        <a:xfrm>
+          <a:off x="0" y="0"/>
+          <a:ext cx="0" cy="0"/>
+          <a:chOff x="0" y="0"/>
+          <a:chExt cx="0" cy="0"/>
+        </a:xfrm>
+      </p:grpSpPr>
+      <p:sp>
+        <p:nvSpPr>
+          <p:cNvPr id="3" name="Rectangle 2"/>
+          <p:cNvSpPr/>
+          <p:nvPr userDrawn="1"/>
+        </p:nvSpPr>
+        <p:spPr>
+          <a:xfrm>
+            <a:off x="0" y="2571750"/>
+            <a:ext cx="9144000" cy="2571750"/>
+          </a:xfrm>
+          <a:prstGeom prst="rect">
+            <a:avLst/>
+          </a:prstGeom>
+          <a:solidFill>
+            <a:schemeClr val="bg1">
+              <a:lumMod val="95000"/>
+            </a:schemeClr>
+          </a:solidFill>
+          <a:ln>
+            <a:noFill/>
+          </a:ln>
+        </p:spPr>
+        <p:style>
+          <a:lnRef idx="2">
+            <a:schemeClr val="accent1">
+              <a:shade val="50000"/>
+            </a:schemeClr>
+          </a:lnRef>
+          <a:fillRef idx="1">
+            <a:schemeClr val="accent1"/>
+          </a:fillRef>
+          <a:effectRef idx="0">
+            <a:schemeClr val="accent1"/>
+          </a:effectRef>
+          <a:fontRef idx="minor">
+            <a:schemeClr val="lt1"/>
+          </a:fontRef>
+        </p:style>
+        <p:txBody>
+          <a:bodyPr rtlCol="0" anchor="ctr"/>
+          <a:lstStyle/>
+          <a:p>
+            <a:pPr algn="ctr"/>
+            <a:endParaRPr lang="ko-KR" altLang="en-US"/>
+          </a:p>
+        </p:txBody>
+      </p:sp>
+      <p:sp>
+        <p:nvSpPr>
+          <p:cNvPr id="2" name="Rectangle 1"/>
+          <p:cNvSpPr/>
+          <p:nvPr userDrawn="1"/>
+        </p:nvSpPr>
+        <p:spPr>
+          <a:xfrm>
+            <a:off x="2116108" y="843558"/>
+            <a:ext cx="4896544" cy="3456384"/>
+          </a:xfrm>
+          <a:prstGeom prst="rect">
+            <a:avLst/>
+          </a:prstGeom>
+          <a:solidFill>
+            <a:schemeClr val="accent1"/>
+          </a:solidFill>
+          <a:ln>
+            <a:noFill/>
+          </a:ln>
+        </p:spPr>
+        <p:style>
+          <a:lnRef idx="2">
+            <a:schemeClr val="accent1">
+              <a:shade val="50000"/>
+            </a:schemeClr>
+          </a:lnRef>
+          <a:fillRef idx="1">
+            <a:schemeClr val="accent1"/>
+          </a:fillRef>
+          <a:effectRef idx="0">
+            <a:schemeClr val="accent1"/>
+          </a:effectRef>
+          <a:fontRef idx="minor">
+            <a:schemeClr val="lt1"/>
+          </a:fontRef>
+        </p:style>
+        <p:txBody>
+          <a:bodyPr rtlCol="0" anchor="ctr"/>
+          <a:lstStyle/>
+          <a:p>
+            <a:pPr algn="ctr"/>
+            <a:endParaRPr lang="ko-KR" altLang="en-US" dirty="0"/>
+          </a:p>
+        </p:txBody>
+      </p:sp>
+      <p:sp>
+        <p:nvSpPr>
+          <p:cNvPr id="5" name="Rectangle 4"/>
+          <p:cNvSpPr/>
+          <p:nvPr userDrawn="1"/>
+        </p:nvSpPr>
+        <p:spPr>
+          <a:xfrm>
+            <a:off x="2116108" y="0"/>
+            <a:ext cx="4896544" cy="195486"/>
+          </a:xfrm>
+          <a:prstGeom prst="rect">
+            <a:avLst/>
+          </a:prstGeom>
+          <a:solidFill>
+            <a:schemeClr val="accent1"/>
+          </a:solidFill>
+          <a:ln>
+            <a:noFill/>
+          </a:ln>
+        </p:spPr>
+        <p:style>
+          <a:lnRef idx="2">
+            <a:schemeClr val="accent1">
+              <a:shade val="50000"/>
+            </a:schemeClr>
+          </a:lnRef>
+          <a:fillRef idx="1">
+            <a:schemeClr val="accent1"/>
+          </a:fillRef>
+          <a:effectRef idx="0">
+            <a:schemeClr val="accent1"/>
+          </a:effectRef>
+          <a:fontRef idx="minor">
+            <a:schemeClr val="lt1"/>
+          </a:fontRef>
+        </p:style>
+        <p:txBody>
+          <a:bodyPr rtlCol="0" anchor="ctr"/>
+          <a:lstStyle/>
+          <a:p>
+            <a:pPr algn="ctr"/>
+            <a:endParaRPr lang="ko-KR" altLang="en-US"/>
+          </a:p>
+        </p:txBody>
+      </p:sp>
+      <p:sp>
+        <p:nvSpPr>
+          <p:cNvPr id="6" name="Rectangle 5"/>
+          <p:cNvSpPr/>
+          <p:nvPr userDrawn="1"/>
+        </p:nvSpPr>
+        <p:spPr>
+          <a:xfrm>
+            <a:off x="2116108" y="4948014"/>
+            <a:ext cx="4896544" cy="195486"/>
+          </a:xfrm>
+          <a:prstGeom prst="rect">
+            <a:avLst/>
+          </a:prstGeom>
+          <a:solidFill>
+            <a:schemeClr val="accent1"/>
+          </a:solidFill>
+          <a:ln>
+            <a:noFill/>
+          </a:ln>
+        </p:spPr>
+        <p:style>
+          <a:lnRef idx="2">
+            <a:schemeClr val="accent1">
+              <a:shade val="50000"/>
+            </a:schemeClr>
+          </a:lnRef>
+          <a:fillRef idx="1">
+            <a:schemeClr val="accent1"/>
+          </a:fillRef>
+          <a:effectRef idx="0">
+            <a:schemeClr val="accent1"/>
+          </a:effectRef>
+          <a:fontRef idx="minor">
+            <a:schemeClr val="lt1"/>
+          </a:fontRef>
+        </p:style>
+        <p:txBody>
+          <a:bodyPr rtlCol="0" anchor="ctr"/>
+          <a:lstStyle/>
+          <a:p>
+            <a:pPr algn="ctr"/>
+            <a:endParaRPr lang="ko-KR" altLang="en-US"/>
+          </a:p>
+        </p:txBody>
+      </p:sp>
+      <p:sp>
+        <p:nvSpPr>
+          <p:cNvPr id="10" name="Text Placeholder 9"/>
+          <p:cNvSpPr>
+            <a:spLocks noGrp="1"/>
+          </p:cNvSpPr>
+          <p:nvPr>
+            <p:ph type="body" sz="quarter" idx="10" hasCustomPrompt="1"/>
+          </p:nvPr>
+        </p:nvSpPr>
+        <p:spPr>
+          <a:xfrm>
+            <a:off x="2116108" y="3049518"/>
+            <a:ext cx="4896544" cy="576064"/>
+          </a:xfrm>
+          <a:prstGeom prst="rect">
+            <a:avLst/>
+          </a:prstGeom>
+        </p:spPr>
+        <p:txBody>
+          <a:bodyPr anchor="ctr"/>
+          <a:lstStyle>
+            <a:lvl1pPr marL="0" indent="0" algn="ctr">
+              <a:buNone/>
+              <a:defRPr sz="3600" b="0" baseline="0">
+                <a:solidFill>
+                  <a:schemeClr val="bg1"/>
+                </a:solidFill>
+                <a:latin typeface="+mj-lt"/>
+                <a:cs typeface="Arial" pitchFamily="34" charset="0"/>
+              </a:defRPr>
+            </a:lvl1pPr>
+          </a:lstStyle>
+          <a:p>
+            <a:pPr lvl="0"/>
+            <a:r>
+              <a:rPr lang="en-US" altLang="ko-KR" dirty="0"/>
+              <a:t>SECTION BREAK</a:t>
+            </a:r>
+          </a:p>
+        </p:txBody>
+      </p:sp>
+      <p:sp>
+        <p:nvSpPr>
+          <p:cNvPr id="11" name="Text Placeholder 9"/>
+          <p:cNvSpPr>
+            <a:spLocks noGrp="1"/>
+          </p:cNvSpPr>
+          <p:nvPr>
+            <p:ph type="body" sz="quarter" idx="11" hasCustomPrompt="1"/>
+          </p:nvPr>
+        </p:nvSpPr>
+        <p:spPr>
+          <a:xfrm>
+            <a:off x="2116108" y="3625582"/>
+            <a:ext cx="4896544" cy="288032"/>
+          </a:xfrm>
+          <a:prstGeom prst="rect">
+            <a:avLst/>
+          </a:prstGeom>
+        </p:spPr>
+        <p:txBody>
+          <a:bodyPr anchor="ctr"/>
+          <a:lstStyle>
+            <a:lvl1pPr marL="0" indent="0" algn="ctr">
+              <a:buNone/>
+              <a:defRPr sz="1400" b="0" baseline="0">
+                <a:solidFill>
+                  <a:schemeClr val="bg1"/>
+                </a:solidFill>
+                <a:latin typeface="+mn-lt"/>
+                <a:cs typeface="Arial" pitchFamily="34" charset="0"/>
+              </a:defRPr>
+            </a:lvl1pPr>
+          </a:lstStyle>
+          <a:p>
+            <a:pPr lvl="0"/>
+            <a:r>
+              <a:rPr lang="en-US" altLang="ko-KR" dirty="0"/>
+              <a:t>Insert the title of your subtitle Here</a:t>
+            </a:r>
+          </a:p>
+        </p:txBody>
+      </p:sp>
+      <p:pic>
+        <p:nvPicPr>
+          <p:cNvPr id="2050" name="Picture 2" descr="E:\002-KIMS BUSINESS\007-02-Fullslidesppt-Contents\20161228\02-edu\bulb-item.png"/>
+          <p:cNvPicPr>
+            <a:picLocks noChangeAspect="1" noChangeArrowheads="1"/>
+          </p:cNvPicPr>
+          <p:nvPr userDrawn="1"/>
+        </p:nvPicPr>
+        <p:blipFill>
+          <a:blip r:embed="rId2" cstate="print">
+            <a:extLst>
+              <a:ext uri="{28A0092B-C50C-407E-A947-70E740481C1C}">
+                <a14:useLocalDpi xmlns:a14="http://schemas.microsoft.com/office/drawing/2010/main" val="0"/>
+              </a:ext>
+            </a:extLst>
+          </a:blip>
+          <a:srcRect/>
+          <a:stretch>
+            <a:fillRect/>
+          </a:stretch>
+        </p:blipFill>
+        <p:spPr bwMode="auto">
+          <a:xfrm flipH="1">
+            <a:off x="4155985" y="1156325"/>
+            <a:ext cx="816788" cy="1812802"/>
+          </a:xfrm>
+          <a:prstGeom prst="rect">
+            <a:avLst/>
+          </a:prstGeom>
+          <a:noFill/>
+          <a:extLst>
+            <a:ext uri="{909E8E84-426E-40DD-AFC4-6F175D3DCCD1}">
+              <a14:hiddenFill xmlns:a14="http://schemas.microsoft.com/office/drawing/2010/main">
+                <a:solidFill>
+                  <a:srgbClr val="FFFFFF"/>
+                </a:solidFill>
+              </a14:hiddenFill>
+            </a:ext>
+          </a:extLst>
+        </p:spPr>
+      </p:pic>
+    </p:spTree>
+    <p:extLst>
+      <p:ext uri="{BB962C8B-B14F-4D97-AF65-F5344CB8AC3E}">
+        <p14:creationId xmlns:p14="http://schemas.microsoft.com/office/powerpoint/2010/main" val="1692034727"/>
+      </p:ext>
+    </p:extLst>
+  </p:cSld>
+  <p:clrMapOvr>
+    <a:masterClrMapping/>
+  </p:clrMapOvr>
+</p:sldLayout>
+</file>
+
+<file path=ppt/slideLayouts/slideLayout2.xml><?xml version="1.0" encoding="utf-8"?>
+<p:sldLayout xmlns:a="http://schemas.openxmlformats.org/drawingml/2006/main" xmlns:r="http://schemas.openxmlformats.org/officeDocument/2006/relationships" xmlns:p="http://schemas.openxmlformats.org/presentationml/2006/main" preserve="1" userDrawn="1">
+  <p:cSld name="End Slide Layout">
+    <p:spTree>
+      <p:nvGrpSpPr>
+        <p:cNvPr id="1" name=""/>
+        <p:cNvGrpSpPr/>
+        <p:nvPr/>
+      </p:nvGrpSpPr>
+      <p:grpSpPr>
+        <a:xfrm>
+          <a:off x="0" y="0"/>
+          <a:ext cx="0" cy="0"/>
+          <a:chOff x="0" y="0"/>
+          <a:chExt cx="0" cy="0"/>
+        </a:xfrm>
+      </p:grpSpPr>
+      <p:sp>
+        <p:nvSpPr>
+          <p:cNvPr id="10" name="Text Placeholder 9"/>
+          <p:cNvSpPr>
+            <a:spLocks noGrp="1"/>
+          </p:cNvSpPr>
+          <p:nvPr>
+            <p:ph type="body" sz="quarter" idx="10" hasCustomPrompt="1"/>
+          </p:nvPr>
+        </p:nvSpPr>
+        <p:spPr>
+          <a:xfrm>
+            <a:off x="0" y="3572242"/>
+            <a:ext cx="9144000" cy="576063"/>
+          </a:xfrm>
+          <a:prstGeom prst="rect">
+            <a:avLst/>
+          </a:prstGeom>
+        </p:spPr>
+        <p:txBody>
+          <a:bodyPr anchor="ctr"/>
+          <a:lstStyle>
+            <a:lvl1pPr marL="0" indent="0" algn="ctr">
+              <a:buNone/>
+              <a:defRPr sz="3600" b="0" baseline="0">
+                <a:solidFill>
+                  <a:schemeClr val="tx1">
+                    <a:lumMod val="75000"/>
+                    <a:lumOff val="25000"/>
+                  </a:schemeClr>
+                </a:solidFill>
+                <a:latin typeface="+mj-lt"/>
+                <a:cs typeface="Arial" pitchFamily="34" charset="0"/>
+              </a:defRPr>
+            </a:lvl1pPr>
+          </a:lstStyle>
+          <a:p>
+            <a:pPr lvl="0"/>
+            <a:r>
+              <a:rPr lang="en-US" altLang="ko-KR" dirty="0"/>
+              <a:t>Thank you</a:t>
+            </a:r>
+          </a:p>
+        </p:txBody>
+      </p:sp>
+      <p:sp>
+        <p:nvSpPr>
+          <p:cNvPr id="11" name="Text Placeholder 9"/>
+          <p:cNvSpPr>
+            <a:spLocks noGrp="1"/>
+          </p:cNvSpPr>
+          <p:nvPr>
+            <p:ph type="body" sz="quarter" idx="11" hasCustomPrompt="1"/>
+          </p:nvPr>
+        </p:nvSpPr>
+        <p:spPr>
+          <a:xfrm>
+            <a:off x="-148" y="4148306"/>
+            <a:ext cx="9144000" cy="288032"/>
+          </a:xfrm>
+          <a:prstGeom prst="rect">
+            <a:avLst/>
+          </a:prstGeom>
+        </p:spPr>
+        <p:txBody>
+          <a:bodyPr anchor="ctr"/>
+          <a:lstStyle>
+            <a:lvl1pPr marL="0" indent="0" algn="ctr">
+              <a:buNone/>
+              <a:defRPr sz="1400" b="0" baseline="0">
+                <a:solidFill>
+                  <a:schemeClr val="tx1">
+                    <a:lumMod val="75000"/>
+                    <a:lumOff val="25000"/>
+                  </a:schemeClr>
+                </a:solidFill>
+                <a:latin typeface="+mn-lt"/>
+                <a:cs typeface="Arial" pitchFamily="34" charset="0"/>
+              </a:defRPr>
+            </a:lvl1pPr>
+          </a:lstStyle>
+          <a:p>
+            <a:pPr lvl="0"/>
+            <a:r>
+              <a:rPr lang="en-US" altLang="ko-KR" dirty="0"/>
+              <a:t>Insert the title of your subtitle Here</a:t>
+            </a:r>
+          </a:p>
+        </p:txBody>
+      </p:sp>
+      <p:sp>
+        <p:nvSpPr>
+          <p:cNvPr id="4" name="Oval 3"/>
+          <p:cNvSpPr/>
+          <p:nvPr userDrawn="1"/>
+        </p:nvSpPr>
+        <p:spPr>
+          <a:xfrm>
+            <a:off x="3311860" y="737642"/>
+            <a:ext cx="2520280" cy="2520280"/>
+          </a:xfrm>
+          <a:prstGeom prst="ellipse">
+            <a:avLst/>
+          </a:prstGeom>
+          <a:solidFill>
+            <a:schemeClr val="accent1"/>
+          </a:solidFill>
+          <a:ln>
+            <a:noFill/>
+          </a:ln>
+        </p:spPr>
+        <p:style>
+          <a:lnRef idx="2">
+            <a:schemeClr val="accent1">
+              <a:shade val="50000"/>
+            </a:schemeClr>
+          </a:lnRef>
+          <a:fillRef idx="1">
+            <a:schemeClr val="accent1"/>
+          </a:fillRef>
+          <a:effectRef idx="0">
+            <a:schemeClr val="accent1"/>
+          </a:effectRef>
+          <a:fontRef idx="minor">
+            <a:schemeClr val="lt1"/>
+          </a:fontRef>
+        </p:style>
+        <p:txBody>
+          <a:bodyPr rtlCol="0" anchor="ctr"/>
+          <a:lstStyle/>
+          <a:p>
+            <a:pPr algn="ctr"/>
+            <a:endParaRPr lang="ko-KR" altLang="en-US"/>
+          </a:p>
+        </p:txBody>
+      </p:sp>
+      <p:pic>
+        <p:nvPicPr>
+          <p:cNvPr id="5" name="Picture 2" descr="E:\002-KIMS BUSINESS\007-02-Fullslidesppt-Contents\20161228\02-edu\bulb-item.png"/>
+          <p:cNvPicPr>
+            <a:picLocks noChangeAspect="1" noChangeArrowheads="1"/>
+          </p:cNvPicPr>
+          <p:nvPr userDrawn="1"/>
+        </p:nvPicPr>
+        <p:blipFill>
+          <a:blip r:embed="rId2" cstate="print">
+            <a:extLst>
+              <a:ext uri="{28A0092B-C50C-407E-A947-70E740481C1C}">
+                <a14:useLocalDpi xmlns:a14="http://schemas.microsoft.com/office/drawing/2010/main" val="0"/>
+              </a:ext>
+            </a:extLst>
+          </a:blip>
+          <a:srcRect/>
+          <a:stretch>
+            <a:fillRect/>
+          </a:stretch>
+        </p:blipFill>
+        <p:spPr bwMode="auto">
+          <a:xfrm>
+            <a:off x="4162351" y="1139211"/>
+            <a:ext cx="819298" cy="1818368"/>
+          </a:xfrm>
+          <a:prstGeom prst="rect">
+            <a:avLst/>
+          </a:prstGeom>
+          <a:noFill/>
+          <a:extLst>
+            <a:ext uri="{909E8E84-426E-40DD-AFC4-6F175D3DCCD1}">
+              <a14:hiddenFill xmlns:a14="http://schemas.microsoft.com/office/drawing/2010/main">
+                <a:solidFill>
+                  <a:srgbClr val="FFFFFF"/>
+                </a:solidFill>
+              </a14:hiddenFill>
+            </a:ext>
+          </a:extLst>
+        </p:spPr>
+      </p:pic>
+    </p:spTree>
+    <p:extLst>
+      <p:ext uri="{BB962C8B-B14F-4D97-AF65-F5344CB8AC3E}">
+        <p14:creationId xmlns:p14="http://schemas.microsoft.com/office/powerpoint/2010/main" val="922477153"/>
+      </p:ext>
+    </p:extLst>
+  </p:cSld>
+  <p:clrMapOvr>
+    <a:masterClrMapping/>
+  </p:clrMapOvr>
+</p:sldLayout>
+</file>
+
+<file path=ppt/slideLayouts/slideLayout20.xml><?xml version="1.0" encoding="utf-8"?>
 <p:sldLayout xmlns:a="http://schemas.openxmlformats.org/drawingml/2006/main" xmlns:r="http://schemas.openxmlformats.org/officeDocument/2006/relationships" xmlns:p="http://schemas.openxmlformats.org/presentationml/2006/main" preserve="1" userDrawn="1">
   <p:cSld name="Section Break Layout">
     <p:spTree>
@@ -3282,213 +3835,6 @@
     <p:extLst>
       <p:ext uri="{BB962C8B-B14F-4D97-AF65-F5344CB8AC3E}">
         <p14:creationId xmlns:p14="http://schemas.microsoft.com/office/powerpoint/2010/main" val="1738235425"/>
-      </p:ext>
-    </p:extLst>
-  </p:cSld>
-  <p:clrMapOvr>
-    <a:masterClrMapping/>
-  </p:clrMapOvr>
-</p:sldLayout>
-</file>
-
-<file path=ppt/slideLayouts/slideLayout2.xml><?xml version="1.0" encoding="utf-8"?>
-<p:sldLayout xmlns:a="http://schemas.openxmlformats.org/drawingml/2006/main" xmlns:r="http://schemas.openxmlformats.org/officeDocument/2006/relationships" xmlns:p="http://schemas.openxmlformats.org/presentationml/2006/main" preserve="1" userDrawn="1">
-  <p:cSld name="End Slide Layout">
-    <p:spTree>
-      <p:nvGrpSpPr>
-        <p:cNvPr id="1" name=""/>
-        <p:cNvGrpSpPr/>
-        <p:nvPr/>
-      </p:nvGrpSpPr>
-      <p:grpSpPr>
-        <a:xfrm>
-          <a:off x="0" y="0"/>
-          <a:ext cx="0" cy="0"/>
-          <a:chOff x="0" y="0"/>
-          <a:chExt cx="0" cy="0"/>
-        </a:xfrm>
-      </p:grpSpPr>
-      <p:sp>
-        <p:nvSpPr>
-          <p:cNvPr id="10" name="Text Placeholder 9"/>
-          <p:cNvSpPr>
-            <a:spLocks noGrp="1"/>
-          </p:cNvSpPr>
-          <p:nvPr>
-            <p:ph type="body" sz="quarter" idx="10" hasCustomPrompt="1"/>
-          </p:nvPr>
-        </p:nvSpPr>
-        <p:spPr>
-          <a:xfrm>
-            <a:off x="0" y="3572242"/>
-            <a:ext cx="9144000" cy="576063"/>
-          </a:xfrm>
-          <a:prstGeom prst="rect">
-            <a:avLst/>
-          </a:prstGeom>
-        </p:spPr>
-        <p:txBody>
-          <a:bodyPr anchor="ctr"/>
-          <a:lstStyle>
-            <a:lvl1pPr marL="0" indent="0" algn="ctr">
-              <a:buNone/>
-              <a:defRPr sz="3600" b="0" baseline="0">
-                <a:solidFill>
-                  <a:schemeClr val="tx1">
-                    <a:lumMod val="75000"/>
-                    <a:lumOff val="25000"/>
-                  </a:schemeClr>
-                </a:solidFill>
-                <a:latin typeface="+mj-lt"/>
-                <a:cs typeface="Arial" pitchFamily="34" charset="0"/>
-              </a:defRPr>
-            </a:lvl1pPr>
-          </a:lstStyle>
-          <a:p>
-            <a:pPr lvl="0"/>
-            <a:r>
-              <a:rPr lang="en-US" altLang="ko-KR" dirty="0"/>
-              <a:t>Thank you</a:t>
-            </a:r>
-          </a:p>
-        </p:txBody>
-      </p:sp>
-      <p:sp>
-        <p:nvSpPr>
-          <p:cNvPr id="11" name="Text Placeholder 9"/>
-          <p:cNvSpPr>
-            <a:spLocks noGrp="1"/>
-          </p:cNvSpPr>
-          <p:nvPr>
-            <p:ph type="body" sz="quarter" idx="11" hasCustomPrompt="1"/>
-          </p:nvPr>
-        </p:nvSpPr>
-        <p:spPr>
-          <a:xfrm>
-            <a:off x="-148" y="4148306"/>
-            <a:ext cx="9144000" cy="288032"/>
-          </a:xfrm>
-          <a:prstGeom prst="rect">
-            <a:avLst/>
-          </a:prstGeom>
-        </p:spPr>
-        <p:txBody>
-          <a:bodyPr anchor="ctr"/>
-          <a:lstStyle>
-            <a:lvl1pPr marL="0" indent="0" algn="ctr">
-              <a:buNone/>
-              <a:defRPr sz="1400" b="0" baseline="0">
-                <a:solidFill>
-                  <a:schemeClr val="tx1">
-                    <a:lumMod val="75000"/>
-                    <a:lumOff val="25000"/>
-                  </a:schemeClr>
-                </a:solidFill>
-                <a:latin typeface="+mn-lt"/>
-                <a:cs typeface="Arial" pitchFamily="34" charset="0"/>
-              </a:defRPr>
-            </a:lvl1pPr>
-          </a:lstStyle>
-          <a:p>
-            <a:pPr lvl="0"/>
-            <a:r>
-              <a:rPr lang="en-US" altLang="ko-KR" dirty="0"/>
-              <a:t>Insert the title of your subtitle Here</a:t>
-            </a:r>
-          </a:p>
-        </p:txBody>
-      </p:sp>
-      <p:sp>
-        <p:nvSpPr>
-          <p:cNvPr id="4" name="Oval 3"/>
-          <p:cNvSpPr/>
-          <p:nvPr userDrawn="1"/>
-        </p:nvSpPr>
-        <p:spPr>
-          <a:xfrm>
-            <a:off x="3311860" y="737642"/>
-            <a:ext cx="2520280" cy="2520280"/>
-          </a:xfrm>
-          <a:prstGeom prst="ellipse">
-            <a:avLst/>
-          </a:prstGeom>
-          <a:solidFill>
-            <a:schemeClr val="accent1"/>
-          </a:solidFill>
-          <a:ln>
-            <a:noFill/>
-          </a:ln>
-        </p:spPr>
-        <p:style>
-          <a:lnRef idx="2">
-            <a:schemeClr val="accent1">
-              <a:shade val="50000"/>
-            </a:schemeClr>
-          </a:lnRef>
-          <a:fillRef idx="1">
-            <a:schemeClr val="accent1"/>
-          </a:fillRef>
-          <a:effectRef idx="0">
-            <a:schemeClr val="accent1"/>
-          </a:effectRef>
-          <a:fontRef idx="minor">
-            <a:schemeClr val="lt1"/>
-          </a:fontRef>
-        </p:style>
-        <p:txBody>
-          <a:bodyPr rtlCol="0" anchor="ctr"/>
-          <a:lstStyle/>
-          <a:p>
-            <a:pPr algn="ctr"/>
-            <a:endParaRPr lang="ko-KR" altLang="en-US"/>
-          </a:p>
-        </p:txBody>
-      </p:sp>
-      <p:pic>
-        <p:nvPicPr>
-          <p:cNvPr id="5" name="Picture 2" descr="E:\002-KIMS BUSINESS\007-02-Fullslidesppt-Contents\20161228\02-edu\bulb-item.png"/>
-          <p:cNvPicPr>
-            <a:picLocks noChangeAspect="1" noChangeArrowheads="1"/>
-          </p:cNvPicPr>
-          <p:nvPr userDrawn="1"/>
-        </p:nvPicPr>
-        <p:blipFill>
-          <a:blip r:embed="rId2" cstate="print">
-            <a:extLst>
-              <a:ext uri="{28A0092B-C50C-407E-A947-70E740481C1C}">
-                <a14:useLocalDpi xmlns:a14="http://schemas.microsoft.com/office/drawing/2010/main" val="0"/>
-              </a:ext>
-            </a:extLst>
-          </a:blip>
-          <a:srcRect/>
-          <a:stretch>
-            <a:fillRect/>
-          </a:stretch>
-        </p:blipFill>
-        <p:spPr bwMode="auto">
-          <a:xfrm>
-            <a:off x="4162351" y="1139211"/>
-            <a:ext cx="819298" cy="1818368"/>
-          </a:xfrm>
-          <a:prstGeom prst="rect">
-            <a:avLst/>
-          </a:prstGeom>
-          <a:noFill/>
-          <a:extLst>
-            <a:ext uri="{909E8E84-426E-40DD-AFC4-6F175D3DCCD1}">
-              <a14:hiddenFill xmlns:a14="http://schemas.microsoft.com/office/drawing/2010/main">
-                <a:solidFill>
-                  <a:srgbClr val="FFFFFF"/>
-                </a:solidFill>
-              </a14:hiddenFill>
-            </a:ext>
-          </a:extLst>
-        </p:spPr>
-      </p:pic>
-    </p:spTree>
-    <p:extLst>
-      <p:ext uri="{BB962C8B-B14F-4D97-AF65-F5344CB8AC3E}">
-        <p14:creationId xmlns:p14="http://schemas.microsoft.com/office/powerpoint/2010/main" val="922477153"/>
       </p:ext>
     </p:extLst>
   </p:cSld>
@@ -5717,6 +6063,7 @@
     <p:sldLayoutId id="2147483669" r:id="rId14"/>
     <p:sldLayoutId id="2147483673" r:id="rId15"/>
     <p:sldLayoutId id="2147483656" r:id="rId16"/>
+    <p:sldLayoutId id="2147483674" r:id="rId17"/>
   </p:sldLayoutIdLst>
   <p:txStyles>
     <p:titleStyle>
@@ -9250,8 +9597,8 @@
           </p:sp>
         </mc:Fallback>
       </mc:AlternateContent>
-      <mc:AlternateContent xmlns:mc="http://schemas.openxmlformats.org/markup-compatibility/2006">
-        <mc:Choice xmlns:a14="http://schemas.microsoft.com/office/drawing/2010/main" Requires="a14">
+      <mc:AlternateContent xmlns:mc="http://schemas.openxmlformats.org/markup-compatibility/2006" xmlns:a14="http://schemas.microsoft.com/office/drawing/2010/main">
+        <mc:Choice Requires="a14">
           <p:sp>
             <p:nvSpPr>
               <p:cNvPr id="19" name="CaixaDeTexto 18">
@@ -9374,7 +9721,7 @@
             </p:txBody>
           </p:sp>
         </mc:Choice>
-        <mc:Fallback>
+        <mc:Fallback xmlns="">
           <p:sp>
             <p:nvSpPr>
               <p:cNvPr id="19" name="CaixaDeTexto 18">
@@ -11524,8 +11871,8 @@
             </p:sp>
           </mc:Fallback>
         </mc:AlternateContent>
-        <mc:AlternateContent xmlns:mc="http://schemas.openxmlformats.org/markup-compatibility/2006">
-          <mc:Choice xmlns:a14="http://schemas.microsoft.com/office/drawing/2010/main" Requires="a14">
+        <mc:AlternateContent xmlns:mc="http://schemas.openxmlformats.org/markup-compatibility/2006" xmlns:a14="http://schemas.microsoft.com/office/drawing/2010/main">
+          <mc:Choice Requires="a14">
             <p:sp>
               <p:nvSpPr>
                 <p:cNvPr id="19" name="CaixaDeTexto 18">
@@ -11648,7 +11995,7 @@
               </p:txBody>
             </p:sp>
           </mc:Choice>
-          <mc:Fallback>
+          <mc:Fallback xmlns="">
             <p:sp>
               <p:nvSpPr>
                 <p:cNvPr id="19" name="CaixaDeTexto 18">
@@ -12891,8 +13238,8 @@
             <a:chExt cx="5395843" cy="820111"/>
           </a:xfrm>
         </p:grpSpPr>
-        <mc:AlternateContent xmlns:mc="http://schemas.openxmlformats.org/markup-compatibility/2006">
-          <mc:Choice xmlns:a14="http://schemas.microsoft.com/office/drawing/2010/main" Requires="a14">
+        <mc:AlternateContent xmlns:mc="http://schemas.openxmlformats.org/markup-compatibility/2006" xmlns:a14="http://schemas.microsoft.com/office/drawing/2010/main">
+          <mc:Choice Requires="a14">
             <p:sp>
               <p:nvSpPr>
                 <p:cNvPr id="11" name="CaixaDeTexto 10">
@@ -13177,7 +13524,7 @@
               </p:txBody>
             </p:sp>
           </mc:Choice>
-          <mc:Fallback>
+          <mc:Fallback xmlns="">
             <p:sp>
               <p:nvSpPr>
                 <p:cNvPr id="11" name="CaixaDeTexto 10">
@@ -13222,8 +13569,8 @@
             </p:sp>
           </mc:Fallback>
         </mc:AlternateContent>
-        <mc:AlternateContent xmlns:mc="http://schemas.openxmlformats.org/markup-compatibility/2006">
-          <mc:Choice xmlns:a14="http://schemas.microsoft.com/office/drawing/2010/main" Requires="a14">
+        <mc:AlternateContent xmlns:mc="http://schemas.openxmlformats.org/markup-compatibility/2006" xmlns:a14="http://schemas.microsoft.com/office/drawing/2010/main">
+          <mc:Choice Requires="a14">
             <p:sp>
               <p:nvSpPr>
                 <p:cNvPr id="19" name="CaixaDeTexto 18">
@@ -13346,7 +13693,7 @@
               </p:txBody>
             </p:sp>
           </mc:Choice>
-          <mc:Fallback>
+          <mc:Fallback xmlns="">
             <p:sp>
               <p:nvSpPr>
                 <p:cNvPr id="19" name="CaixaDeTexto 18">
@@ -13391,8 +13738,8 @@
             </p:sp>
           </mc:Fallback>
         </mc:AlternateContent>
-        <mc:AlternateContent xmlns:mc="http://schemas.openxmlformats.org/markup-compatibility/2006">
-          <mc:Choice xmlns:a14="http://schemas.microsoft.com/office/drawing/2010/main" Requires="a14">
+        <mc:AlternateContent xmlns:mc="http://schemas.openxmlformats.org/markup-compatibility/2006" xmlns:a14="http://schemas.microsoft.com/office/drawing/2010/main">
+          <mc:Choice Requires="a14">
             <p:sp>
               <p:nvSpPr>
                 <p:cNvPr id="28" name="CaixaDeTexto 27">
@@ -13442,7 +13789,7 @@
               </p:txBody>
             </p:sp>
           </mc:Choice>
-          <mc:Fallback>
+          <mc:Fallback xmlns="">
             <p:sp>
               <p:nvSpPr>
                 <p:cNvPr id="28" name="CaixaDeTexto 27">
@@ -13487,8 +13834,8 @@
             </p:sp>
           </mc:Fallback>
         </mc:AlternateContent>
-        <mc:AlternateContent xmlns:mc="http://schemas.openxmlformats.org/markup-compatibility/2006">
-          <mc:Choice xmlns:a14="http://schemas.microsoft.com/office/drawing/2010/main" Requires="a14">
+        <mc:AlternateContent xmlns:mc="http://schemas.openxmlformats.org/markup-compatibility/2006" xmlns:a14="http://schemas.microsoft.com/office/drawing/2010/main">
+          <mc:Choice Requires="a14">
             <p:sp>
               <p:nvSpPr>
                 <p:cNvPr id="29" name="CaixaDeTexto 28">
@@ -13538,7 +13885,7 @@
               </p:txBody>
             </p:sp>
           </mc:Choice>
-          <mc:Fallback>
+          <mc:Fallback xmlns="">
             <p:sp>
               <p:nvSpPr>
                 <p:cNvPr id="29" name="CaixaDeTexto 28">
@@ -13584,8 +13931,8 @@
           </mc:Fallback>
         </mc:AlternateContent>
       </p:grpSp>
-      <mc:AlternateContent xmlns:mc="http://schemas.openxmlformats.org/markup-compatibility/2006">
-        <mc:Choice xmlns:a14="http://schemas.microsoft.com/office/drawing/2010/main" Requires="a14">
+      <mc:AlternateContent xmlns:mc="http://schemas.openxmlformats.org/markup-compatibility/2006" xmlns:a14="http://schemas.microsoft.com/office/drawing/2010/main">
+        <mc:Choice Requires="a14">
           <p:sp>
             <p:nvSpPr>
               <p:cNvPr id="20" name="Retângulo 19">
@@ -13688,7 +14035,7 @@
             </p:txBody>
           </p:sp>
         </mc:Choice>
-        <mc:Fallback>
+        <mc:Fallback xmlns="">
           <p:sp>
             <p:nvSpPr>
               <p:cNvPr id="20" name="Retângulo 19">
@@ -13787,8 +14134,8 @@
           </a:p>
         </p:txBody>
       </p:sp>
-      <mc:AlternateContent xmlns:mc="http://schemas.openxmlformats.org/markup-compatibility/2006">
-        <mc:Choice xmlns:a14="http://schemas.microsoft.com/office/drawing/2010/main" Requires="a14">
+      <mc:AlternateContent xmlns:mc="http://schemas.openxmlformats.org/markup-compatibility/2006" xmlns:a14="http://schemas.microsoft.com/office/drawing/2010/main">
+        <mc:Choice Requires="a14">
           <p:sp>
             <p:nvSpPr>
               <p:cNvPr id="22" name="Retângulo 21">
@@ -13835,7 +14182,7 @@
             </p:txBody>
           </p:sp>
         </mc:Choice>
-        <mc:Fallback>
+        <mc:Fallback xmlns="">
           <p:sp>
             <p:nvSpPr>
               <p:cNvPr id="22" name="Retângulo 21">
@@ -13880,8 +14227,8 @@
           </p:sp>
         </mc:Fallback>
       </mc:AlternateContent>
-      <mc:AlternateContent xmlns:mc="http://schemas.openxmlformats.org/markup-compatibility/2006">
-        <mc:Choice xmlns:a14="http://schemas.microsoft.com/office/drawing/2010/main" Requires="a14">
+      <mc:AlternateContent xmlns:mc="http://schemas.openxmlformats.org/markup-compatibility/2006" xmlns:a14="http://schemas.microsoft.com/office/drawing/2010/main">
+        <mc:Choice Requires="a14">
           <p:sp>
             <p:nvSpPr>
               <p:cNvPr id="25" name="CaixaDeTexto 24">
@@ -14050,7 +14397,7 @@
             </p:txBody>
           </p:sp>
         </mc:Choice>
-        <mc:Fallback>
+        <mc:Fallback xmlns="">
           <p:sp>
             <p:nvSpPr>
               <p:cNvPr id="25" name="CaixaDeTexto 24">
@@ -14095,8 +14442,8 @@
           </p:sp>
         </mc:Fallback>
       </mc:AlternateContent>
-      <mc:AlternateContent xmlns:mc="http://schemas.openxmlformats.org/markup-compatibility/2006">
-        <mc:Choice xmlns:a14="http://schemas.microsoft.com/office/drawing/2010/main" Requires="a14">
+      <mc:AlternateContent xmlns:mc="http://schemas.openxmlformats.org/markup-compatibility/2006" xmlns:a14="http://schemas.microsoft.com/office/drawing/2010/main">
+        <mc:Choice Requires="a14">
           <p:sp>
             <p:nvSpPr>
               <p:cNvPr id="32" name="CaixaDeTexto 31">
@@ -14370,7 +14717,7 @@
             </p:txBody>
           </p:sp>
         </mc:Choice>
-        <mc:Fallback>
+        <mc:Fallback xmlns="">
           <p:sp>
             <p:nvSpPr>
               <p:cNvPr id="32" name="CaixaDeTexto 31">
@@ -14415,8 +14762,8 @@
           </p:sp>
         </mc:Fallback>
       </mc:AlternateContent>
-      <mc:AlternateContent xmlns:mc="http://schemas.openxmlformats.org/markup-compatibility/2006">
-        <mc:Choice xmlns:a14="http://schemas.microsoft.com/office/drawing/2010/main" Requires="a14">
+      <mc:AlternateContent xmlns:mc="http://schemas.openxmlformats.org/markup-compatibility/2006" xmlns:a14="http://schemas.microsoft.com/office/drawing/2010/main">
+        <mc:Choice Requires="a14">
           <p:sp>
             <p:nvSpPr>
               <p:cNvPr id="33" name="CaixaDeTexto 32">
@@ -14533,7 +14880,7 @@
             </p:txBody>
           </p:sp>
         </mc:Choice>
-        <mc:Fallback>
+        <mc:Fallback xmlns="">
           <p:sp>
             <p:nvSpPr>
               <p:cNvPr id="33" name="CaixaDeTexto 32">
@@ -15681,8 +16028,8 @@
             <a:chExt cx="5395843" cy="820111"/>
           </a:xfrm>
         </p:grpSpPr>
-        <mc:AlternateContent xmlns:mc="http://schemas.openxmlformats.org/markup-compatibility/2006">
-          <mc:Choice xmlns:a14="http://schemas.microsoft.com/office/drawing/2010/main" Requires="a14">
+        <mc:AlternateContent xmlns:mc="http://schemas.openxmlformats.org/markup-compatibility/2006" xmlns:a14="http://schemas.microsoft.com/office/drawing/2010/main">
+          <mc:Choice Requires="a14">
             <p:sp>
               <p:nvSpPr>
                 <p:cNvPr id="24" name="CaixaDeTexto 23">
@@ -15967,7 +16314,7 @@
               </p:txBody>
             </p:sp>
           </mc:Choice>
-          <mc:Fallback>
+          <mc:Fallback xmlns="">
             <p:sp>
               <p:nvSpPr>
                 <p:cNvPr id="24" name="CaixaDeTexto 23">
@@ -16012,8 +16359,8 @@
             </p:sp>
           </mc:Fallback>
         </mc:AlternateContent>
-        <mc:AlternateContent xmlns:mc="http://schemas.openxmlformats.org/markup-compatibility/2006">
-          <mc:Choice xmlns:a14="http://schemas.microsoft.com/office/drawing/2010/main" Requires="a14">
+        <mc:AlternateContent xmlns:mc="http://schemas.openxmlformats.org/markup-compatibility/2006" xmlns:a14="http://schemas.microsoft.com/office/drawing/2010/main">
+          <mc:Choice Requires="a14">
             <p:sp>
               <p:nvSpPr>
                 <p:cNvPr id="26" name="CaixaDeTexto 25">
@@ -16136,7 +16483,7 @@
               </p:txBody>
             </p:sp>
           </mc:Choice>
-          <mc:Fallback>
+          <mc:Fallback xmlns="">
             <p:sp>
               <p:nvSpPr>
                 <p:cNvPr id="26" name="CaixaDeTexto 25">
@@ -16181,8 +16528,8 @@
             </p:sp>
           </mc:Fallback>
         </mc:AlternateContent>
-        <mc:AlternateContent xmlns:mc="http://schemas.openxmlformats.org/markup-compatibility/2006">
-          <mc:Choice xmlns:a14="http://schemas.microsoft.com/office/drawing/2010/main" Requires="a14">
+        <mc:AlternateContent xmlns:mc="http://schemas.openxmlformats.org/markup-compatibility/2006" xmlns:a14="http://schemas.microsoft.com/office/drawing/2010/main">
+          <mc:Choice Requires="a14">
             <p:sp>
               <p:nvSpPr>
                 <p:cNvPr id="27" name="CaixaDeTexto 26">
@@ -16232,7 +16579,7 @@
               </p:txBody>
             </p:sp>
           </mc:Choice>
-          <mc:Fallback>
+          <mc:Fallback xmlns="">
             <p:sp>
               <p:nvSpPr>
                 <p:cNvPr id="27" name="CaixaDeTexto 26">
@@ -16277,8 +16624,8 @@
             </p:sp>
           </mc:Fallback>
         </mc:AlternateContent>
-        <mc:AlternateContent xmlns:mc="http://schemas.openxmlformats.org/markup-compatibility/2006">
-          <mc:Choice xmlns:a14="http://schemas.microsoft.com/office/drawing/2010/main" Requires="a14">
+        <mc:AlternateContent xmlns:mc="http://schemas.openxmlformats.org/markup-compatibility/2006" xmlns:a14="http://schemas.microsoft.com/office/drawing/2010/main">
+          <mc:Choice Requires="a14">
             <p:sp>
               <p:nvSpPr>
                 <p:cNvPr id="30" name="CaixaDeTexto 29">
@@ -16328,7 +16675,7 @@
               </p:txBody>
             </p:sp>
           </mc:Choice>
-          <mc:Fallback>
+          <mc:Fallback xmlns="">
             <p:sp>
               <p:nvSpPr>
                 <p:cNvPr id="30" name="CaixaDeTexto 29">
@@ -16452,8 +16799,8 @@
           </a:p>
         </p:txBody>
       </p:sp>
-      <mc:AlternateContent xmlns:mc="http://schemas.openxmlformats.org/markup-compatibility/2006">
-        <mc:Choice xmlns:a14="http://schemas.microsoft.com/office/drawing/2010/main" Requires="a14">
+      <mc:AlternateContent xmlns:mc="http://schemas.openxmlformats.org/markup-compatibility/2006" xmlns:a14="http://schemas.microsoft.com/office/drawing/2010/main">
+        <mc:Choice Requires="a14">
           <p:sp>
             <p:nvSpPr>
               <p:cNvPr id="42" name="CaixaDeTexto 41">
@@ -16562,7 +16909,7 @@
             </p:txBody>
           </p:sp>
         </mc:Choice>
-        <mc:Fallback>
+        <mc:Fallback xmlns="">
           <p:sp>
             <p:nvSpPr>
               <p:cNvPr id="42" name="CaixaDeTexto 41">
@@ -17041,8 +17388,8 @@
           </a:p>
         </p:txBody>
       </p:sp>
-      <mc:AlternateContent xmlns:mc="http://schemas.openxmlformats.org/markup-compatibility/2006">
-        <mc:Choice xmlns:a14="http://schemas.microsoft.com/office/drawing/2010/main" Requires="a14">
+      <mc:AlternateContent xmlns:mc="http://schemas.openxmlformats.org/markup-compatibility/2006" xmlns:a14="http://schemas.microsoft.com/office/drawing/2010/main">
+        <mc:Choice Requires="a14">
           <p:sp>
             <p:nvSpPr>
               <p:cNvPr id="42" name="CaixaDeTexto 41">
@@ -17154,7 +17501,7 @@
             </p:txBody>
           </p:sp>
         </mc:Choice>
-        <mc:Fallback>
+        <mc:Fallback xmlns="">
           <p:sp>
             <p:nvSpPr>
               <p:cNvPr id="42" name="CaixaDeTexto 41">
@@ -17199,8 +17546,8 @@
           </p:sp>
         </mc:Fallback>
       </mc:AlternateContent>
-      <mc:AlternateContent xmlns:mc="http://schemas.openxmlformats.org/markup-compatibility/2006">
-        <mc:Choice xmlns:a14="http://schemas.microsoft.com/office/drawing/2010/main" Requires="a14">
+      <mc:AlternateContent xmlns:mc="http://schemas.openxmlformats.org/markup-compatibility/2006" xmlns:a14="http://schemas.microsoft.com/office/drawing/2010/main">
+        <mc:Choice Requires="a14">
           <p:sp>
             <p:nvSpPr>
               <p:cNvPr id="14" name="CaixaDeTexto 13">
@@ -17483,7 +17830,7 @@
             </p:txBody>
           </p:sp>
         </mc:Choice>
-        <mc:Fallback>
+        <mc:Fallback xmlns="">
           <p:sp>
             <p:nvSpPr>
               <p:cNvPr id="14" name="CaixaDeTexto 13">
@@ -17528,8 +17875,8 @@
           </p:sp>
         </mc:Fallback>
       </mc:AlternateContent>
-      <mc:AlternateContent xmlns:mc="http://schemas.openxmlformats.org/markup-compatibility/2006">
-        <mc:Choice xmlns:a14="http://schemas.microsoft.com/office/drawing/2010/main" Requires="a14">
+      <mc:AlternateContent xmlns:mc="http://schemas.openxmlformats.org/markup-compatibility/2006" xmlns:a14="http://schemas.microsoft.com/office/drawing/2010/main">
+        <mc:Choice Requires="a14">
           <p:sp>
             <p:nvSpPr>
               <p:cNvPr id="16" name="CaixaDeTexto 15">
@@ -17874,7 +18221,7 @@
             </p:txBody>
           </p:sp>
         </mc:Choice>
-        <mc:Fallback>
+        <mc:Fallback xmlns="">
           <p:sp>
             <p:nvSpPr>
               <p:cNvPr id="16" name="CaixaDeTexto 15">
@@ -17983,7 +18330,7 @@
                             <a:rPr lang="pt-BR" b="0" i="1" smtClean="0">
                               <a:latin typeface="Cambria Math" panose="02040503050406030204" pitchFamily="18" charset="0"/>
                             </a:rPr>
-                            <m:t>𝑛</m:t>
+                            <m:t>𝑚</m:t>
                           </m:r>
                         </m:den>
                       </m:f>
@@ -18065,8 +18412,8 @@
           </p:sp>
         </mc:Fallback>
       </mc:AlternateContent>
-      <mc:AlternateContent xmlns:mc="http://schemas.openxmlformats.org/markup-compatibility/2006">
-        <mc:Choice xmlns:a14="http://schemas.microsoft.com/office/drawing/2010/main" Requires="a14">
+      <mc:AlternateContent xmlns:mc="http://schemas.openxmlformats.org/markup-compatibility/2006" xmlns:a14="http://schemas.microsoft.com/office/drawing/2010/main">
+        <mc:Choice Requires="a14">
           <p:sp>
             <p:nvSpPr>
               <p:cNvPr id="18" name="CaixaDeTexto 17">
@@ -18140,7 +18487,7 @@
             </p:txBody>
           </p:sp>
         </mc:Choice>
-        <mc:Fallback>
+        <mc:Fallback xmlns="">
           <p:sp>
             <p:nvSpPr>
               <p:cNvPr id="18" name="CaixaDeTexto 17">
@@ -18237,8 +18584,8 @@
           </a:p>
         </p:txBody>
       </p:sp>
-      <mc:AlternateContent xmlns:mc="http://schemas.openxmlformats.org/markup-compatibility/2006">
-        <mc:Choice xmlns:a14="http://schemas.microsoft.com/office/drawing/2010/main" Requires="a14">
+      <mc:AlternateContent xmlns:mc="http://schemas.openxmlformats.org/markup-compatibility/2006" xmlns:a14="http://schemas.microsoft.com/office/drawing/2010/main">
+        <mc:Choice Requires="a14">
           <p:sp>
             <p:nvSpPr>
               <p:cNvPr id="20" name="CaixaDeTexto 19">
@@ -18288,7 +18635,7 @@
             </p:txBody>
           </p:sp>
         </mc:Choice>
-        <mc:Fallback>
+        <mc:Fallback xmlns="">
           <p:sp>
             <p:nvSpPr>
               <p:cNvPr id="20" name="CaixaDeTexto 19">
@@ -18333,8 +18680,8 @@
           </p:sp>
         </mc:Fallback>
       </mc:AlternateContent>
-      <mc:AlternateContent xmlns:mc="http://schemas.openxmlformats.org/markup-compatibility/2006">
-        <mc:Choice xmlns:a14="http://schemas.microsoft.com/office/drawing/2010/main" Requires="a14">
+      <mc:AlternateContent xmlns:mc="http://schemas.openxmlformats.org/markup-compatibility/2006" xmlns:a14="http://schemas.microsoft.com/office/drawing/2010/main">
+        <mc:Choice Requires="a14">
           <p:sp>
             <p:nvSpPr>
               <p:cNvPr id="21" name="CaixaDeTexto 20">
@@ -18384,7 +18731,7 @@
             </p:txBody>
           </p:sp>
         </mc:Choice>
-        <mc:Fallback>
+        <mc:Fallback xmlns="">
           <p:sp>
             <p:nvSpPr>
               <p:cNvPr id="21" name="CaixaDeTexto 20">
@@ -18468,8 +18815,8 @@
           </a:fontRef>
         </p:style>
       </p:cxnSp>
-      <mc:AlternateContent xmlns:mc="http://schemas.openxmlformats.org/markup-compatibility/2006">
-        <mc:Choice xmlns:a14="http://schemas.microsoft.com/office/drawing/2010/main" Requires="a14">
+      <mc:AlternateContent xmlns:mc="http://schemas.openxmlformats.org/markup-compatibility/2006" xmlns:a14="http://schemas.microsoft.com/office/drawing/2010/main">
+        <mc:Choice Requires="a14">
           <p:sp>
             <p:nvSpPr>
               <p:cNvPr id="28" name="CaixaDeTexto 27">
@@ -18597,7 +18944,7 @@
             </p:txBody>
           </p:sp>
         </mc:Choice>
-        <mc:Fallback>
+        <mc:Fallback xmlns="">
           <p:sp>
             <p:nvSpPr>
               <p:cNvPr id="28" name="CaixaDeTexto 27">
@@ -18738,8 +19085,8 @@
           </a:fontRef>
         </p:style>
       </p:cxnSp>
-      <mc:AlternateContent xmlns:mc="http://schemas.openxmlformats.org/markup-compatibility/2006">
-        <mc:Choice xmlns:a14="http://schemas.microsoft.com/office/drawing/2010/main" Requires="a14">
+      <mc:AlternateContent xmlns:mc="http://schemas.openxmlformats.org/markup-compatibility/2006" xmlns:a14="http://schemas.microsoft.com/office/drawing/2010/main">
+        <mc:Choice Requires="a14">
           <p:sp>
             <p:nvSpPr>
               <p:cNvPr id="35" name="CaixaDeTexto 34">
@@ -19131,7 +19478,7 @@
             </p:txBody>
           </p:sp>
         </mc:Choice>
-        <mc:Fallback>
+        <mc:Fallback xmlns="">
           <p:sp>
             <p:nvSpPr>
               <p:cNvPr id="35" name="CaixaDeTexto 34">
@@ -19222,8 +19569,8 @@
           </a:fontRef>
         </p:style>
       </p:cxnSp>
-      <mc:AlternateContent xmlns:mc="http://schemas.openxmlformats.org/markup-compatibility/2006">
-        <mc:Choice xmlns:a14="http://schemas.microsoft.com/office/drawing/2010/main" Requires="a14">
+      <mc:AlternateContent xmlns:mc="http://schemas.openxmlformats.org/markup-compatibility/2006" xmlns:a14="http://schemas.microsoft.com/office/drawing/2010/main">
+        <mc:Choice Requires="a14">
           <p:sp>
             <p:nvSpPr>
               <p:cNvPr id="46" name="Retângulo 45">
@@ -19297,7 +19644,7 @@
             </p:txBody>
           </p:sp>
         </mc:Choice>
-        <mc:Fallback>
+        <mc:Fallback xmlns="">
           <p:sp>
             <p:nvSpPr>
               <p:cNvPr id="46" name="Retângulo 45">
@@ -20239,15 +20586,31 @@
           <a:lstStyle/>
           <a:p>
             <a:r>
+              <a:rPr lang="en-US" altLang="ko-KR" dirty="0" err="1"/>
+              <a:t>Penalizando</a:t>
+            </a:r>
+            <a:r>
               <a:rPr lang="en-US" altLang="ko-KR" dirty="0"/>
-              <a:t>Gradient Descent</a:t>
+              <a:t> </a:t>
+            </a:r>
+            <a:r>
+              <a:rPr lang="en-US" altLang="ko-KR" dirty="0" err="1"/>
+              <a:t>os</a:t>
+            </a:r>
+            <a:r>
+              <a:rPr lang="en-US" altLang="ko-KR" dirty="0"/>
+              <a:t> </a:t>
+            </a:r>
+            <a:r>
+              <a:rPr lang="en-US" altLang="ko-KR" dirty="0" err="1"/>
+              <a:t>Parâmetros</a:t>
             </a:r>
             <a:endParaRPr lang="ko-KR" altLang="en-US" dirty="0"/>
           </a:p>
         </p:txBody>
       </p:sp>
-      <mc:AlternateContent xmlns:mc="http://schemas.openxmlformats.org/markup-compatibility/2006">
-        <mc:Choice xmlns:a14="http://schemas.microsoft.com/office/drawing/2010/main" Requires="a14">
+      <mc:AlternateContent xmlns:mc="http://schemas.openxmlformats.org/markup-compatibility/2006" xmlns:a14="http://schemas.microsoft.com/office/drawing/2010/main">
+        <mc:Choice Requires="a14">
           <p:sp>
             <p:nvSpPr>
               <p:cNvPr id="35" name="CaixaDeTexto 34">
@@ -20639,7 +21002,7 @@
             </p:txBody>
           </p:sp>
         </mc:Choice>
-        <mc:Fallback>
+        <mc:Fallback xmlns="">
           <p:sp>
             <p:nvSpPr>
               <p:cNvPr id="35" name="CaixaDeTexto 34">
@@ -20758,8 +21121,8 @@
           </a:fontRef>
         </p:style>
       </p:cxnSp>
-      <mc:AlternateContent xmlns:mc="http://schemas.openxmlformats.org/markup-compatibility/2006">
-        <mc:Choice xmlns:a14="http://schemas.microsoft.com/office/drawing/2010/main" Requires="a14">
+      <mc:AlternateContent xmlns:mc="http://schemas.openxmlformats.org/markup-compatibility/2006" xmlns:a14="http://schemas.microsoft.com/office/drawing/2010/main">
+        <mc:Choice Requires="a14">
           <p:sp>
             <p:nvSpPr>
               <p:cNvPr id="25" name="CaixaDeTexto 24">
@@ -20833,7 +21196,7 @@
             </p:txBody>
           </p:sp>
         </mc:Choice>
-        <mc:Fallback>
+        <mc:Fallback xmlns="">
           <p:sp>
             <p:nvSpPr>
               <p:cNvPr id="25" name="CaixaDeTexto 24">
@@ -20991,7 +21354,7 @@
                         <a:rPr lang="pt-BR" b="0" i="1" smtClean="0">
                           <a:latin typeface="Cambria Math" panose="02040503050406030204" pitchFamily="18" charset="0"/>
                         </a:rPr>
-                        <m:t>𝑎𝑙𝑤𝑎𝑦𝑠</m:t>
+                        <m:t>𝑠𝑒𝑚𝑝𝑟𝑒</m:t>
                       </m:r>
                     </m:oMath>
                   </m:oMathPara>
@@ -21027,7 +21390,7 @@
               <a:blipFill>
                 <a:blip r:embed="rId4"/>
                 <a:stretch>
-                  <a:fillRect l="-4561" t="-2041" r="-2456" b="-26531"/>
+                  <a:fillRect l="-4561" r="-2807" b="-26531"/>
                 </a:stretch>
               </a:blipFill>
             </p:spPr>
@@ -21085,8 +21448,8 @@
           </a:fontRef>
         </p:style>
       </p:cxnSp>
-      <mc:AlternateContent xmlns:mc="http://schemas.openxmlformats.org/markup-compatibility/2006">
-        <mc:Choice xmlns:a14="http://schemas.microsoft.com/office/drawing/2010/main" Requires="a14">
+      <mc:AlternateContent xmlns:mc="http://schemas.openxmlformats.org/markup-compatibility/2006" xmlns:a14="http://schemas.microsoft.com/office/drawing/2010/main">
+        <mc:Choice Requires="a14">
           <p:sp>
             <p:nvSpPr>
               <p:cNvPr id="32" name="CaixaDeTexto 31">
@@ -21160,7 +21523,7 @@
             </p:txBody>
           </p:sp>
         </mc:Choice>
-        <mc:Fallback>
+        <mc:Fallback xmlns="">
           <p:sp>
             <p:nvSpPr>
               <p:cNvPr id="32" name="CaixaDeTexto 31">
@@ -21667,10 +22030,16 @@
           <a:p>
             <a:pPr algn="l"/>
             <a:r>
+              <a:rPr lang="en-US" sz="3600" dirty="0" err="1">
+                <a:cs typeface="Arial" pitchFamily="34" charset="0"/>
+              </a:rPr>
+              <a:t>Tópicos</a:t>
+            </a:r>
+            <a:r>
               <a:rPr lang="en-US" sz="3600" dirty="0">
                 <a:cs typeface="Arial" pitchFamily="34" charset="0"/>
               </a:rPr>
-              <a:t>Agenda Style</a:t>
+              <a:t> da Aula</a:t>
             </a:r>
           </a:p>
         </p:txBody>
@@ -22405,7 +22774,7 @@
                   </a:solidFill>
                   <a:cs typeface="Arial" pitchFamily="34" charset="0"/>
                 </a:rPr>
-                <a:t>Add Contents Title</a:t>
+                <a:t>Overfitting</a:t>
               </a:r>
               <a:endParaRPr lang="ko-KR" altLang="en-US" sz="1400" b="1" dirty="0">
                 <a:solidFill>
@@ -22442,6 +22811,18 @@
             <a:lstStyle/>
             <a:p>
               <a:r>
+                <a:rPr lang="en-US" altLang="ko-KR" sz="1200" dirty="0" err="1">
+                  <a:solidFill>
+                    <a:schemeClr val="tx1">
+                      <a:lumMod val="75000"/>
+                      <a:lumOff val="25000"/>
+                    </a:schemeClr>
+                  </a:solidFill>
+                  <a:cs typeface="Arial" pitchFamily="34" charset="0"/>
+                </a:rPr>
+                <a:t>Quando</a:t>
+              </a:r>
+              <a:r>
                 <a:rPr lang="en-US" altLang="ko-KR" sz="1200" dirty="0">
                   <a:solidFill>
                     <a:schemeClr val="tx1">
@@ -22451,7 +22832,103 @@
                   </a:solidFill>
                   <a:cs typeface="Arial" pitchFamily="34" charset="0"/>
                 </a:rPr>
-                <a:t>You can simply impress your audience and add a unique zing. </a:t>
+                <a:t> </a:t>
+              </a:r>
+              <a:r>
+                <a:rPr lang="en-US" altLang="ko-KR" sz="1200" dirty="0" err="1">
+                  <a:solidFill>
+                    <a:schemeClr val="tx1">
+                      <a:lumMod val="75000"/>
+                      <a:lumOff val="25000"/>
+                    </a:schemeClr>
+                  </a:solidFill>
+                  <a:cs typeface="Arial" pitchFamily="34" charset="0"/>
+                </a:rPr>
+                <a:t>os</a:t>
+              </a:r>
+              <a:r>
+                <a:rPr lang="en-US" altLang="ko-KR" sz="1200" dirty="0">
+                  <a:solidFill>
+                    <a:schemeClr val="tx1">
+                      <a:lumMod val="75000"/>
+                      <a:lumOff val="25000"/>
+                    </a:schemeClr>
+                  </a:solidFill>
+                  <a:cs typeface="Arial" pitchFamily="34" charset="0"/>
+                </a:rPr>
+                <a:t> dados de </a:t>
+              </a:r>
+              <a:r>
+                <a:rPr lang="en-US" altLang="ko-KR" sz="1200" dirty="0" err="1">
+                  <a:solidFill>
+                    <a:schemeClr val="tx1">
+                      <a:lumMod val="75000"/>
+                      <a:lumOff val="25000"/>
+                    </a:schemeClr>
+                  </a:solidFill>
+                  <a:cs typeface="Arial" pitchFamily="34" charset="0"/>
+                </a:rPr>
+                <a:t>treinamento</a:t>
+              </a:r>
+              <a:r>
+                <a:rPr lang="en-US" altLang="ko-KR" sz="1200" dirty="0">
+                  <a:solidFill>
+                    <a:schemeClr val="tx1">
+                      <a:lumMod val="75000"/>
+                      <a:lumOff val="25000"/>
+                    </a:schemeClr>
+                  </a:solidFill>
+                  <a:cs typeface="Arial" pitchFamily="34" charset="0"/>
+                </a:rPr>
+                <a:t> se </a:t>
+              </a:r>
+              <a:r>
+                <a:rPr lang="en-US" altLang="ko-KR" sz="1200" dirty="0" err="1">
+                  <a:solidFill>
+                    <a:schemeClr val="tx1">
+                      <a:lumMod val="75000"/>
+                      <a:lumOff val="25000"/>
+                    </a:schemeClr>
+                  </a:solidFill>
+                  <a:cs typeface="Arial" pitchFamily="34" charset="0"/>
+                </a:rPr>
+                <a:t>transformam</a:t>
+              </a:r>
+              <a:r>
+                <a:rPr lang="en-US" altLang="ko-KR" sz="1200" dirty="0">
+                  <a:solidFill>
+                    <a:schemeClr val="tx1">
+                      <a:lumMod val="75000"/>
+                      <a:lumOff val="25000"/>
+                    </a:schemeClr>
+                  </a:solidFill>
+                  <a:cs typeface="Arial" pitchFamily="34" charset="0"/>
+                </a:rPr>
+                <a:t> </a:t>
+              </a:r>
+              <a:r>
+                <a:rPr lang="en-US" altLang="ko-KR" sz="1200" dirty="0" err="1">
+                  <a:solidFill>
+                    <a:schemeClr val="tx1">
+                      <a:lumMod val="75000"/>
+                      <a:lumOff val="25000"/>
+                    </a:schemeClr>
+                  </a:solidFill>
+                  <a:cs typeface="Arial" pitchFamily="34" charset="0"/>
+                </a:rPr>
+                <a:t>em</a:t>
+              </a:r>
+              <a:r>
+                <a:rPr lang="en-US" altLang="ko-KR" sz="1200" dirty="0">
+                  <a:solidFill>
+                    <a:schemeClr val="tx1">
+                      <a:lumMod val="75000"/>
+                      <a:lumOff val="25000"/>
+                    </a:schemeClr>
+                  </a:solidFill>
+                  <a:cs typeface="Arial" pitchFamily="34" charset="0"/>
+                </a:rPr>
+                <a:t> lei </a:t>
               </a:r>
               <a:endParaRPr lang="ko-KR" altLang="en-US" sz="1200" dirty="0">
                 <a:solidFill>
@@ -22512,7 +22989,7 @@
                   </a:solidFill>
                   <a:cs typeface="Arial" pitchFamily="34" charset="0"/>
                 </a:rPr>
-                <a:t>Add Contents Title</a:t>
+                <a:t>Cost Function</a:t>
               </a:r>
               <a:endParaRPr lang="ko-KR" altLang="en-US" sz="1400" b="1" dirty="0">
                 <a:solidFill>
@@ -22558,7 +23035,103 @@
                   </a:solidFill>
                   <a:cs typeface="Arial" pitchFamily="34" charset="0"/>
                 </a:rPr>
-                <a:t>You can simply impress your audience and add a unique zing. </a:t>
+                <a:t>Uma </a:t>
+              </a:r>
+              <a:r>
+                <a:rPr lang="en-US" altLang="ko-KR" sz="1200" dirty="0" err="1">
+                  <a:solidFill>
+                    <a:schemeClr val="tx1">
+                      <a:lumMod val="75000"/>
+                      <a:lumOff val="25000"/>
+                    </a:schemeClr>
+                  </a:solidFill>
+                  <a:cs typeface="Arial" pitchFamily="34" charset="0"/>
+                </a:rPr>
+                <a:t>maneira</a:t>
+              </a:r>
+              <a:r>
+                <a:rPr lang="en-US" altLang="ko-KR" sz="1200" dirty="0">
+                  <a:solidFill>
+                    <a:schemeClr val="tx1">
+                      <a:lumMod val="75000"/>
+                      <a:lumOff val="25000"/>
+                    </a:schemeClr>
+                  </a:solidFill>
+                  <a:cs typeface="Arial" pitchFamily="34" charset="0"/>
+                </a:rPr>
+                <a:t> de </a:t>
+              </a:r>
+              <a:r>
+                <a:rPr lang="en-US" altLang="ko-KR" sz="1200" dirty="0" err="1">
+                  <a:solidFill>
+                    <a:schemeClr val="tx1">
+                      <a:lumMod val="75000"/>
+                      <a:lumOff val="25000"/>
+                    </a:schemeClr>
+                  </a:solidFill>
+                  <a:cs typeface="Arial" pitchFamily="34" charset="0"/>
+                </a:rPr>
+                <a:t>aplicar</a:t>
+              </a:r>
+              <a:r>
+                <a:rPr lang="en-US" altLang="ko-KR" sz="1200" dirty="0">
+                  <a:solidFill>
+                    <a:schemeClr val="tx1">
+                      <a:lumMod val="75000"/>
+                      <a:lumOff val="25000"/>
+                    </a:schemeClr>
+                  </a:solidFill>
+                  <a:cs typeface="Arial" pitchFamily="34" charset="0"/>
+                </a:rPr>
+                <a:t> a </a:t>
+              </a:r>
+              <a:r>
+                <a:rPr lang="en-US" altLang="ko-KR" sz="1200" dirty="0" err="1">
+                  <a:solidFill>
+                    <a:schemeClr val="tx1">
+                      <a:lumMod val="75000"/>
+                      <a:lumOff val="25000"/>
+                    </a:schemeClr>
+                  </a:solidFill>
+                  <a:cs typeface="Arial" pitchFamily="34" charset="0"/>
+                </a:rPr>
+                <a:t>regularização</a:t>
+              </a:r>
+              <a:r>
+                <a:rPr lang="en-US" altLang="ko-KR" sz="1200" dirty="0">
+                  <a:solidFill>
+                    <a:schemeClr val="tx1">
+                      <a:lumMod val="75000"/>
+                      <a:lumOff val="25000"/>
+                    </a:schemeClr>
+                  </a:solidFill>
+                  <a:cs typeface="Arial" pitchFamily="34" charset="0"/>
+                </a:rPr>
+                <a:t> e </a:t>
+              </a:r>
+              <a:r>
+                <a:rPr lang="en-US" altLang="ko-KR" sz="1200" dirty="0" err="1">
+                  <a:solidFill>
+                    <a:schemeClr val="tx1">
+                      <a:lumMod val="75000"/>
+                      <a:lumOff val="25000"/>
+                    </a:schemeClr>
+                  </a:solidFill>
+                  <a:cs typeface="Arial" pitchFamily="34" charset="0"/>
+                </a:rPr>
+                <a:t>evitar</a:t>
+              </a:r>
+              <a:r>
+                <a:rPr lang="en-US" altLang="ko-KR" sz="1200" dirty="0">
+                  <a:solidFill>
+                    <a:schemeClr val="tx1">
+                      <a:lumMod val="75000"/>
+                      <a:lumOff val="25000"/>
+                    </a:schemeClr>
+                  </a:solidFill>
+                  <a:cs typeface="Arial" pitchFamily="34" charset="0"/>
+                </a:rPr>
+                <a:t> o overfitting</a:t>
               </a:r>
               <a:endParaRPr lang="ko-KR" altLang="en-US" sz="1200" dirty="0">
                 <a:solidFill>
@@ -22610,7 +23183,7 @@
             <a:lstStyle/>
             <a:p>
               <a:r>
-                <a:rPr lang="en-US" altLang="ko-KR" sz="1400" b="1" dirty="0">
+                <a:rPr lang="en-US" altLang="ko-KR" sz="1400" b="1" dirty="0" err="1">
                   <a:solidFill>
                     <a:schemeClr val="tx1">
                       <a:lumMod val="75000"/>
@@ -22619,7 +23192,7 @@
                   </a:solidFill>
                   <a:cs typeface="Arial" pitchFamily="34" charset="0"/>
                 </a:rPr>
-                <a:t>Add Contents Title</a:t>
+                <a:t>Regularização</a:t>
               </a:r>
               <a:endParaRPr lang="ko-KR" altLang="en-US" sz="1400" b="1" dirty="0">
                 <a:solidFill>
@@ -22656,6 +23229,18 @@
             <a:lstStyle/>
             <a:p>
               <a:r>
+                <a:rPr lang="en-US" altLang="ko-KR" sz="1200" dirty="0" err="1">
+                  <a:solidFill>
+                    <a:schemeClr val="tx1">
+                      <a:lumMod val="75000"/>
+                      <a:lumOff val="25000"/>
+                    </a:schemeClr>
+                  </a:solidFill>
+                  <a:cs typeface="Arial" pitchFamily="34" charset="0"/>
+                </a:rPr>
+                <a:t>Alterando</a:t>
+              </a:r>
+              <a:r>
                 <a:rPr lang="en-US" altLang="ko-KR" sz="1200" dirty="0">
                   <a:solidFill>
                     <a:schemeClr val="tx1">
@@ -22665,7 +23250,19 @@
                   </a:solidFill>
                   <a:cs typeface="Arial" pitchFamily="34" charset="0"/>
                 </a:rPr>
-                <a:t>You can simply impress your audience and add a unique zing. </a:t>
+                <a:t> a magnitude de </a:t>
+              </a:r>
+              <a:r>
+                <a:rPr lang="en-US" altLang="ko-KR" sz="1200" dirty="0" err="1">
+                  <a:solidFill>
+                    <a:schemeClr val="tx1">
+                      <a:lumMod val="75000"/>
+                      <a:lumOff val="25000"/>
+                    </a:schemeClr>
+                  </a:solidFill>
+                  <a:cs typeface="Arial" pitchFamily="34" charset="0"/>
+                </a:rPr>
+                <a:t>parâmetros</a:t>
               </a:r>
               <a:endParaRPr lang="ko-KR" altLang="en-US" sz="1200" dirty="0">
                 <a:solidFill>
@@ -22717,6 +23314,18 @@
             <a:lstStyle/>
             <a:p>
               <a:r>
+                <a:rPr lang="en-US" altLang="ko-KR" sz="1400" b="1" dirty="0" err="1">
+                  <a:solidFill>
+                    <a:schemeClr val="tx1">
+                      <a:lumMod val="75000"/>
+                      <a:lumOff val="25000"/>
+                    </a:schemeClr>
+                  </a:solidFill>
+                  <a:cs typeface="Arial" pitchFamily="34" charset="0"/>
+                </a:rPr>
+                <a:t>Regularização</a:t>
+              </a:r>
+              <a:r>
                 <a:rPr lang="en-US" altLang="ko-KR" sz="1400" b="1" dirty="0">
                   <a:solidFill>
                     <a:schemeClr val="tx1">
@@ -22726,7 +23335,67 @@
                   </a:solidFill>
                   <a:cs typeface="Arial" pitchFamily="34" charset="0"/>
                 </a:rPr>
-                <a:t>Add Contents Title</a:t>
+                <a:t> </a:t>
+              </a:r>
+              <a:r>
+                <a:rPr lang="en-US" altLang="ko-KR" sz="1400" b="1" dirty="0" err="1">
+                  <a:solidFill>
+                    <a:schemeClr val="tx1">
+                      <a:lumMod val="75000"/>
+                      <a:lumOff val="25000"/>
+                    </a:schemeClr>
+                  </a:solidFill>
+                  <a:cs typeface="Arial" pitchFamily="34" charset="0"/>
+                </a:rPr>
+                <a:t>em</a:t>
+              </a:r>
+              <a:r>
+                <a:rPr lang="en-US" altLang="ko-KR" sz="1400" b="1" dirty="0">
+                  <a:solidFill>
+                    <a:schemeClr val="tx1">
+                      <a:lumMod val="75000"/>
+                      <a:lumOff val="25000"/>
+                    </a:schemeClr>
+                  </a:solidFill>
+                  <a:cs typeface="Arial" pitchFamily="34" charset="0"/>
+                </a:rPr>
+                <a:t> </a:t>
+              </a:r>
+              <a:r>
+                <a:rPr lang="en-US" altLang="ko-KR" sz="1400" b="1" dirty="0" err="1">
+                  <a:solidFill>
+                    <a:schemeClr val="tx1">
+                      <a:lumMod val="75000"/>
+                      <a:lumOff val="25000"/>
+                    </a:schemeClr>
+                  </a:solidFill>
+                  <a:cs typeface="Arial" pitchFamily="34" charset="0"/>
+                </a:rPr>
+                <a:t>Regressão</a:t>
+              </a:r>
+              <a:r>
+                <a:rPr lang="en-US" altLang="ko-KR" sz="1400" b="1" dirty="0">
+                  <a:solidFill>
+                    <a:schemeClr val="tx1">
+                      <a:lumMod val="75000"/>
+                      <a:lumOff val="25000"/>
+                    </a:schemeClr>
+                  </a:solidFill>
+                  <a:cs typeface="Arial" pitchFamily="34" charset="0"/>
+                </a:rPr>
+                <a:t> Linear e </a:t>
+              </a:r>
+              <a:r>
+                <a:rPr lang="en-US" altLang="ko-KR" sz="1400" b="1" dirty="0" err="1">
+                  <a:solidFill>
+                    <a:schemeClr val="tx1">
+                      <a:lumMod val="75000"/>
+                      <a:lumOff val="25000"/>
+                    </a:schemeClr>
+                  </a:solidFill>
+                  <a:cs typeface="Arial" pitchFamily="34" charset="0"/>
+                </a:rPr>
+                <a:t>Logística</a:t>
               </a:r>
               <a:endParaRPr lang="ko-KR" altLang="en-US" sz="1400" b="1" dirty="0">
                 <a:solidFill>
@@ -22763,6 +23432,18 @@
             <a:lstStyle/>
             <a:p>
               <a:r>
+                <a:rPr lang="en-US" altLang="ko-KR" sz="1200" dirty="0" err="1">
+                  <a:solidFill>
+                    <a:schemeClr val="tx1">
+                      <a:lumMod val="75000"/>
+                      <a:lumOff val="25000"/>
+                    </a:schemeClr>
+                  </a:solidFill>
+                  <a:cs typeface="Arial" pitchFamily="34" charset="0"/>
+                </a:rPr>
+                <a:t>Definindo</a:t>
+              </a:r>
+              <a:r>
                 <a:rPr lang="en-US" altLang="ko-KR" sz="1200" dirty="0">
                   <a:solidFill>
                     <a:schemeClr val="tx1">
@@ -22772,7 +23453,67 @@
                   </a:solidFill>
                   <a:cs typeface="Arial" pitchFamily="34" charset="0"/>
                 </a:rPr>
-                <a:t>You can simply impress your audience and add a unique zing. </a:t>
+                <a:t> </a:t>
+              </a:r>
+              <a:r>
+                <a:rPr lang="en-US" altLang="ko-KR" sz="1200" dirty="0" err="1">
+                  <a:solidFill>
+                    <a:schemeClr val="tx1">
+                      <a:lumMod val="75000"/>
+                      <a:lumOff val="25000"/>
+                    </a:schemeClr>
+                  </a:solidFill>
+                  <a:cs typeface="Arial" pitchFamily="34" charset="0"/>
+                </a:rPr>
+                <a:t>equação</a:t>
+              </a:r>
+              <a:r>
+                <a:rPr lang="en-US" altLang="ko-KR" sz="1200" dirty="0">
+                  <a:solidFill>
+                    <a:schemeClr val="tx1">
+                      <a:lumMod val="75000"/>
+                      <a:lumOff val="25000"/>
+                    </a:schemeClr>
+                  </a:solidFill>
+                  <a:cs typeface="Arial" pitchFamily="34" charset="0"/>
+                </a:rPr>
+                <a:t> com </a:t>
+              </a:r>
+              <a:r>
+                <a:rPr lang="en-US" altLang="ko-KR" sz="1200" dirty="0" err="1">
+                  <a:solidFill>
+                    <a:schemeClr val="tx1">
+                      <a:lumMod val="75000"/>
+                      <a:lumOff val="25000"/>
+                    </a:schemeClr>
+                  </a:solidFill>
+                  <a:cs typeface="Arial" pitchFamily="34" charset="0"/>
+                </a:rPr>
+                <a:t>Gradiente</a:t>
+              </a:r>
+              <a:r>
+                <a:rPr lang="en-US" altLang="ko-KR" sz="1200" dirty="0">
+                  <a:solidFill>
+                    <a:schemeClr val="tx1">
+                      <a:lumMod val="75000"/>
+                      <a:lumOff val="25000"/>
+                    </a:schemeClr>
+                  </a:solidFill>
+                  <a:cs typeface="Arial" pitchFamily="34" charset="0"/>
+                </a:rPr>
+                <a:t> </a:t>
+              </a:r>
+              <a:r>
+                <a:rPr lang="en-US" altLang="ko-KR" sz="1200" dirty="0" err="1">
+                  <a:solidFill>
+                    <a:schemeClr val="tx1">
+                      <a:lumMod val="75000"/>
+                      <a:lumOff val="25000"/>
+                    </a:schemeClr>
+                  </a:solidFill>
+                  <a:cs typeface="Arial" pitchFamily="34" charset="0"/>
+                </a:rPr>
+                <a:t>Descendente</a:t>
               </a:r>
               <a:endParaRPr lang="ko-KR" altLang="en-US" sz="1200" dirty="0">
                 <a:solidFill>
@@ -22797,6 +23538,6467 @@
   <p:clrMapOvr>
     <a:masterClrMapping/>
   </p:clrMapOvr>
+</p:sld>
+</file>
+
+<file path=ppt/slides/slide20.xml><?xml version="1.0" encoding="utf-8"?>
+<p:sld xmlns:a="http://schemas.openxmlformats.org/drawingml/2006/main" xmlns:r="http://schemas.openxmlformats.org/officeDocument/2006/relationships" xmlns:p="http://schemas.openxmlformats.org/presentationml/2006/main">
+  <p:cSld>
+    <p:spTree>
+      <p:nvGrpSpPr>
+        <p:cNvPr id="1" name=""/>
+        <p:cNvGrpSpPr/>
+        <p:nvPr/>
+      </p:nvGrpSpPr>
+      <p:grpSpPr>
+        <a:xfrm>
+          <a:off x="0" y="0"/>
+          <a:ext cx="0" cy="0"/>
+          <a:chOff x="0" y="0"/>
+          <a:chExt cx="0" cy="0"/>
+        </a:xfrm>
+      </p:grpSpPr>
+      <p:sp>
+        <p:nvSpPr>
+          <p:cNvPr id="2" name="Text Placeholder 1"/>
+          <p:cNvSpPr>
+            <a:spLocks noGrp="1"/>
+          </p:cNvSpPr>
+          <p:nvPr>
+            <p:ph type="body" sz="quarter" idx="10"/>
+          </p:nvPr>
+        </p:nvSpPr>
+        <p:spPr>
+          <a:xfrm>
+            <a:off x="2116108" y="3049518"/>
+            <a:ext cx="4896544" cy="978964"/>
+          </a:xfrm>
+        </p:spPr>
+        <p:txBody>
+          <a:bodyPr/>
+          <a:lstStyle/>
+          <a:p>
+            <a:r>
+              <a:rPr lang="en-US" altLang="ko-KR" dirty="0"/>
+              <a:t>Regularized</a:t>
+            </a:r>
+          </a:p>
+          <a:p>
+            <a:r>
+              <a:rPr lang="en-US" altLang="ko-KR" dirty="0"/>
+              <a:t>Logistic Regression</a:t>
+            </a:r>
+            <a:endParaRPr lang="ko-KR" altLang="en-US" dirty="0"/>
+          </a:p>
+        </p:txBody>
+      </p:sp>
+      <p:sp>
+        <p:nvSpPr>
+          <p:cNvPr id="4" name="Retângulo 3">
+            <a:extLst>
+              <a:ext uri="{FF2B5EF4-FFF2-40B4-BE49-F238E27FC236}">
+                <a16:creationId xmlns:a16="http://schemas.microsoft.com/office/drawing/2014/main" id="{9F06C91E-55FC-4C41-BFBC-0B9A23D9CFAC}"/>
+              </a:ext>
+            </a:extLst>
+          </p:cNvPr>
+          <p:cNvSpPr/>
+          <p:nvPr/>
+        </p:nvSpPr>
+        <p:spPr>
+          <a:xfrm>
+            <a:off x="3851920" y="987574"/>
+            <a:ext cx="1512168" cy="1944216"/>
+          </a:xfrm>
+          <a:prstGeom prst="rect">
+            <a:avLst/>
+          </a:prstGeom>
+          <a:ln>
+            <a:noFill/>
+          </a:ln>
+        </p:spPr>
+        <p:style>
+          <a:lnRef idx="2">
+            <a:schemeClr val="accent1">
+              <a:shade val="50000"/>
+            </a:schemeClr>
+          </a:lnRef>
+          <a:fillRef idx="1">
+            <a:schemeClr val="accent1"/>
+          </a:fillRef>
+          <a:effectRef idx="0">
+            <a:schemeClr val="accent1"/>
+          </a:effectRef>
+          <a:fontRef idx="minor">
+            <a:schemeClr val="lt1"/>
+          </a:fontRef>
+        </p:style>
+        <p:txBody>
+          <a:bodyPr rtlCol="0" anchor="ctr"/>
+          <a:lstStyle/>
+          <a:p>
+            <a:pPr algn="ctr"/>
+            <a:endParaRPr lang="pt-BR"/>
+          </a:p>
+        </p:txBody>
+      </p:sp>
+      <p:pic>
+        <p:nvPicPr>
+          <p:cNvPr id="9" name="Imagem 8">
+            <a:extLst>
+              <a:ext uri="{FF2B5EF4-FFF2-40B4-BE49-F238E27FC236}">
+                <a16:creationId xmlns:a16="http://schemas.microsoft.com/office/drawing/2014/main" id="{51C0FE3C-E5D2-4194-AF5D-0A6A5B1F5EBD}"/>
+              </a:ext>
+            </a:extLst>
+          </p:cNvPr>
+          <p:cNvPicPr>
+            <a:picLocks noChangeAspect="1"/>
+          </p:cNvPicPr>
+          <p:nvPr/>
+        </p:nvPicPr>
+        <p:blipFill rotWithShape="1">
+          <a:blip r:embed="rId2">
+            <a:extLst>
+              <a:ext uri="{28A0092B-C50C-407E-A947-70E740481C1C}">
+                <a14:useLocalDpi xmlns:a14="http://schemas.microsoft.com/office/drawing/2010/main" val="0"/>
+              </a:ext>
+            </a:extLst>
+          </a:blip>
+          <a:srcRect l="32892" t="36000" r="35524" b="37400"/>
+          <a:stretch/>
+        </p:blipFill>
+        <p:spPr>
+          <a:xfrm>
+            <a:off x="3635896" y="1144326"/>
+            <a:ext cx="2079749" cy="1646468"/>
+          </a:xfrm>
+          <a:prstGeom prst="rect">
+            <a:avLst/>
+          </a:prstGeom>
+        </p:spPr>
+      </p:pic>
+      <p:sp>
+        <p:nvSpPr>
+          <p:cNvPr id="12" name="Text Placeholder 1">
+            <a:extLst>
+              <a:ext uri="{FF2B5EF4-FFF2-40B4-BE49-F238E27FC236}">
+                <a16:creationId xmlns:a16="http://schemas.microsoft.com/office/drawing/2014/main" id="{DCE2AC35-9798-47C5-8B1F-8A119DB3443D}"/>
+              </a:ext>
+            </a:extLst>
+          </p:cNvPr>
+          <p:cNvSpPr txBox="1">
+            <a:spLocks/>
+          </p:cNvSpPr>
+          <p:nvPr/>
+        </p:nvSpPr>
+        <p:spPr>
+          <a:xfrm>
+            <a:off x="2123728" y="4104890"/>
+            <a:ext cx="4896544" cy="978964"/>
+          </a:xfrm>
+          <a:prstGeom prst="rect">
+            <a:avLst/>
+          </a:prstGeom>
+        </p:spPr>
+        <p:txBody>
+          <a:bodyPr anchor="ctr"/>
+          <a:lstStyle>
+            <a:lvl1pPr marL="0" indent="0" algn="ctr" defTabSz="914400" rtl="0" eaLnBrk="1" latinLnBrk="1" hangingPunct="1">
+              <a:spcBef>
+                <a:spcPct val="20000"/>
+              </a:spcBef>
+              <a:buFont typeface="Arial" pitchFamily="34" charset="0"/>
+              <a:buNone/>
+              <a:defRPr sz="3600" b="0" kern="1200" baseline="0">
+                <a:solidFill>
+                  <a:schemeClr val="bg1"/>
+                </a:solidFill>
+                <a:latin typeface="+mj-lt"/>
+                <a:ea typeface="+mn-ea"/>
+                <a:cs typeface="Arial" pitchFamily="34" charset="0"/>
+              </a:defRPr>
+            </a:lvl1pPr>
+            <a:lvl2pPr marL="742950" indent="-285750" algn="l" defTabSz="914400" rtl="0" eaLnBrk="1" latinLnBrk="1" hangingPunct="1">
+              <a:spcBef>
+                <a:spcPct val="20000"/>
+              </a:spcBef>
+              <a:buFont typeface="Arial" pitchFamily="34" charset="0"/>
+              <a:buChar char="–"/>
+              <a:defRPr sz="2800" kern="1200">
+                <a:solidFill>
+                  <a:schemeClr val="tx1"/>
+                </a:solidFill>
+                <a:latin typeface="+mn-lt"/>
+                <a:ea typeface="+mn-ea"/>
+                <a:cs typeface="+mn-cs"/>
+              </a:defRPr>
+            </a:lvl2pPr>
+            <a:lvl3pPr marL="1143000" indent="-228600" algn="l" defTabSz="914400" rtl="0" eaLnBrk="1" latinLnBrk="1" hangingPunct="1">
+              <a:spcBef>
+                <a:spcPct val="20000"/>
+              </a:spcBef>
+              <a:buFont typeface="Arial" pitchFamily="34" charset="0"/>
+              <a:buChar char="•"/>
+              <a:defRPr sz="2400" kern="1200">
+                <a:solidFill>
+                  <a:schemeClr val="tx1"/>
+                </a:solidFill>
+                <a:latin typeface="+mn-lt"/>
+                <a:ea typeface="+mn-ea"/>
+                <a:cs typeface="+mn-cs"/>
+              </a:defRPr>
+            </a:lvl3pPr>
+            <a:lvl4pPr marL="1600200" indent="-228600" algn="l" defTabSz="914400" rtl="0" eaLnBrk="1" latinLnBrk="1" hangingPunct="1">
+              <a:spcBef>
+                <a:spcPct val="20000"/>
+              </a:spcBef>
+              <a:buFont typeface="Arial" pitchFamily="34" charset="0"/>
+              <a:buChar char="–"/>
+              <a:defRPr sz="2000" kern="1200">
+                <a:solidFill>
+                  <a:schemeClr val="tx1"/>
+                </a:solidFill>
+                <a:latin typeface="+mn-lt"/>
+                <a:ea typeface="+mn-ea"/>
+                <a:cs typeface="+mn-cs"/>
+              </a:defRPr>
+            </a:lvl4pPr>
+            <a:lvl5pPr marL="2057400" indent="-228600" algn="l" defTabSz="914400" rtl="0" eaLnBrk="1" latinLnBrk="1" hangingPunct="1">
+              <a:spcBef>
+                <a:spcPct val="20000"/>
+              </a:spcBef>
+              <a:buFont typeface="Arial" pitchFamily="34" charset="0"/>
+              <a:buChar char="»"/>
+              <a:defRPr sz="2000" kern="1200">
+                <a:solidFill>
+                  <a:schemeClr val="tx1"/>
+                </a:solidFill>
+                <a:latin typeface="+mn-lt"/>
+                <a:ea typeface="+mn-ea"/>
+                <a:cs typeface="+mn-cs"/>
+              </a:defRPr>
+            </a:lvl5pPr>
+            <a:lvl6pPr marL="2514600" indent="-228600" algn="l" defTabSz="914400" rtl="0" eaLnBrk="1" latinLnBrk="1" hangingPunct="1">
+              <a:spcBef>
+                <a:spcPct val="20000"/>
+              </a:spcBef>
+              <a:buFont typeface="Arial" pitchFamily="34" charset="0"/>
+              <a:buChar char="•"/>
+              <a:defRPr sz="2000" kern="1200">
+                <a:solidFill>
+                  <a:schemeClr val="tx1"/>
+                </a:solidFill>
+                <a:latin typeface="+mn-lt"/>
+                <a:ea typeface="+mn-ea"/>
+                <a:cs typeface="+mn-cs"/>
+              </a:defRPr>
+            </a:lvl6pPr>
+            <a:lvl7pPr marL="2971800" indent="-228600" algn="l" defTabSz="914400" rtl="0" eaLnBrk="1" latinLnBrk="1" hangingPunct="1">
+              <a:spcBef>
+                <a:spcPct val="20000"/>
+              </a:spcBef>
+              <a:buFont typeface="Arial" pitchFamily="34" charset="0"/>
+              <a:buChar char="•"/>
+              <a:defRPr sz="2000" kern="1200">
+                <a:solidFill>
+                  <a:schemeClr val="tx1"/>
+                </a:solidFill>
+                <a:latin typeface="+mn-lt"/>
+                <a:ea typeface="+mn-ea"/>
+                <a:cs typeface="+mn-cs"/>
+              </a:defRPr>
+            </a:lvl7pPr>
+            <a:lvl8pPr marL="3429000" indent="-228600" algn="l" defTabSz="914400" rtl="0" eaLnBrk="1" latinLnBrk="1" hangingPunct="1">
+              <a:spcBef>
+                <a:spcPct val="20000"/>
+              </a:spcBef>
+              <a:buFont typeface="Arial" pitchFamily="34" charset="0"/>
+              <a:buChar char="•"/>
+              <a:defRPr sz="2000" kern="1200">
+                <a:solidFill>
+                  <a:schemeClr val="tx1"/>
+                </a:solidFill>
+                <a:latin typeface="+mn-lt"/>
+                <a:ea typeface="+mn-ea"/>
+                <a:cs typeface="+mn-cs"/>
+              </a:defRPr>
+            </a:lvl8pPr>
+            <a:lvl9pPr marL="3886200" indent="-228600" algn="l" defTabSz="914400" rtl="0" eaLnBrk="1" latinLnBrk="1" hangingPunct="1">
+              <a:spcBef>
+                <a:spcPct val="20000"/>
+              </a:spcBef>
+              <a:buFont typeface="Arial" pitchFamily="34" charset="0"/>
+              <a:buChar char="•"/>
+              <a:defRPr sz="2000" kern="1200">
+                <a:solidFill>
+                  <a:schemeClr val="tx1"/>
+                </a:solidFill>
+                <a:latin typeface="+mn-lt"/>
+                <a:ea typeface="+mn-ea"/>
+                <a:cs typeface="+mn-cs"/>
+              </a:defRPr>
+            </a:lvl9pPr>
+          </a:lstStyle>
+          <a:p>
+            <a:r>
+              <a:rPr lang="en-US" altLang="ko-KR" sz="1800" i="1" dirty="0">
+                <a:solidFill>
+                  <a:schemeClr val="accent1"/>
+                </a:solidFill>
+              </a:rPr>
+              <a:t>Gradient Descent and Normal Equation</a:t>
+            </a:r>
+            <a:endParaRPr lang="ko-KR" altLang="en-US" sz="1800" i="1" dirty="0">
+              <a:solidFill>
+                <a:schemeClr val="accent1"/>
+              </a:solidFill>
+            </a:endParaRPr>
+          </a:p>
+        </p:txBody>
+      </p:sp>
+    </p:spTree>
+    <p:extLst>
+      <p:ext uri="{BB962C8B-B14F-4D97-AF65-F5344CB8AC3E}">
+        <p14:creationId xmlns:p14="http://schemas.microsoft.com/office/powerpoint/2010/main" val="394566373"/>
+      </p:ext>
+    </p:extLst>
+  </p:cSld>
+  <p:clrMapOvr>
+    <a:masterClrMapping/>
+  </p:clrMapOvr>
+</p:sld>
+</file>
+
+<file path=ppt/slides/slide21.xml><?xml version="1.0" encoding="utf-8"?>
+<p:sld xmlns:a="http://schemas.openxmlformats.org/drawingml/2006/main" xmlns:r="http://schemas.openxmlformats.org/officeDocument/2006/relationships" xmlns:p="http://schemas.openxmlformats.org/presentationml/2006/main">
+  <p:cSld>
+    <p:spTree>
+      <p:nvGrpSpPr>
+        <p:cNvPr id="1" name=""/>
+        <p:cNvGrpSpPr/>
+        <p:nvPr/>
+      </p:nvGrpSpPr>
+      <p:grpSpPr>
+        <a:xfrm>
+          <a:off x="0" y="0"/>
+          <a:ext cx="0" cy="0"/>
+          <a:chOff x="0" y="0"/>
+          <a:chExt cx="0" cy="0"/>
+        </a:xfrm>
+      </p:grpSpPr>
+      <p:sp>
+        <p:nvSpPr>
+          <p:cNvPr id="2" name="Text Placeholder 1"/>
+          <p:cNvSpPr>
+            <a:spLocks noGrp="1"/>
+          </p:cNvSpPr>
+          <p:nvPr>
+            <p:ph type="body" sz="quarter" idx="10"/>
+          </p:nvPr>
+        </p:nvSpPr>
+        <p:spPr/>
+        <p:txBody>
+          <a:bodyPr/>
+          <a:lstStyle/>
+          <a:p>
+            <a:r>
+              <a:rPr lang="en-US" altLang="ko-KR" dirty="0" err="1"/>
+              <a:t>Relembrando</a:t>
+            </a:r>
+            <a:endParaRPr lang="ko-KR" altLang="en-US" dirty="0"/>
+          </a:p>
+        </p:txBody>
+      </p:sp>
+      <p:sp>
+        <p:nvSpPr>
+          <p:cNvPr id="23" name="Text Placeholder 2">
+            <a:extLst>
+              <a:ext uri="{FF2B5EF4-FFF2-40B4-BE49-F238E27FC236}">
+                <a16:creationId xmlns:a16="http://schemas.microsoft.com/office/drawing/2014/main" id="{BDC97185-A508-42AE-BB95-C72247E6A32C}"/>
+              </a:ext>
+            </a:extLst>
+          </p:cNvPr>
+          <p:cNvSpPr>
+            <a:spLocks noGrp="1"/>
+          </p:cNvSpPr>
+          <p:nvPr>
+            <p:ph type="body" sz="quarter" idx="11"/>
+          </p:nvPr>
+        </p:nvSpPr>
+        <p:spPr>
+          <a:xfrm>
+            <a:off x="0" y="699542"/>
+            <a:ext cx="9144000" cy="288032"/>
+          </a:xfrm>
+        </p:spPr>
+        <p:txBody>
+          <a:bodyPr/>
+          <a:lstStyle/>
+          <a:p>
+            <a:pPr lvl="0"/>
+            <a:r>
+              <a:rPr lang="pt-BR" altLang="ko-KR" dirty="0"/>
+              <a:t>O </a:t>
+            </a:r>
+            <a:r>
+              <a:rPr lang="pt-BR" altLang="ko-KR" dirty="0" err="1"/>
+              <a:t>Overfitting</a:t>
+            </a:r>
+            <a:r>
+              <a:rPr lang="pt-BR" altLang="ko-KR" dirty="0"/>
+              <a:t> em problemas de classificação</a:t>
+            </a:r>
+            <a:endParaRPr lang="en-US" altLang="ko-KR" dirty="0"/>
+          </a:p>
+        </p:txBody>
+      </p:sp>
+      <mc:AlternateContent xmlns:mc="http://schemas.openxmlformats.org/markup-compatibility/2006">
+        <mc:Choice xmlns:a14="http://schemas.microsoft.com/office/drawing/2010/main" Requires="a14">
+          <p:sp>
+            <p:nvSpPr>
+              <p:cNvPr id="12" name="CaixaDeTexto 11">
+                <a:extLst>
+                  <a:ext uri="{FF2B5EF4-FFF2-40B4-BE49-F238E27FC236}">
+                    <a16:creationId xmlns:a16="http://schemas.microsoft.com/office/drawing/2014/main" id="{3774E55D-F597-4109-A7A1-92E25E6040F3}"/>
+                  </a:ext>
+                </a:extLst>
+              </p:cNvPr>
+              <p:cNvSpPr txBox="1"/>
+              <p:nvPr/>
+            </p:nvSpPr>
+            <p:spPr>
+              <a:xfrm>
+                <a:off x="2339752" y="1585384"/>
+                <a:ext cx="6696744" cy="282129"/>
+              </a:xfrm>
+              <a:prstGeom prst="rect">
+                <a:avLst/>
+              </a:prstGeom>
+              <a:noFill/>
+            </p:spPr>
+            <p:txBody>
+              <a:bodyPr wrap="square" lIns="0" tIns="0" rIns="0" bIns="0" rtlCol="0">
+                <a:spAutoFit/>
+              </a:bodyPr>
+              <a:lstStyle/>
+              <a:p>
+                <a:pPr/>
+                <a14:m>
+                  <m:oMathPara xmlns:m="http://schemas.openxmlformats.org/officeDocument/2006/math">
+                    <m:oMathParaPr>
+                      <m:jc m:val="centerGroup"/>
+                    </m:oMathParaPr>
+                    <m:oMath xmlns:m="http://schemas.openxmlformats.org/officeDocument/2006/math">
+                      <m:sSub>
+                        <m:sSubPr>
+                          <m:ctrlPr>
+                            <a:rPr lang="pt-BR" b="0" i="1" smtClean="0">
+                              <a:latin typeface="Cambria Math" panose="02040503050406030204" pitchFamily="18" charset="0"/>
+                            </a:rPr>
+                          </m:ctrlPr>
+                        </m:sSubPr>
+                        <m:e>
+                          <m:r>
+                            <a:rPr lang="pt-BR" b="0" i="1" smtClean="0">
+                              <a:latin typeface="Cambria Math" panose="02040503050406030204" pitchFamily="18" charset="0"/>
+                            </a:rPr>
+                            <m:t>h</m:t>
+                          </m:r>
+                        </m:e>
+                        <m:sub>
+                          <m:r>
+                            <a:rPr lang="pt-BR" b="0" i="1" smtClean="0">
+                              <a:latin typeface="Cambria Math" panose="02040503050406030204" pitchFamily="18" charset="0"/>
+                            </a:rPr>
+                            <m:t>𝜃</m:t>
+                          </m:r>
+                        </m:sub>
+                      </m:sSub>
+                      <m:d>
+                        <m:dPr>
+                          <m:ctrlPr>
+                            <a:rPr lang="pt-BR" b="0" i="1" smtClean="0">
+                              <a:latin typeface="Cambria Math" panose="02040503050406030204" pitchFamily="18" charset="0"/>
+                            </a:rPr>
+                          </m:ctrlPr>
+                        </m:dPr>
+                        <m:e>
+                          <m:r>
+                            <a:rPr lang="pt-BR" b="0" i="1" smtClean="0">
+                              <a:latin typeface="Cambria Math" panose="02040503050406030204" pitchFamily="18" charset="0"/>
+                            </a:rPr>
+                            <m:t>𝑥</m:t>
+                          </m:r>
+                        </m:e>
+                      </m:d>
+                      <m:r>
+                        <a:rPr lang="pt-BR" b="0" i="1" smtClean="0">
+                          <a:latin typeface="Cambria Math" panose="02040503050406030204" pitchFamily="18" charset="0"/>
+                        </a:rPr>
+                        <m:t>=</m:t>
+                      </m:r>
+                      <m:sSub>
+                        <m:sSubPr>
+                          <m:ctrlPr>
+                            <a:rPr lang="pt-BR" b="0" i="1" smtClean="0">
+                              <a:latin typeface="Cambria Math" panose="02040503050406030204" pitchFamily="18" charset="0"/>
+                            </a:rPr>
+                          </m:ctrlPr>
+                        </m:sSubPr>
+                        <m:e>
+                          <m:r>
+                            <a:rPr lang="pt-BR" b="0" i="1" smtClean="0">
+                              <a:latin typeface="Cambria Math" panose="02040503050406030204" pitchFamily="18" charset="0"/>
+                            </a:rPr>
+                            <m:t>𝑔</m:t>
+                          </m:r>
+                          <m:r>
+                            <a:rPr lang="pt-BR" b="0" i="1" smtClean="0">
+                              <a:latin typeface="Cambria Math" panose="02040503050406030204" pitchFamily="18" charset="0"/>
+                            </a:rPr>
+                            <m:t>(</m:t>
+                          </m:r>
+                          <m:r>
+                            <a:rPr lang="pt-BR" b="0" i="1" smtClean="0">
+                              <a:latin typeface="Cambria Math" panose="02040503050406030204" pitchFamily="18" charset="0"/>
+                            </a:rPr>
+                            <m:t>𝜃</m:t>
+                          </m:r>
+                        </m:e>
+                        <m:sub>
+                          <m:r>
+                            <a:rPr lang="pt-BR" b="0" i="1" smtClean="0">
+                              <a:latin typeface="Cambria Math" panose="02040503050406030204" pitchFamily="18" charset="0"/>
+                            </a:rPr>
+                            <m:t>0</m:t>
+                          </m:r>
+                        </m:sub>
+                      </m:sSub>
+                      <m:r>
+                        <a:rPr lang="pt-BR" b="0" i="1" smtClean="0">
+                          <a:latin typeface="Cambria Math" panose="02040503050406030204" pitchFamily="18" charset="0"/>
+                        </a:rPr>
+                        <m:t>+</m:t>
+                      </m:r>
+                      <m:sSub>
+                        <m:sSubPr>
+                          <m:ctrlPr>
+                            <a:rPr lang="pt-BR" b="0" i="1" smtClean="0">
+                              <a:latin typeface="Cambria Math" panose="02040503050406030204" pitchFamily="18" charset="0"/>
+                            </a:rPr>
+                          </m:ctrlPr>
+                        </m:sSubPr>
+                        <m:e>
+                          <m:r>
+                            <a:rPr lang="pt-BR" b="0" i="1" smtClean="0">
+                              <a:latin typeface="Cambria Math" panose="02040503050406030204" pitchFamily="18" charset="0"/>
+                            </a:rPr>
+                            <m:t>𝜃</m:t>
+                          </m:r>
+                        </m:e>
+                        <m:sub>
+                          <m:r>
+                            <a:rPr lang="pt-BR" b="0" i="1" smtClean="0">
+                              <a:latin typeface="Cambria Math" panose="02040503050406030204" pitchFamily="18" charset="0"/>
+                            </a:rPr>
+                            <m:t>1</m:t>
+                          </m:r>
+                        </m:sub>
+                      </m:sSub>
+                      <m:sSub>
+                        <m:sSubPr>
+                          <m:ctrlPr>
+                            <a:rPr lang="pt-BR" b="0" i="1" smtClean="0">
+                              <a:latin typeface="Cambria Math" panose="02040503050406030204" pitchFamily="18" charset="0"/>
+                            </a:rPr>
+                          </m:ctrlPr>
+                        </m:sSubPr>
+                        <m:e>
+                          <m:r>
+                            <a:rPr lang="pt-BR" b="0" i="1" smtClean="0">
+                              <a:latin typeface="Cambria Math" panose="02040503050406030204" pitchFamily="18" charset="0"/>
+                            </a:rPr>
+                            <m:t>𝑥</m:t>
+                          </m:r>
+                        </m:e>
+                        <m:sub>
+                          <m:r>
+                            <a:rPr lang="pt-BR" b="0" i="1" smtClean="0">
+                              <a:latin typeface="Cambria Math" panose="02040503050406030204" pitchFamily="18" charset="0"/>
+                            </a:rPr>
+                            <m:t>1</m:t>
+                          </m:r>
+                        </m:sub>
+                      </m:sSub>
+                      <m:r>
+                        <a:rPr lang="pt-BR" b="0" i="1" smtClean="0">
+                          <a:latin typeface="Cambria Math" panose="02040503050406030204" pitchFamily="18" charset="0"/>
+                        </a:rPr>
+                        <m:t>+</m:t>
+                      </m:r>
+                      <m:sSub>
+                        <m:sSubPr>
+                          <m:ctrlPr>
+                            <a:rPr lang="pt-BR" b="0" i="1" smtClean="0">
+                              <a:latin typeface="Cambria Math" panose="02040503050406030204" pitchFamily="18" charset="0"/>
+                            </a:rPr>
+                          </m:ctrlPr>
+                        </m:sSubPr>
+                        <m:e>
+                          <m:r>
+                            <a:rPr lang="pt-BR" b="0" i="1" smtClean="0">
+                              <a:latin typeface="Cambria Math" panose="02040503050406030204" pitchFamily="18" charset="0"/>
+                            </a:rPr>
+                            <m:t>𝜃</m:t>
+                          </m:r>
+                        </m:e>
+                        <m:sub>
+                          <m:r>
+                            <a:rPr lang="pt-BR" b="0" i="1" smtClean="0">
+                              <a:latin typeface="Cambria Math" panose="02040503050406030204" pitchFamily="18" charset="0"/>
+                            </a:rPr>
+                            <m:t>2</m:t>
+                          </m:r>
+                        </m:sub>
+                      </m:sSub>
+                      <m:sSubSup>
+                        <m:sSubSupPr>
+                          <m:ctrlPr>
+                            <a:rPr lang="pt-BR" b="0" i="1" smtClean="0">
+                              <a:latin typeface="Cambria Math" panose="02040503050406030204" pitchFamily="18" charset="0"/>
+                            </a:rPr>
+                          </m:ctrlPr>
+                        </m:sSubSupPr>
+                        <m:e>
+                          <m:r>
+                            <a:rPr lang="pt-BR" b="0" i="1" smtClean="0">
+                              <a:latin typeface="Cambria Math" panose="02040503050406030204" pitchFamily="18" charset="0"/>
+                            </a:rPr>
+                            <m:t>𝑥</m:t>
+                          </m:r>
+                        </m:e>
+                        <m:sub>
+                          <m:r>
+                            <a:rPr lang="pt-BR" b="0" i="1" smtClean="0">
+                              <a:latin typeface="Cambria Math" panose="02040503050406030204" pitchFamily="18" charset="0"/>
+                            </a:rPr>
+                            <m:t>1</m:t>
+                          </m:r>
+                        </m:sub>
+                        <m:sup>
+                          <m:r>
+                            <a:rPr lang="pt-BR" b="0" i="1" smtClean="0">
+                              <a:latin typeface="Cambria Math" panose="02040503050406030204" pitchFamily="18" charset="0"/>
+                            </a:rPr>
+                            <m:t>2</m:t>
+                          </m:r>
+                        </m:sup>
+                      </m:sSubSup>
+                      <m:r>
+                        <a:rPr lang="pt-BR" b="0" i="1" smtClean="0">
+                          <a:latin typeface="Cambria Math" panose="02040503050406030204" pitchFamily="18" charset="0"/>
+                        </a:rPr>
+                        <m:t>+</m:t>
+                      </m:r>
+                      <m:sSub>
+                        <m:sSubPr>
+                          <m:ctrlPr>
+                            <a:rPr lang="pt-BR" b="0" i="1" smtClean="0">
+                              <a:latin typeface="Cambria Math" panose="02040503050406030204" pitchFamily="18" charset="0"/>
+                            </a:rPr>
+                          </m:ctrlPr>
+                        </m:sSubPr>
+                        <m:e>
+                          <m:r>
+                            <a:rPr lang="pt-BR" b="0" i="1" smtClean="0">
+                              <a:latin typeface="Cambria Math" panose="02040503050406030204" pitchFamily="18" charset="0"/>
+                            </a:rPr>
+                            <m:t>𝜃</m:t>
+                          </m:r>
+                        </m:e>
+                        <m:sub>
+                          <m:r>
+                            <a:rPr lang="pt-BR" b="0" i="1" smtClean="0">
+                              <a:latin typeface="Cambria Math" panose="02040503050406030204" pitchFamily="18" charset="0"/>
+                            </a:rPr>
+                            <m:t>3</m:t>
+                          </m:r>
+                        </m:sub>
+                      </m:sSub>
+                      <m:sSubSup>
+                        <m:sSubSupPr>
+                          <m:ctrlPr>
+                            <a:rPr lang="pt-BR" b="0" i="1" smtClean="0">
+                              <a:latin typeface="Cambria Math" panose="02040503050406030204" pitchFamily="18" charset="0"/>
+                            </a:rPr>
+                          </m:ctrlPr>
+                        </m:sSubSupPr>
+                        <m:e>
+                          <m:r>
+                            <a:rPr lang="pt-BR" b="0" i="1" smtClean="0">
+                              <a:latin typeface="Cambria Math" panose="02040503050406030204" pitchFamily="18" charset="0"/>
+                            </a:rPr>
+                            <m:t>𝑥</m:t>
+                          </m:r>
+                        </m:e>
+                        <m:sub>
+                          <m:r>
+                            <a:rPr lang="pt-BR" b="0" i="1" smtClean="0">
+                              <a:latin typeface="Cambria Math" panose="02040503050406030204" pitchFamily="18" charset="0"/>
+                            </a:rPr>
+                            <m:t>1</m:t>
+                          </m:r>
+                        </m:sub>
+                        <m:sup>
+                          <m:r>
+                            <a:rPr lang="pt-BR" b="0" i="1" smtClean="0">
+                              <a:latin typeface="Cambria Math" panose="02040503050406030204" pitchFamily="18" charset="0"/>
+                            </a:rPr>
+                            <m:t>2</m:t>
+                          </m:r>
+                        </m:sup>
+                      </m:sSubSup>
+                      <m:sSub>
+                        <m:sSubPr>
+                          <m:ctrlPr>
+                            <a:rPr lang="pt-BR" b="0" i="1" smtClean="0">
+                              <a:latin typeface="Cambria Math" panose="02040503050406030204" pitchFamily="18" charset="0"/>
+                            </a:rPr>
+                          </m:ctrlPr>
+                        </m:sSubPr>
+                        <m:e>
+                          <m:r>
+                            <a:rPr lang="pt-BR" b="0" i="1" smtClean="0">
+                              <a:latin typeface="Cambria Math" panose="02040503050406030204" pitchFamily="18" charset="0"/>
+                            </a:rPr>
+                            <m:t>𝑥</m:t>
+                          </m:r>
+                        </m:e>
+                        <m:sub>
+                          <m:r>
+                            <a:rPr lang="pt-BR" b="0" i="1" smtClean="0">
+                              <a:latin typeface="Cambria Math" panose="02040503050406030204" pitchFamily="18" charset="0"/>
+                            </a:rPr>
+                            <m:t>2</m:t>
+                          </m:r>
+                        </m:sub>
+                      </m:sSub>
+                      <m:r>
+                        <a:rPr lang="pt-BR" b="0" i="1" smtClean="0">
+                          <a:latin typeface="Cambria Math" panose="02040503050406030204" pitchFamily="18" charset="0"/>
+                        </a:rPr>
+                        <m:t>+</m:t>
+                      </m:r>
+                      <m:sSub>
+                        <m:sSubPr>
+                          <m:ctrlPr>
+                            <a:rPr lang="pt-BR" b="0" i="1" smtClean="0">
+                              <a:latin typeface="Cambria Math" panose="02040503050406030204" pitchFamily="18" charset="0"/>
+                            </a:rPr>
+                          </m:ctrlPr>
+                        </m:sSubPr>
+                        <m:e>
+                          <m:r>
+                            <a:rPr lang="pt-BR" b="0" i="1" smtClean="0">
+                              <a:latin typeface="Cambria Math" panose="02040503050406030204" pitchFamily="18" charset="0"/>
+                            </a:rPr>
+                            <m:t>𝜃</m:t>
+                          </m:r>
+                        </m:e>
+                        <m:sub>
+                          <m:r>
+                            <a:rPr lang="pt-BR" b="0" i="1" smtClean="0">
+                              <a:latin typeface="Cambria Math" panose="02040503050406030204" pitchFamily="18" charset="0"/>
+                            </a:rPr>
+                            <m:t>4</m:t>
+                          </m:r>
+                        </m:sub>
+                      </m:sSub>
+                      <m:sSubSup>
+                        <m:sSubSupPr>
+                          <m:ctrlPr>
+                            <a:rPr lang="pt-BR" b="0" i="1" smtClean="0">
+                              <a:latin typeface="Cambria Math" panose="02040503050406030204" pitchFamily="18" charset="0"/>
+                            </a:rPr>
+                          </m:ctrlPr>
+                        </m:sSubSupPr>
+                        <m:e>
+                          <m:r>
+                            <a:rPr lang="pt-BR" b="0" i="1" smtClean="0">
+                              <a:latin typeface="Cambria Math" panose="02040503050406030204" pitchFamily="18" charset="0"/>
+                            </a:rPr>
+                            <m:t>𝑥</m:t>
+                          </m:r>
+                        </m:e>
+                        <m:sub>
+                          <m:r>
+                            <a:rPr lang="pt-BR" b="0" i="1" smtClean="0">
+                              <a:latin typeface="Cambria Math" panose="02040503050406030204" pitchFamily="18" charset="0"/>
+                            </a:rPr>
+                            <m:t>1</m:t>
+                          </m:r>
+                        </m:sub>
+                        <m:sup>
+                          <m:r>
+                            <a:rPr lang="pt-BR" b="0" i="1" smtClean="0">
+                              <a:latin typeface="Cambria Math" panose="02040503050406030204" pitchFamily="18" charset="0"/>
+                            </a:rPr>
+                            <m:t>2</m:t>
+                          </m:r>
+                        </m:sup>
+                      </m:sSubSup>
+                      <m:sSubSup>
+                        <m:sSubSupPr>
+                          <m:ctrlPr>
+                            <a:rPr lang="pt-BR" b="0" i="1" smtClean="0">
+                              <a:latin typeface="Cambria Math" panose="02040503050406030204" pitchFamily="18" charset="0"/>
+                            </a:rPr>
+                          </m:ctrlPr>
+                        </m:sSubSupPr>
+                        <m:e>
+                          <m:r>
+                            <a:rPr lang="pt-BR" b="0" i="1" smtClean="0">
+                              <a:latin typeface="Cambria Math" panose="02040503050406030204" pitchFamily="18" charset="0"/>
+                            </a:rPr>
+                            <m:t>𝑥</m:t>
+                          </m:r>
+                        </m:e>
+                        <m:sub>
+                          <m:r>
+                            <a:rPr lang="pt-BR" b="0" i="1" smtClean="0">
+                              <a:latin typeface="Cambria Math" panose="02040503050406030204" pitchFamily="18" charset="0"/>
+                            </a:rPr>
+                            <m:t>2</m:t>
+                          </m:r>
+                        </m:sub>
+                        <m:sup>
+                          <m:r>
+                            <a:rPr lang="pt-BR" b="0" i="1" smtClean="0">
+                              <a:latin typeface="Cambria Math" panose="02040503050406030204" pitchFamily="18" charset="0"/>
+                            </a:rPr>
+                            <m:t>2</m:t>
+                          </m:r>
+                        </m:sup>
+                      </m:sSubSup>
+                      <m:r>
+                        <a:rPr lang="pt-BR" b="0" i="1" smtClean="0">
+                          <a:latin typeface="Cambria Math" panose="02040503050406030204" pitchFamily="18" charset="0"/>
+                        </a:rPr>
+                        <m:t>+</m:t>
+                      </m:r>
+                      <m:sSub>
+                        <m:sSubPr>
+                          <m:ctrlPr>
+                            <a:rPr lang="pt-BR" b="0" i="1" smtClean="0">
+                              <a:latin typeface="Cambria Math" panose="02040503050406030204" pitchFamily="18" charset="0"/>
+                            </a:rPr>
+                          </m:ctrlPr>
+                        </m:sSubPr>
+                        <m:e>
+                          <m:r>
+                            <a:rPr lang="pt-BR" b="0" i="1" smtClean="0">
+                              <a:latin typeface="Cambria Math" panose="02040503050406030204" pitchFamily="18" charset="0"/>
+                            </a:rPr>
+                            <m:t>𝜃</m:t>
+                          </m:r>
+                        </m:e>
+                        <m:sub>
+                          <m:r>
+                            <a:rPr lang="pt-BR" b="0" i="1" smtClean="0">
+                              <a:latin typeface="Cambria Math" panose="02040503050406030204" pitchFamily="18" charset="0"/>
+                            </a:rPr>
+                            <m:t>5</m:t>
+                          </m:r>
+                        </m:sub>
+                      </m:sSub>
+                      <m:sSubSup>
+                        <m:sSubSupPr>
+                          <m:ctrlPr>
+                            <a:rPr lang="pt-BR" b="0" i="1" smtClean="0">
+                              <a:latin typeface="Cambria Math" panose="02040503050406030204" pitchFamily="18" charset="0"/>
+                            </a:rPr>
+                          </m:ctrlPr>
+                        </m:sSubSupPr>
+                        <m:e>
+                          <m:r>
+                            <a:rPr lang="pt-BR" b="0" i="1" smtClean="0">
+                              <a:latin typeface="Cambria Math" panose="02040503050406030204" pitchFamily="18" charset="0"/>
+                            </a:rPr>
+                            <m:t>𝑥</m:t>
+                          </m:r>
+                        </m:e>
+                        <m:sub>
+                          <m:r>
+                            <a:rPr lang="pt-BR" b="0" i="1" smtClean="0">
+                              <a:latin typeface="Cambria Math" panose="02040503050406030204" pitchFamily="18" charset="0"/>
+                            </a:rPr>
+                            <m:t>1</m:t>
+                          </m:r>
+                        </m:sub>
+                        <m:sup>
+                          <m:r>
+                            <a:rPr lang="pt-BR" b="0" i="1" smtClean="0">
+                              <a:latin typeface="Cambria Math" panose="02040503050406030204" pitchFamily="18" charset="0"/>
+                            </a:rPr>
+                            <m:t>2</m:t>
+                          </m:r>
+                        </m:sup>
+                      </m:sSubSup>
+                      <m:sSubSup>
+                        <m:sSubSupPr>
+                          <m:ctrlPr>
+                            <a:rPr lang="pt-BR" b="0" i="1" smtClean="0">
+                              <a:latin typeface="Cambria Math" panose="02040503050406030204" pitchFamily="18" charset="0"/>
+                            </a:rPr>
+                          </m:ctrlPr>
+                        </m:sSubSupPr>
+                        <m:e>
+                          <m:r>
+                            <a:rPr lang="pt-BR" b="0" i="1" smtClean="0">
+                              <a:latin typeface="Cambria Math" panose="02040503050406030204" pitchFamily="18" charset="0"/>
+                            </a:rPr>
+                            <m:t>𝑥</m:t>
+                          </m:r>
+                        </m:e>
+                        <m:sub>
+                          <m:r>
+                            <a:rPr lang="pt-BR" b="0" i="1" smtClean="0">
+                              <a:latin typeface="Cambria Math" panose="02040503050406030204" pitchFamily="18" charset="0"/>
+                            </a:rPr>
+                            <m:t>2</m:t>
+                          </m:r>
+                        </m:sub>
+                        <m:sup>
+                          <m:r>
+                            <a:rPr lang="pt-BR" b="0" i="1" smtClean="0">
+                              <a:latin typeface="Cambria Math" panose="02040503050406030204" pitchFamily="18" charset="0"/>
+                            </a:rPr>
+                            <m:t>3</m:t>
+                          </m:r>
+                        </m:sup>
+                      </m:sSubSup>
+                      <m:r>
+                        <a:rPr lang="pt-BR" b="0" i="1" smtClean="0">
+                          <a:latin typeface="Cambria Math" panose="02040503050406030204" pitchFamily="18" charset="0"/>
+                        </a:rPr>
+                        <m:t>…)</m:t>
+                      </m:r>
+                    </m:oMath>
+                  </m:oMathPara>
+                </a14:m>
+                <a:endParaRPr lang="pt-BR" dirty="0"/>
+              </a:p>
+            </p:txBody>
+          </p:sp>
+        </mc:Choice>
+        <mc:Fallback>
+          <p:sp>
+            <p:nvSpPr>
+              <p:cNvPr id="12" name="CaixaDeTexto 11">
+                <a:extLst>
+                  <a:ext uri="{FF2B5EF4-FFF2-40B4-BE49-F238E27FC236}">
+                    <a16:creationId xmlns:a16="http://schemas.microsoft.com/office/drawing/2014/main" id="{3774E55D-F597-4109-A7A1-92E25E6040F3}"/>
+                  </a:ext>
+                </a:extLst>
+              </p:cNvPr>
+              <p:cNvSpPr txBox="1">
+                <a:spLocks noRot="1" noChangeAspect="1" noMove="1" noResize="1" noEditPoints="1" noAdjustHandles="1" noChangeArrowheads="1" noChangeShapeType="1" noTextEdit="1"/>
+              </p:cNvSpPr>
+              <p:nvPr/>
+            </p:nvSpPr>
+            <p:spPr>
+              <a:xfrm>
+                <a:off x="2339752" y="1585384"/>
+                <a:ext cx="6696744" cy="282129"/>
+              </a:xfrm>
+              <a:prstGeom prst="rect">
+                <a:avLst/>
+              </a:prstGeom>
+              <a:blipFill>
+                <a:blip r:embed="rId2"/>
+                <a:stretch>
+                  <a:fillRect b="-36957"/>
+                </a:stretch>
+              </a:blipFill>
+            </p:spPr>
+            <p:txBody>
+              <a:bodyPr/>
+              <a:lstStyle/>
+              <a:p>
+                <a:r>
+                  <a:rPr lang="pt-BR">
+                    <a:noFill/>
+                  </a:rPr>
+                  <a:t> </a:t>
+                </a:r>
+              </a:p>
+            </p:txBody>
+          </p:sp>
+        </mc:Fallback>
+      </mc:AlternateContent>
+      <p:pic>
+        <p:nvPicPr>
+          <p:cNvPr id="13" name="Imagem 12">
+            <a:extLst>
+              <a:ext uri="{FF2B5EF4-FFF2-40B4-BE49-F238E27FC236}">
+                <a16:creationId xmlns:a16="http://schemas.microsoft.com/office/drawing/2014/main" id="{BD484529-B512-4BEC-9989-AC216A0B9623}"/>
+              </a:ext>
+            </a:extLst>
+          </p:cNvPr>
+          <p:cNvPicPr>
+            <a:picLocks noChangeAspect="1"/>
+          </p:cNvPicPr>
+          <p:nvPr/>
+        </p:nvPicPr>
+        <p:blipFill>
+          <a:blip r:embed="rId3"/>
+          <a:stretch>
+            <a:fillRect/>
+          </a:stretch>
+        </p:blipFill>
+        <p:spPr>
+          <a:xfrm>
+            <a:off x="539552" y="1203598"/>
+            <a:ext cx="1704606" cy="1598068"/>
+          </a:xfrm>
+          <a:prstGeom prst="rect">
+            <a:avLst/>
+          </a:prstGeom>
+        </p:spPr>
+      </p:pic>
+      <mc:AlternateContent xmlns:mc="http://schemas.openxmlformats.org/markup-compatibility/2006">
+        <mc:Choice xmlns:a14="http://schemas.microsoft.com/office/drawing/2010/main" Requires="a14">
+          <p:sp>
+            <p:nvSpPr>
+              <p:cNvPr id="14" name="CaixaDeTexto 13">
+                <a:extLst>
+                  <a:ext uri="{FF2B5EF4-FFF2-40B4-BE49-F238E27FC236}">
+                    <a16:creationId xmlns:a16="http://schemas.microsoft.com/office/drawing/2014/main" id="{DD6508E5-D9EC-496A-AFE0-313B29824865}"/>
+                  </a:ext>
+                </a:extLst>
+              </p:cNvPr>
+              <p:cNvSpPr txBox="1"/>
+              <p:nvPr/>
+            </p:nvSpPr>
+            <p:spPr>
+              <a:xfrm>
+                <a:off x="2257210" y="3275988"/>
+                <a:ext cx="6320120" cy="756233"/>
+              </a:xfrm>
+              <a:prstGeom prst="rect">
+                <a:avLst/>
+              </a:prstGeom>
+              <a:noFill/>
+            </p:spPr>
+            <p:txBody>
+              <a:bodyPr wrap="square" lIns="0" tIns="0" rIns="0" bIns="0" rtlCol="0">
+                <a:spAutoFit/>
+              </a:bodyPr>
+              <a:lstStyle/>
+              <a:p>
+                <a:pPr/>
+                <a14:m>
+                  <m:oMathPara xmlns:m="http://schemas.openxmlformats.org/officeDocument/2006/math">
+                    <m:oMathParaPr>
+                      <m:jc m:val="left"/>
+                    </m:oMathParaPr>
+                    <m:oMath xmlns:m="http://schemas.openxmlformats.org/officeDocument/2006/math">
+                      <m:r>
+                        <a:rPr lang="pt-BR" b="0" i="1" smtClean="0">
+                          <a:latin typeface="Cambria Math" panose="02040503050406030204" pitchFamily="18" charset="0"/>
+                          <a:ea typeface="Cambria Math" panose="02040503050406030204" pitchFamily="18" charset="0"/>
+                        </a:rPr>
+                        <m:t>𝐽</m:t>
+                      </m:r>
+                      <m:d>
+                        <m:dPr>
+                          <m:ctrlPr>
+                            <a:rPr lang="pt-BR" b="0" i="1" smtClean="0">
+                              <a:latin typeface="Cambria Math" panose="02040503050406030204" pitchFamily="18" charset="0"/>
+                              <a:ea typeface="Cambria Math" panose="02040503050406030204" pitchFamily="18" charset="0"/>
+                            </a:rPr>
+                          </m:ctrlPr>
+                        </m:dPr>
+                        <m:e>
+                          <m:r>
+                            <a:rPr lang="pt-BR" b="0" i="1" smtClean="0">
+                              <a:latin typeface="Cambria Math" panose="02040503050406030204" pitchFamily="18" charset="0"/>
+                              <a:ea typeface="Cambria Math" panose="02040503050406030204" pitchFamily="18" charset="0"/>
+                            </a:rPr>
+                            <m:t>𝜃</m:t>
+                          </m:r>
+                        </m:e>
+                      </m:d>
+                      <m:r>
+                        <a:rPr lang="pt-BR" b="0" i="1" smtClean="0">
+                          <a:latin typeface="Cambria Math" panose="02040503050406030204" pitchFamily="18" charset="0"/>
+                          <a:ea typeface="Cambria Math" panose="02040503050406030204" pitchFamily="18" charset="0"/>
+                        </a:rPr>
+                        <m:t>=−</m:t>
+                      </m:r>
+                      <m:f>
+                        <m:fPr>
+                          <m:ctrlPr>
+                            <a:rPr lang="pt-BR" b="0" i="1" smtClean="0">
+                              <a:latin typeface="Cambria Math" panose="02040503050406030204" pitchFamily="18" charset="0"/>
+                              <a:ea typeface="Cambria Math" panose="02040503050406030204" pitchFamily="18" charset="0"/>
+                            </a:rPr>
+                          </m:ctrlPr>
+                        </m:fPr>
+                        <m:num>
+                          <m:r>
+                            <a:rPr lang="pt-BR" b="0" i="1" smtClean="0">
+                              <a:latin typeface="Cambria Math" panose="02040503050406030204" pitchFamily="18" charset="0"/>
+                              <a:ea typeface="Cambria Math" panose="02040503050406030204" pitchFamily="18" charset="0"/>
+                            </a:rPr>
+                            <m:t>1</m:t>
+                          </m:r>
+                        </m:num>
+                        <m:den>
+                          <m:r>
+                            <a:rPr lang="pt-BR" b="0" i="1" smtClean="0">
+                              <a:latin typeface="Cambria Math" panose="02040503050406030204" pitchFamily="18" charset="0"/>
+                              <a:ea typeface="Cambria Math" panose="02040503050406030204" pitchFamily="18" charset="0"/>
+                            </a:rPr>
+                            <m:t>𝑚</m:t>
+                          </m:r>
+                        </m:den>
+                      </m:f>
+                      <m:r>
+                        <a:rPr lang="pt-BR" b="0" i="1" smtClean="0">
+                          <a:latin typeface="Cambria Math" panose="02040503050406030204" pitchFamily="18" charset="0"/>
+                          <a:ea typeface="Cambria Math" panose="02040503050406030204" pitchFamily="18" charset="0"/>
+                        </a:rPr>
+                        <m:t>[</m:t>
+                      </m:r>
+                      <m:nary>
+                        <m:naryPr>
+                          <m:chr m:val="∑"/>
+                          <m:ctrlPr>
+                            <a:rPr lang="pt-BR" b="0" i="1" smtClean="0">
+                              <a:latin typeface="Cambria Math" panose="02040503050406030204" pitchFamily="18" charset="0"/>
+                              <a:ea typeface="Cambria Math" panose="02040503050406030204" pitchFamily="18" charset="0"/>
+                            </a:rPr>
+                          </m:ctrlPr>
+                        </m:naryPr>
+                        <m:sub>
+                          <m:r>
+                            <m:rPr>
+                              <m:brk m:alnAt="23"/>
+                            </m:rPr>
+                            <a:rPr lang="pt-BR" b="0" i="1" smtClean="0">
+                              <a:latin typeface="Cambria Math" panose="02040503050406030204" pitchFamily="18" charset="0"/>
+                              <a:ea typeface="Cambria Math" panose="02040503050406030204" pitchFamily="18" charset="0"/>
+                            </a:rPr>
+                            <m:t>𝑖</m:t>
+                          </m:r>
+                          <m:r>
+                            <a:rPr lang="pt-BR" b="0" i="1" smtClean="0">
+                              <a:latin typeface="Cambria Math" panose="02040503050406030204" pitchFamily="18" charset="0"/>
+                              <a:ea typeface="Cambria Math" panose="02040503050406030204" pitchFamily="18" charset="0"/>
+                            </a:rPr>
+                            <m:t>=1</m:t>
+                          </m:r>
+                        </m:sub>
+                        <m:sup>
+                          <m:r>
+                            <a:rPr lang="pt-BR" b="0" i="1" smtClean="0">
+                              <a:latin typeface="Cambria Math" panose="02040503050406030204" pitchFamily="18" charset="0"/>
+                              <a:ea typeface="Cambria Math" panose="02040503050406030204" pitchFamily="18" charset="0"/>
+                            </a:rPr>
+                            <m:t>𝑚</m:t>
+                          </m:r>
+                        </m:sup>
+                        <m:e>
+                          <m:sSup>
+                            <m:sSupPr>
+                              <m:ctrlPr>
+                                <a:rPr lang="pt-BR" b="0" i="1" smtClean="0">
+                                  <a:latin typeface="Cambria Math" panose="02040503050406030204" pitchFamily="18" charset="0"/>
+                                  <a:ea typeface="Cambria Math" panose="02040503050406030204" pitchFamily="18" charset="0"/>
+                                </a:rPr>
+                              </m:ctrlPr>
+                            </m:sSupPr>
+                            <m:e>
+                              <m:r>
+                                <a:rPr lang="pt-BR" b="0" i="1" smtClean="0">
+                                  <a:latin typeface="Cambria Math" panose="02040503050406030204" pitchFamily="18" charset="0"/>
+                                  <a:ea typeface="Cambria Math" panose="02040503050406030204" pitchFamily="18" charset="0"/>
+                                </a:rPr>
+                                <m:t>𝑦</m:t>
+                              </m:r>
+                            </m:e>
+                            <m:sup>
+                              <m:r>
+                                <a:rPr lang="pt-BR" b="0" i="1" smtClean="0">
+                                  <a:latin typeface="Cambria Math" panose="02040503050406030204" pitchFamily="18" charset="0"/>
+                                  <a:ea typeface="Cambria Math" panose="02040503050406030204" pitchFamily="18" charset="0"/>
+                                </a:rPr>
+                                <m:t>(</m:t>
+                              </m:r>
+                              <m:r>
+                                <a:rPr lang="pt-BR" b="0" i="1" smtClean="0">
+                                  <a:latin typeface="Cambria Math" panose="02040503050406030204" pitchFamily="18" charset="0"/>
+                                  <a:ea typeface="Cambria Math" panose="02040503050406030204" pitchFamily="18" charset="0"/>
+                                </a:rPr>
+                                <m:t>𝑖</m:t>
+                              </m:r>
+                              <m:r>
+                                <a:rPr lang="pt-BR" b="0" i="1" smtClean="0">
+                                  <a:latin typeface="Cambria Math" panose="02040503050406030204" pitchFamily="18" charset="0"/>
+                                  <a:ea typeface="Cambria Math" panose="02040503050406030204" pitchFamily="18" charset="0"/>
+                                </a:rPr>
+                                <m:t>)</m:t>
+                              </m:r>
+                            </m:sup>
+                          </m:sSup>
+                          <m:func>
+                            <m:funcPr>
+                              <m:ctrlPr>
+                                <a:rPr lang="pt-BR" b="0" i="1" smtClean="0">
+                                  <a:latin typeface="Cambria Math" panose="02040503050406030204" pitchFamily="18" charset="0"/>
+                                  <a:ea typeface="Cambria Math" panose="02040503050406030204" pitchFamily="18" charset="0"/>
+                                </a:rPr>
+                              </m:ctrlPr>
+                            </m:funcPr>
+                            <m:fName>
+                              <m:r>
+                                <m:rPr>
+                                  <m:sty m:val="p"/>
+                                </m:rPr>
+                                <a:rPr lang="pt-BR" b="0" i="0" smtClean="0">
+                                  <a:latin typeface="Cambria Math" panose="02040503050406030204" pitchFamily="18" charset="0"/>
+                                  <a:ea typeface="Cambria Math" panose="02040503050406030204" pitchFamily="18" charset="0"/>
+                                </a:rPr>
+                                <m:t>log</m:t>
+                              </m:r>
+                            </m:fName>
+                            <m:e>
+                              <m:sSub>
+                                <m:sSubPr>
+                                  <m:ctrlPr>
+                                    <a:rPr lang="pt-BR" b="0" i="1" smtClean="0">
+                                      <a:latin typeface="Cambria Math" panose="02040503050406030204" pitchFamily="18" charset="0"/>
+                                      <a:ea typeface="Cambria Math" panose="02040503050406030204" pitchFamily="18" charset="0"/>
+                                    </a:rPr>
+                                  </m:ctrlPr>
+                                </m:sSubPr>
+                                <m:e>
+                                  <m:r>
+                                    <a:rPr lang="pt-BR" b="0" i="1" smtClean="0">
+                                      <a:latin typeface="Cambria Math" panose="02040503050406030204" pitchFamily="18" charset="0"/>
+                                      <a:ea typeface="Cambria Math" panose="02040503050406030204" pitchFamily="18" charset="0"/>
+                                    </a:rPr>
+                                    <m:t>h</m:t>
+                                  </m:r>
+                                </m:e>
+                                <m:sub>
+                                  <m:r>
+                                    <a:rPr lang="pt-BR" b="0" i="1" smtClean="0">
+                                      <a:latin typeface="Cambria Math" panose="02040503050406030204" pitchFamily="18" charset="0"/>
+                                      <a:ea typeface="Cambria Math" panose="02040503050406030204" pitchFamily="18" charset="0"/>
+                                    </a:rPr>
+                                    <m:t>𝜃</m:t>
+                                  </m:r>
+                                </m:sub>
+                              </m:sSub>
+                              <m:d>
+                                <m:dPr>
+                                  <m:ctrlPr>
+                                    <a:rPr lang="pt-BR" b="0" i="1" smtClean="0">
+                                      <a:latin typeface="Cambria Math" panose="02040503050406030204" pitchFamily="18" charset="0"/>
+                                      <a:ea typeface="Cambria Math" panose="02040503050406030204" pitchFamily="18" charset="0"/>
+                                    </a:rPr>
+                                  </m:ctrlPr>
+                                </m:dPr>
+                                <m:e>
+                                  <m:sSup>
+                                    <m:sSupPr>
+                                      <m:ctrlPr>
+                                        <a:rPr lang="pt-BR" b="0" i="1" smtClean="0">
+                                          <a:latin typeface="Cambria Math" panose="02040503050406030204" pitchFamily="18" charset="0"/>
+                                          <a:ea typeface="Cambria Math" panose="02040503050406030204" pitchFamily="18" charset="0"/>
+                                        </a:rPr>
+                                      </m:ctrlPr>
+                                    </m:sSupPr>
+                                    <m:e>
+                                      <m:r>
+                                        <a:rPr lang="pt-BR" b="0" i="1" smtClean="0">
+                                          <a:latin typeface="Cambria Math" panose="02040503050406030204" pitchFamily="18" charset="0"/>
+                                          <a:ea typeface="Cambria Math" panose="02040503050406030204" pitchFamily="18" charset="0"/>
+                                        </a:rPr>
+                                        <m:t>𝑥</m:t>
+                                      </m:r>
+                                    </m:e>
+                                    <m:sup>
+                                      <m:d>
+                                        <m:dPr>
+                                          <m:ctrlPr>
+                                            <a:rPr lang="pt-BR" b="0" i="1" smtClean="0">
+                                              <a:latin typeface="Cambria Math" panose="02040503050406030204" pitchFamily="18" charset="0"/>
+                                              <a:ea typeface="Cambria Math" panose="02040503050406030204" pitchFamily="18" charset="0"/>
+                                            </a:rPr>
+                                          </m:ctrlPr>
+                                        </m:dPr>
+                                        <m:e>
+                                          <m:r>
+                                            <a:rPr lang="pt-BR" b="0" i="1" smtClean="0">
+                                              <a:latin typeface="Cambria Math" panose="02040503050406030204" pitchFamily="18" charset="0"/>
+                                              <a:ea typeface="Cambria Math" panose="02040503050406030204" pitchFamily="18" charset="0"/>
+                                            </a:rPr>
+                                            <m:t>𝑖</m:t>
+                                          </m:r>
+                                        </m:e>
+                                      </m:d>
+                                    </m:sup>
+                                  </m:sSup>
+                                </m:e>
+                              </m:d>
+                              <m:r>
+                                <a:rPr lang="pt-BR" b="0" i="1" smtClean="0">
+                                  <a:latin typeface="Cambria Math" panose="02040503050406030204" pitchFamily="18" charset="0"/>
+                                  <a:ea typeface="Cambria Math" panose="02040503050406030204" pitchFamily="18" charset="0"/>
+                                </a:rPr>
+                                <m:t>+</m:t>
+                              </m:r>
+                              <m:d>
+                                <m:dPr>
+                                  <m:ctrlPr>
+                                    <a:rPr lang="pt-BR" b="0" i="1" smtClean="0">
+                                      <a:latin typeface="Cambria Math" panose="02040503050406030204" pitchFamily="18" charset="0"/>
+                                      <a:ea typeface="Cambria Math" panose="02040503050406030204" pitchFamily="18" charset="0"/>
+                                    </a:rPr>
+                                  </m:ctrlPr>
+                                </m:dPr>
+                                <m:e>
+                                  <m:r>
+                                    <a:rPr lang="pt-BR" b="0" i="1" smtClean="0">
+                                      <a:latin typeface="Cambria Math" panose="02040503050406030204" pitchFamily="18" charset="0"/>
+                                      <a:ea typeface="Cambria Math" panose="02040503050406030204" pitchFamily="18" charset="0"/>
+                                    </a:rPr>
+                                    <m:t>1−</m:t>
+                                  </m:r>
+                                  <m:sSup>
+                                    <m:sSupPr>
+                                      <m:ctrlPr>
+                                        <a:rPr lang="pt-BR" b="0" i="1" smtClean="0">
+                                          <a:latin typeface="Cambria Math" panose="02040503050406030204" pitchFamily="18" charset="0"/>
+                                          <a:ea typeface="Cambria Math" panose="02040503050406030204" pitchFamily="18" charset="0"/>
+                                        </a:rPr>
+                                      </m:ctrlPr>
+                                    </m:sSupPr>
+                                    <m:e>
+                                      <m:r>
+                                        <a:rPr lang="pt-BR" b="0" i="1" smtClean="0">
+                                          <a:latin typeface="Cambria Math" panose="02040503050406030204" pitchFamily="18" charset="0"/>
+                                          <a:ea typeface="Cambria Math" panose="02040503050406030204" pitchFamily="18" charset="0"/>
+                                        </a:rPr>
+                                        <m:t>𝑦</m:t>
+                                      </m:r>
+                                    </m:e>
+                                    <m:sup>
+                                      <m:d>
+                                        <m:dPr>
+                                          <m:ctrlPr>
+                                            <a:rPr lang="pt-BR" b="0" i="1" smtClean="0">
+                                              <a:latin typeface="Cambria Math" panose="02040503050406030204" pitchFamily="18" charset="0"/>
+                                              <a:ea typeface="Cambria Math" panose="02040503050406030204" pitchFamily="18" charset="0"/>
+                                            </a:rPr>
+                                          </m:ctrlPr>
+                                        </m:dPr>
+                                        <m:e>
+                                          <m:r>
+                                            <a:rPr lang="pt-BR" b="0" i="1" smtClean="0">
+                                              <a:latin typeface="Cambria Math" panose="02040503050406030204" pitchFamily="18" charset="0"/>
+                                              <a:ea typeface="Cambria Math" panose="02040503050406030204" pitchFamily="18" charset="0"/>
+                                            </a:rPr>
+                                            <m:t>𝑖</m:t>
+                                          </m:r>
+                                        </m:e>
+                                      </m:d>
+                                    </m:sup>
+                                  </m:sSup>
+                                </m:e>
+                              </m:d>
+                              <m:func>
+                                <m:funcPr>
+                                  <m:ctrlPr>
+                                    <a:rPr lang="pt-BR" b="0" i="1" smtClean="0">
+                                      <a:latin typeface="Cambria Math" panose="02040503050406030204" pitchFamily="18" charset="0"/>
+                                      <a:ea typeface="Cambria Math" panose="02040503050406030204" pitchFamily="18" charset="0"/>
+                                    </a:rPr>
+                                  </m:ctrlPr>
+                                </m:funcPr>
+                                <m:fName>
+                                  <m:r>
+                                    <m:rPr>
+                                      <m:sty m:val="p"/>
+                                    </m:rPr>
+                                    <a:rPr lang="pt-BR" b="0" i="0" smtClean="0">
+                                      <a:latin typeface="Cambria Math" panose="02040503050406030204" pitchFamily="18" charset="0"/>
+                                      <a:ea typeface="Cambria Math" panose="02040503050406030204" pitchFamily="18" charset="0"/>
+                                    </a:rPr>
+                                    <m:t>log</m:t>
+                                  </m:r>
+                                </m:fName>
+                                <m:e>
+                                  <m:r>
+                                    <a:rPr lang="pt-BR" b="0" i="1" smtClean="0">
+                                      <a:latin typeface="Cambria Math" panose="02040503050406030204" pitchFamily="18" charset="0"/>
+                                      <a:ea typeface="Cambria Math" panose="02040503050406030204" pitchFamily="18" charset="0"/>
+                                    </a:rPr>
+                                    <m:t>(1−</m:t>
+                                  </m:r>
+                                  <m:sSub>
+                                    <m:sSubPr>
+                                      <m:ctrlPr>
+                                        <a:rPr lang="pt-BR" b="0" i="1" smtClean="0">
+                                          <a:latin typeface="Cambria Math" panose="02040503050406030204" pitchFamily="18" charset="0"/>
+                                          <a:ea typeface="Cambria Math" panose="02040503050406030204" pitchFamily="18" charset="0"/>
+                                        </a:rPr>
+                                      </m:ctrlPr>
+                                    </m:sSubPr>
+                                    <m:e>
+                                      <m:r>
+                                        <a:rPr lang="pt-BR" b="0" i="1" smtClean="0">
+                                          <a:latin typeface="Cambria Math" panose="02040503050406030204" pitchFamily="18" charset="0"/>
+                                          <a:ea typeface="Cambria Math" panose="02040503050406030204" pitchFamily="18" charset="0"/>
+                                        </a:rPr>
+                                        <m:t>h</m:t>
+                                      </m:r>
+                                    </m:e>
+                                    <m:sub>
+                                      <m:r>
+                                        <a:rPr lang="pt-BR" b="0" i="1" smtClean="0">
+                                          <a:latin typeface="Cambria Math" panose="02040503050406030204" pitchFamily="18" charset="0"/>
+                                          <a:ea typeface="Cambria Math" panose="02040503050406030204" pitchFamily="18" charset="0"/>
+                                        </a:rPr>
+                                        <m:t>𝜃</m:t>
+                                      </m:r>
+                                    </m:sub>
+                                  </m:sSub>
+                                  <m:d>
+                                    <m:dPr>
+                                      <m:ctrlPr>
+                                        <a:rPr lang="pt-BR" b="0" i="1" smtClean="0">
+                                          <a:latin typeface="Cambria Math" panose="02040503050406030204" pitchFamily="18" charset="0"/>
+                                          <a:ea typeface="Cambria Math" panose="02040503050406030204" pitchFamily="18" charset="0"/>
+                                        </a:rPr>
+                                      </m:ctrlPr>
+                                    </m:dPr>
+                                    <m:e>
+                                      <m:sSup>
+                                        <m:sSupPr>
+                                          <m:ctrlPr>
+                                            <a:rPr lang="pt-BR" b="0" i="1" smtClean="0">
+                                              <a:latin typeface="Cambria Math" panose="02040503050406030204" pitchFamily="18" charset="0"/>
+                                              <a:ea typeface="Cambria Math" panose="02040503050406030204" pitchFamily="18" charset="0"/>
+                                            </a:rPr>
+                                          </m:ctrlPr>
+                                        </m:sSupPr>
+                                        <m:e>
+                                          <m:r>
+                                            <a:rPr lang="pt-BR" b="0" i="1" smtClean="0">
+                                              <a:latin typeface="Cambria Math" panose="02040503050406030204" pitchFamily="18" charset="0"/>
+                                              <a:ea typeface="Cambria Math" panose="02040503050406030204" pitchFamily="18" charset="0"/>
+                                            </a:rPr>
+                                            <m:t>𝑥</m:t>
+                                          </m:r>
+                                        </m:e>
+                                        <m:sup>
+                                          <m:d>
+                                            <m:dPr>
+                                              <m:ctrlPr>
+                                                <a:rPr lang="pt-BR" b="0" i="1" smtClean="0">
+                                                  <a:latin typeface="Cambria Math" panose="02040503050406030204" pitchFamily="18" charset="0"/>
+                                                  <a:ea typeface="Cambria Math" panose="02040503050406030204" pitchFamily="18" charset="0"/>
+                                                </a:rPr>
+                                              </m:ctrlPr>
+                                            </m:dPr>
+                                            <m:e>
+                                              <m:r>
+                                                <a:rPr lang="pt-BR" b="0" i="1" smtClean="0">
+                                                  <a:latin typeface="Cambria Math" panose="02040503050406030204" pitchFamily="18" charset="0"/>
+                                                  <a:ea typeface="Cambria Math" panose="02040503050406030204" pitchFamily="18" charset="0"/>
+                                                </a:rPr>
+                                                <m:t>𝑖</m:t>
+                                              </m:r>
+                                            </m:e>
+                                          </m:d>
+                                        </m:sup>
+                                      </m:sSup>
+                                    </m:e>
+                                  </m:d>
+                                  <m:r>
+                                    <a:rPr lang="pt-BR" b="0" i="1" smtClean="0">
+                                      <a:latin typeface="Cambria Math" panose="02040503050406030204" pitchFamily="18" charset="0"/>
+                                      <a:ea typeface="Cambria Math" panose="02040503050406030204" pitchFamily="18" charset="0"/>
+                                    </a:rPr>
+                                    <m:t>)] </m:t>
+                                  </m:r>
+                                </m:e>
+                              </m:func>
+                              <m:r>
+                                <a:rPr lang="pt-BR" b="0" i="1" smtClean="0">
+                                  <a:latin typeface="Cambria Math" panose="02040503050406030204" pitchFamily="18" charset="0"/>
+                                  <a:ea typeface="Cambria Math" panose="02040503050406030204" pitchFamily="18" charset="0"/>
+                                </a:rPr>
+                                <m:t> </m:t>
+                              </m:r>
+                            </m:e>
+                          </m:func>
+                        </m:e>
+                      </m:nary>
+                    </m:oMath>
+                  </m:oMathPara>
+                </a14:m>
+                <a:endParaRPr lang="pt-BR" dirty="0"/>
+              </a:p>
+            </p:txBody>
+          </p:sp>
+        </mc:Choice>
+        <mc:Fallback>
+          <p:sp>
+            <p:nvSpPr>
+              <p:cNvPr id="14" name="CaixaDeTexto 13">
+                <a:extLst>
+                  <a:ext uri="{FF2B5EF4-FFF2-40B4-BE49-F238E27FC236}">
+                    <a16:creationId xmlns:a16="http://schemas.microsoft.com/office/drawing/2014/main" id="{DD6508E5-D9EC-496A-AFE0-313B29824865}"/>
+                  </a:ext>
+                </a:extLst>
+              </p:cNvPr>
+              <p:cNvSpPr txBox="1">
+                <a:spLocks noRot="1" noChangeAspect="1" noMove="1" noResize="1" noEditPoints="1" noAdjustHandles="1" noChangeArrowheads="1" noChangeShapeType="1" noTextEdit="1"/>
+              </p:cNvSpPr>
+              <p:nvPr/>
+            </p:nvSpPr>
+            <p:spPr>
+              <a:xfrm>
+                <a:off x="2257210" y="3275988"/>
+                <a:ext cx="6320120" cy="756233"/>
+              </a:xfrm>
+              <a:prstGeom prst="rect">
+                <a:avLst/>
+              </a:prstGeom>
+              <a:blipFill>
+                <a:blip r:embed="rId4"/>
+                <a:stretch>
+                  <a:fillRect l="-386"/>
+                </a:stretch>
+              </a:blipFill>
+            </p:spPr>
+            <p:txBody>
+              <a:bodyPr/>
+              <a:lstStyle/>
+              <a:p>
+                <a:r>
+                  <a:rPr lang="pt-BR">
+                    <a:noFill/>
+                  </a:rPr>
+                  <a:t> </a:t>
+                </a:r>
+              </a:p>
+            </p:txBody>
+          </p:sp>
+        </mc:Fallback>
+      </mc:AlternateContent>
+      <p:sp>
+        <p:nvSpPr>
+          <p:cNvPr id="15" name="Text Placeholder 2">
+            <a:extLst>
+              <a:ext uri="{FF2B5EF4-FFF2-40B4-BE49-F238E27FC236}">
+                <a16:creationId xmlns:a16="http://schemas.microsoft.com/office/drawing/2014/main" id="{9270BD93-EB0C-488E-B936-89B81726E6D0}"/>
+              </a:ext>
+            </a:extLst>
+          </p:cNvPr>
+          <p:cNvSpPr txBox="1">
+            <a:spLocks/>
+          </p:cNvSpPr>
+          <p:nvPr/>
+        </p:nvSpPr>
+        <p:spPr>
+          <a:xfrm>
+            <a:off x="699995" y="3510088"/>
+            <a:ext cx="1383720" cy="288032"/>
+          </a:xfrm>
+          <a:prstGeom prst="rect">
+            <a:avLst/>
+          </a:prstGeom>
+        </p:spPr>
+        <p:txBody>
+          <a:bodyPr anchor="ctr"/>
+          <a:lstStyle>
+            <a:lvl1pPr marL="0" indent="0" algn="ctr" defTabSz="914400" rtl="0" eaLnBrk="1" latinLnBrk="1" hangingPunct="1">
+              <a:spcBef>
+                <a:spcPct val="20000"/>
+              </a:spcBef>
+              <a:buFont typeface="Arial" pitchFamily="34" charset="0"/>
+              <a:buNone/>
+              <a:defRPr sz="1400" b="0" kern="1200" baseline="0">
+                <a:solidFill>
+                  <a:schemeClr val="tx1">
+                    <a:lumMod val="75000"/>
+                    <a:lumOff val="25000"/>
+                  </a:schemeClr>
+                </a:solidFill>
+                <a:latin typeface="+mn-lt"/>
+                <a:ea typeface="+mn-ea"/>
+                <a:cs typeface="Arial" pitchFamily="34" charset="0"/>
+              </a:defRPr>
+            </a:lvl1pPr>
+            <a:lvl2pPr marL="742950" indent="-285750" algn="l" defTabSz="914400" rtl="0" eaLnBrk="1" latinLnBrk="1" hangingPunct="1">
+              <a:spcBef>
+                <a:spcPct val="20000"/>
+              </a:spcBef>
+              <a:buFont typeface="Arial" pitchFamily="34" charset="0"/>
+              <a:buChar char="–"/>
+              <a:defRPr sz="2800" kern="1200">
+                <a:solidFill>
+                  <a:schemeClr val="tx1"/>
+                </a:solidFill>
+                <a:latin typeface="+mn-lt"/>
+                <a:ea typeface="+mn-ea"/>
+                <a:cs typeface="+mn-cs"/>
+              </a:defRPr>
+            </a:lvl2pPr>
+            <a:lvl3pPr marL="1143000" indent="-228600" algn="l" defTabSz="914400" rtl="0" eaLnBrk="1" latinLnBrk="1" hangingPunct="1">
+              <a:spcBef>
+                <a:spcPct val="20000"/>
+              </a:spcBef>
+              <a:buFont typeface="Arial" pitchFamily="34" charset="0"/>
+              <a:buChar char="•"/>
+              <a:defRPr sz="2400" kern="1200">
+                <a:solidFill>
+                  <a:schemeClr val="tx1"/>
+                </a:solidFill>
+                <a:latin typeface="+mn-lt"/>
+                <a:ea typeface="+mn-ea"/>
+                <a:cs typeface="+mn-cs"/>
+              </a:defRPr>
+            </a:lvl3pPr>
+            <a:lvl4pPr marL="1600200" indent="-228600" algn="l" defTabSz="914400" rtl="0" eaLnBrk="1" latinLnBrk="1" hangingPunct="1">
+              <a:spcBef>
+                <a:spcPct val="20000"/>
+              </a:spcBef>
+              <a:buFont typeface="Arial" pitchFamily="34" charset="0"/>
+              <a:buChar char="–"/>
+              <a:defRPr sz="2000" kern="1200">
+                <a:solidFill>
+                  <a:schemeClr val="tx1"/>
+                </a:solidFill>
+                <a:latin typeface="+mn-lt"/>
+                <a:ea typeface="+mn-ea"/>
+                <a:cs typeface="+mn-cs"/>
+              </a:defRPr>
+            </a:lvl4pPr>
+            <a:lvl5pPr marL="2057400" indent="-228600" algn="l" defTabSz="914400" rtl="0" eaLnBrk="1" latinLnBrk="1" hangingPunct="1">
+              <a:spcBef>
+                <a:spcPct val="20000"/>
+              </a:spcBef>
+              <a:buFont typeface="Arial" pitchFamily="34" charset="0"/>
+              <a:buChar char="»"/>
+              <a:defRPr sz="2000" kern="1200">
+                <a:solidFill>
+                  <a:schemeClr val="tx1"/>
+                </a:solidFill>
+                <a:latin typeface="+mn-lt"/>
+                <a:ea typeface="+mn-ea"/>
+                <a:cs typeface="+mn-cs"/>
+              </a:defRPr>
+            </a:lvl5pPr>
+            <a:lvl6pPr marL="2514600" indent="-228600" algn="l" defTabSz="914400" rtl="0" eaLnBrk="1" latinLnBrk="1" hangingPunct="1">
+              <a:spcBef>
+                <a:spcPct val="20000"/>
+              </a:spcBef>
+              <a:buFont typeface="Arial" pitchFamily="34" charset="0"/>
+              <a:buChar char="•"/>
+              <a:defRPr sz="2000" kern="1200">
+                <a:solidFill>
+                  <a:schemeClr val="tx1"/>
+                </a:solidFill>
+                <a:latin typeface="+mn-lt"/>
+                <a:ea typeface="+mn-ea"/>
+                <a:cs typeface="+mn-cs"/>
+              </a:defRPr>
+            </a:lvl6pPr>
+            <a:lvl7pPr marL="2971800" indent="-228600" algn="l" defTabSz="914400" rtl="0" eaLnBrk="1" latinLnBrk="1" hangingPunct="1">
+              <a:spcBef>
+                <a:spcPct val="20000"/>
+              </a:spcBef>
+              <a:buFont typeface="Arial" pitchFamily="34" charset="0"/>
+              <a:buChar char="•"/>
+              <a:defRPr sz="2000" kern="1200">
+                <a:solidFill>
+                  <a:schemeClr val="tx1"/>
+                </a:solidFill>
+                <a:latin typeface="+mn-lt"/>
+                <a:ea typeface="+mn-ea"/>
+                <a:cs typeface="+mn-cs"/>
+              </a:defRPr>
+            </a:lvl7pPr>
+            <a:lvl8pPr marL="3429000" indent="-228600" algn="l" defTabSz="914400" rtl="0" eaLnBrk="1" latinLnBrk="1" hangingPunct="1">
+              <a:spcBef>
+                <a:spcPct val="20000"/>
+              </a:spcBef>
+              <a:buFont typeface="Arial" pitchFamily="34" charset="0"/>
+              <a:buChar char="•"/>
+              <a:defRPr sz="2000" kern="1200">
+                <a:solidFill>
+                  <a:schemeClr val="tx1"/>
+                </a:solidFill>
+                <a:latin typeface="+mn-lt"/>
+                <a:ea typeface="+mn-ea"/>
+                <a:cs typeface="+mn-cs"/>
+              </a:defRPr>
+            </a:lvl8pPr>
+            <a:lvl9pPr marL="3886200" indent="-228600" algn="l" defTabSz="914400" rtl="0" eaLnBrk="1" latinLnBrk="1" hangingPunct="1">
+              <a:spcBef>
+                <a:spcPct val="20000"/>
+              </a:spcBef>
+              <a:buFont typeface="Arial" pitchFamily="34" charset="0"/>
+              <a:buChar char="•"/>
+              <a:defRPr sz="2000" kern="1200">
+                <a:solidFill>
+                  <a:schemeClr val="tx1"/>
+                </a:solidFill>
+                <a:latin typeface="+mn-lt"/>
+                <a:ea typeface="+mn-ea"/>
+                <a:cs typeface="+mn-cs"/>
+              </a:defRPr>
+            </a:lvl9pPr>
+          </a:lstStyle>
+          <a:p>
+            <a:pPr algn="l"/>
+            <a:r>
+              <a:rPr lang="pt-BR" altLang="ko-KR" dirty="0" err="1"/>
+              <a:t>Cost</a:t>
+            </a:r>
+            <a:r>
+              <a:rPr lang="pt-BR" altLang="ko-KR" dirty="0"/>
+              <a:t> </a:t>
+            </a:r>
+            <a:r>
+              <a:rPr lang="pt-BR" altLang="ko-KR" dirty="0" err="1"/>
+              <a:t>Function</a:t>
+            </a:r>
+            <a:r>
+              <a:rPr lang="pt-BR" altLang="ko-KR" dirty="0"/>
+              <a:t>:</a:t>
+            </a:r>
+            <a:endParaRPr lang="en-US" altLang="ko-KR" dirty="0"/>
+          </a:p>
+        </p:txBody>
+      </p:sp>
+    </p:spTree>
+    <p:extLst>
+      <p:ext uri="{BB962C8B-B14F-4D97-AF65-F5344CB8AC3E}">
+        <p14:creationId xmlns:p14="http://schemas.microsoft.com/office/powerpoint/2010/main" val="3680218705"/>
+      </p:ext>
+    </p:extLst>
+  </p:cSld>
+  <p:clrMapOvr>
+    <a:masterClrMapping/>
+  </p:clrMapOvr>
+  <p:timing>
+    <p:tnLst>
+      <p:par>
+        <p:cTn id="1" dur="indefinite" restart="never" nodeType="tmRoot">
+          <p:childTnLst>
+            <p:seq concurrent="1" nextAc="seek">
+              <p:cTn id="2" dur="indefinite" nodeType="mainSeq">
+                <p:childTnLst>
+                  <p:par>
+                    <p:cTn id="3" fill="hold">
+                      <p:stCondLst>
+                        <p:cond delay="indefinite"/>
+                        <p:cond evt="onBegin" delay="0">
+                          <p:tn val="2"/>
+                        </p:cond>
+                      </p:stCondLst>
+                      <p:childTnLst>
+                        <p:par>
+                          <p:cTn id="4" fill="hold">
+                            <p:stCondLst>
+                              <p:cond delay="0"/>
+                            </p:stCondLst>
+                            <p:childTnLst>
+                              <p:par>
+                                <p:cTn id="5" presetID="10" presetClass="entr" presetSubtype="0" fill="hold" grpId="0" nodeType="withEffect">
+                                  <p:stCondLst>
+                                    <p:cond delay="0"/>
+                                  </p:stCondLst>
+                                  <p:childTnLst>
+                                    <p:set>
+                                      <p:cBhvr>
+                                        <p:cTn id="6" dur="1" fill="hold">
+                                          <p:stCondLst>
+                                            <p:cond delay="0"/>
+                                          </p:stCondLst>
+                                        </p:cTn>
+                                        <p:tgtEl>
+                                          <p:spTgt spid="12"/>
+                                        </p:tgtEl>
+                                        <p:attrNameLst>
+                                          <p:attrName>style.visibility</p:attrName>
+                                        </p:attrNameLst>
+                                      </p:cBhvr>
+                                      <p:to>
+                                        <p:strVal val="visible"/>
+                                      </p:to>
+                                    </p:set>
+                                    <p:animEffect transition="in" filter="fade">
+                                      <p:cBhvr>
+                                        <p:cTn id="7" dur="500"/>
+                                        <p:tgtEl>
+                                          <p:spTgt spid="12"/>
+                                        </p:tgtEl>
+                                      </p:cBhvr>
+                                    </p:animEffect>
+                                  </p:childTnLst>
+                                </p:cTn>
+                              </p:par>
+                            </p:childTnLst>
+                          </p:cTn>
+                        </p:par>
+                      </p:childTnLst>
+                    </p:cTn>
+                  </p:par>
+                </p:childTnLst>
+              </p:cTn>
+              <p:prevCondLst>
+                <p:cond evt="onPrev" delay="0">
+                  <p:tgtEl>
+                    <p:sldTgt/>
+                  </p:tgtEl>
+                </p:cond>
+              </p:prevCondLst>
+              <p:nextCondLst>
+                <p:cond evt="onNext" delay="0">
+                  <p:tgtEl>
+                    <p:sldTgt/>
+                  </p:tgtEl>
+                </p:cond>
+              </p:nextCondLst>
+            </p:seq>
+          </p:childTnLst>
+        </p:cTn>
+      </p:par>
+    </p:tnLst>
+    <p:bldLst>
+      <p:bldP spid="12" grpId="0"/>
+    </p:bldLst>
+  </p:timing>
+</p:sld>
+</file>
+
+<file path=ppt/slides/slide22.xml><?xml version="1.0" encoding="utf-8"?>
+<p:sld xmlns:a="http://schemas.openxmlformats.org/drawingml/2006/main" xmlns:r="http://schemas.openxmlformats.org/officeDocument/2006/relationships" xmlns:p="http://schemas.openxmlformats.org/presentationml/2006/main">
+  <p:cSld>
+    <p:spTree>
+      <p:nvGrpSpPr>
+        <p:cNvPr id="1" name=""/>
+        <p:cNvGrpSpPr/>
+        <p:nvPr/>
+      </p:nvGrpSpPr>
+      <p:grpSpPr>
+        <a:xfrm>
+          <a:off x="0" y="0"/>
+          <a:ext cx="0" cy="0"/>
+          <a:chOff x="0" y="0"/>
+          <a:chExt cx="0" cy="0"/>
+        </a:xfrm>
+      </p:grpSpPr>
+      <p:sp>
+        <p:nvSpPr>
+          <p:cNvPr id="23" name="Text Placeholder 2">
+            <a:extLst>
+              <a:ext uri="{FF2B5EF4-FFF2-40B4-BE49-F238E27FC236}">
+                <a16:creationId xmlns:a16="http://schemas.microsoft.com/office/drawing/2014/main" id="{BDC97185-A508-42AE-BB95-C72247E6A32C}"/>
+              </a:ext>
+            </a:extLst>
+          </p:cNvPr>
+          <p:cNvSpPr>
+            <a:spLocks noGrp="1"/>
+          </p:cNvSpPr>
+          <p:nvPr>
+            <p:ph type="body" sz="quarter" idx="11"/>
+          </p:nvPr>
+        </p:nvSpPr>
+        <p:spPr>
+          <a:xfrm>
+            <a:off x="35496" y="2283718"/>
+            <a:ext cx="9144000" cy="288032"/>
+          </a:xfrm>
+        </p:spPr>
+        <p:txBody>
+          <a:bodyPr/>
+          <a:lstStyle/>
+          <a:p>
+            <a:pPr lvl="0"/>
+            <a:r>
+              <a:rPr lang="pt-BR" altLang="ko-KR" sz="2800" dirty="0"/>
+              <a:t>Como penalizar os parâmetros?</a:t>
+            </a:r>
+            <a:endParaRPr lang="en-US" altLang="ko-KR" sz="2800" dirty="0"/>
+          </a:p>
+        </p:txBody>
+      </p:sp>
+    </p:spTree>
+    <p:extLst>
+      <p:ext uri="{BB962C8B-B14F-4D97-AF65-F5344CB8AC3E}">
+        <p14:creationId xmlns:p14="http://schemas.microsoft.com/office/powerpoint/2010/main" val="1988466557"/>
+      </p:ext>
+    </p:extLst>
+  </p:cSld>
+  <p:clrMapOvr>
+    <a:masterClrMapping/>
+  </p:clrMapOvr>
+</p:sld>
+</file>
+
+<file path=ppt/slides/slide23.xml><?xml version="1.0" encoding="utf-8"?>
+<p:sld xmlns:a="http://schemas.openxmlformats.org/drawingml/2006/main" xmlns:r="http://schemas.openxmlformats.org/officeDocument/2006/relationships" xmlns:p="http://schemas.openxmlformats.org/presentationml/2006/main">
+  <p:cSld>
+    <p:spTree>
+      <p:nvGrpSpPr>
+        <p:cNvPr id="1" name=""/>
+        <p:cNvGrpSpPr/>
+        <p:nvPr/>
+      </p:nvGrpSpPr>
+      <p:grpSpPr>
+        <a:xfrm>
+          <a:off x="0" y="0"/>
+          <a:ext cx="0" cy="0"/>
+          <a:chOff x="0" y="0"/>
+          <a:chExt cx="0" cy="0"/>
+        </a:xfrm>
+      </p:grpSpPr>
+      <p:sp>
+        <p:nvSpPr>
+          <p:cNvPr id="2" name="Text Placeholder 1"/>
+          <p:cNvSpPr>
+            <a:spLocks noGrp="1"/>
+          </p:cNvSpPr>
+          <p:nvPr>
+            <p:ph type="body" sz="quarter" idx="10"/>
+          </p:nvPr>
+        </p:nvSpPr>
+        <p:spPr/>
+        <p:txBody>
+          <a:bodyPr/>
+          <a:lstStyle/>
+          <a:p>
+            <a:r>
+              <a:rPr lang="en-US" altLang="ko-KR" dirty="0" err="1"/>
+              <a:t>Penalizando</a:t>
+            </a:r>
+            <a:r>
+              <a:rPr lang="en-US" altLang="ko-KR" dirty="0"/>
+              <a:t> o </a:t>
+            </a:r>
+            <a:r>
+              <a:rPr lang="en-US" altLang="ko-KR" dirty="0" err="1"/>
+              <a:t>Modelo</a:t>
+            </a:r>
+            <a:endParaRPr lang="ko-KR" altLang="en-US" dirty="0"/>
+          </a:p>
+        </p:txBody>
+      </p:sp>
+      <p:sp>
+        <p:nvSpPr>
+          <p:cNvPr id="23" name="Text Placeholder 2">
+            <a:extLst>
+              <a:ext uri="{FF2B5EF4-FFF2-40B4-BE49-F238E27FC236}">
+                <a16:creationId xmlns:a16="http://schemas.microsoft.com/office/drawing/2014/main" id="{BDC97185-A508-42AE-BB95-C72247E6A32C}"/>
+              </a:ext>
+            </a:extLst>
+          </p:cNvPr>
+          <p:cNvSpPr>
+            <a:spLocks noGrp="1"/>
+          </p:cNvSpPr>
+          <p:nvPr>
+            <p:ph type="body" sz="quarter" idx="11"/>
+          </p:nvPr>
+        </p:nvSpPr>
+        <p:spPr>
+          <a:xfrm>
+            <a:off x="0" y="699542"/>
+            <a:ext cx="9144000" cy="288032"/>
+          </a:xfrm>
+        </p:spPr>
+        <p:txBody>
+          <a:bodyPr/>
+          <a:lstStyle/>
+          <a:p>
+            <a:pPr lvl="0"/>
+            <a:r>
+              <a:rPr lang="pt-BR" altLang="ko-KR" dirty="0"/>
+              <a:t>O </a:t>
+            </a:r>
+            <a:r>
+              <a:rPr lang="pt-BR" altLang="ko-KR" dirty="0" err="1"/>
+              <a:t>Overfitting</a:t>
+            </a:r>
+            <a:r>
+              <a:rPr lang="pt-BR" altLang="ko-KR" dirty="0"/>
+              <a:t> em problemas de classificação</a:t>
+            </a:r>
+            <a:endParaRPr lang="en-US" altLang="ko-KR" dirty="0"/>
+          </a:p>
+        </p:txBody>
+      </p:sp>
+      <mc:AlternateContent xmlns:mc="http://schemas.openxmlformats.org/markup-compatibility/2006">
+        <mc:Choice xmlns:a14="http://schemas.microsoft.com/office/drawing/2010/main" Requires="a14">
+          <p:sp>
+            <p:nvSpPr>
+              <p:cNvPr id="14" name="CaixaDeTexto 13">
+                <a:extLst>
+                  <a:ext uri="{FF2B5EF4-FFF2-40B4-BE49-F238E27FC236}">
+                    <a16:creationId xmlns:a16="http://schemas.microsoft.com/office/drawing/2014/main" id="{DD6508E5-D9EC-496A-AFE0-313B29824865}"/>
+                  </a:ext>
+                </a:extLst>
+              </p:cNvPr>
+              <p:cNvSpPr txBox="1"/>
+              <p:nvPr/>
+            </p:nvSpPr>
+            <p:spPr>
+              <a:xfrm>
+                <a:off x="1411940" y="1347614"/>
+                <a:ext cx="6320120" cy="756233"/>
+              </a:xfrm>
+              <a:prstGeom prst="rect">
+                <a:avLst/>
+              </a:prstGeom>
+              <a:noFill/>
+            </p:spPr>
+            <p:txBody>
+              <a:bodyPr wrap="square" lIns="0" tIns="0" rIns="0" bIns="0" rtlCol="0">
+                <a:spAutoFit/>
+              </a:bodyPr>
+              <a:lstStyle/>
+              <a:p>
+                <a:pPr/>
+                <a14:m>
+                  <m:oMathPara xmlns:m="http://schemas.openxmlformats.org/officeDocument/2006/math">
+                    <m:oMathParaPr>
+                      <m:jc m:val="left"/>
+                    </m:oMathParaPr>
+                    <m:oMath xmlns:m="http://schemas.openxmlformats.org/officeDocument/2006/math">
+                      <m:r>
+                        <a:rPr lang="pt-BR" b="0" i="1" smtClean="0">
+                          <a:latin typeface="Cambria Math" panose="02040503050406030204" pitchFamily="18" charset="0"/>
+                          <a:ea typeface="Cambria Math" panose="02040503050406030204" pitchFamily="18" charset="0"/>
+                        </a:rPr>
+                        <m:t>𝐽</m:t>
+                      </m:r>
+                      <m:d>
+                        <m:dPr>
+                          <m:ctrlPr>
+                            <a:rPr lang="pt-BR" b="0" i="1" smtClean="0">
+                              <a:latin typeface="Cambria Math" panose="02040503050406030204" pitchFamily="18" charset="0"/>
+                              <a:ea typeface="Cambria Math" panose="02040503050406030204" pitchFamily="18" charset="0"/>
+                            </a:rPr>
+                          </m:ctrlPr>
+                        </m:dPr>
+                        <m:e>
+                          <m:r>
+                            <a:rPr lang="pt-BR" b="0" i="1" smtClean="0">
+                              <a:latin typeface="Cambria Math" panose="02040503050406030204" pitchFamily="18" charset="0"/>
+                              <a:ea typeface="Cambria Math" panose="02040503050406030204" pitchFamily="18" charset="0"/>
+                            </a:rPr>
+                            <m:t>𝜃</m:t>
+                          </m:r>
+                        </m:e>
+                      </m:d>
+                      <m:r>
+                        <a:rPr lang="pt-BR" b="0" i="1" smtClean="0">
+                          <a:latin typeface="Cambria Math" panose="02040503050406030204" pitchFamily="18" charset="0"/>
+                          <a:ea typeface="Cambria Math" panose="02040503050406030204" pitchFamily="18" charset="0"/>
+                        </a:rPr>
+                        <m:t>=−</m:t>
+                      </m:r>
+                      <m:f>
+                        <m:fPr>
+                          <m:ctrlPr>
+                            <a:rPr lang="pt-BR" b="0" i="1" smtClean="0">
+                              <a:latin typeface="Cambria Math" panose="02040503050406030204" pitchFamily="18" charset="0"/>
+                              <a:ea typeface="Cambria Math" panose="02040503050406030204" pitchFamily="18" charset="0"/>
+                            </a:rPr>
+                          </m:ctrlPr>
+                        </m:fPr>
+                        <m:num>
+                          <m:r>
+                            <a:rPr lang="pt-BR" b="0" i="1" smtClean="0">
+                              <a:latin typeface="Cambria Math" panose="02040503050406030204" pitchFamily="18" charset="0"/>
+                              <a:ea typeface="Cambria Math" panose="02040503050406030204" pitchFamily="18" charset="0"/>
+                            </a:rPr>
+                            <m:t>1</m:t>
+                          </m:r>
+                        </m:num>
+                        <m:den>
+                          <m:r>
+                            <a:rPr lang="pt-BR" b="0" i="1" smtClean="0">
+                              <a:latin typeface="Cambria Math" panose="02040503050406030204" pitchFamily="18" charset="0"/>
+                              <a:ea typeface="Cambria Math" panose="02040503050406030204" pitchFamily="18" charset="0"/>
+                            </a:rPr>
+                            <m:t>𝑚</m:t>
+                          </m:r>
+                        </m:den>
+                      </m:f>
+                      <m:r>
+                        <a:rPr lang="pt-BR" b="0" i="1" smtClean="0">
+                          <a:latin typeface="Cambria Math" panose="02040503050406030204" pitchFamily="18" charset="0"/>
+                          <a:ea typeface="Cambria Math" panose="02040503050406030204" pitchFamily="18" charset="0"/>
+                        </a:rPr>
+                        <m:t>[</m:t>
+                      </m:r>
+                      <m:nary>
+                        <m:naryPr>
+                          <m:chr m:val="∑"/>
+                          <m:ctrlPr>
+                            <a:rPr lang="pt-BR" b="0" i="1" smtClean="0">
+                              <a:latin typeface="Cambria Math" panose="02040503050406030204" pitchFamily="18" charset="0"/>
+                              <a:ea typeface="Cambria Math" panose="02040503050406030204" pitchFamily="18" charset="0"/>
+                            </a:rPr>
+                          </m:ctrlPr>
+                        </m:naryPr>
+                        <m:sub>
+                          <m:r>
+                            <m:rPr>
+                              <m:brk m:alnAt="23"/>
+                            </m:rPr>
+                            <a:rPr lang="pt-BR" b="0" i="1" smtClean="0">
+                              <a:latin typeface="Cambria Math" panose="02040503050406030204" pitchFamily="18" charset="0"/>
+                              <a:ea typeface="Cambria Math" panose="02040503050406030204" pitchFamily="18" charset="0"/>
+                            </a:rPr>
+                            <m:t>𝑖</m:t>
+                          </m:r>
+                          <m:r>
+                            <a:rPr lang="pt-BR" b="0" i="1" smtClean="0">
+                              <a:latin typeface="Cambria Math" panose="02040503050406030204" pitchFamily="18" charset="0"/>
+                              <a:ea typeface="Cambria Math" panose="02040503050406030204" pitchFamily="18" charset="0"/>
+                            </a:rPr>
+                            <m:t>=1</m:t>
+                          </m:r>
+                        </m:sub>
+                        <m:sup>
+                          <m:r>
+                            <a:rPr lang="pt-BR" b="0" i="1" smtClean="0">
+                              <a:latin typeface="Cambria Math" panose="02040503050406030204" pitchFamily="18" charset="0"/>
+                              <a:ea typeface="Cambria Math" panose="02040503050406030204" pitchFamily="18" charset="0"/>
+                            </a:rPr>
+                            <m:t>𝑚</m:t>
+                          </m:r>
+                        </m:sup>
+                        <m:e>
+                          <m:sSup>
+                            <m:sSupPr>
+                              <m:ctrlPr>
+                                <a:rPr lang="pt-BR" b="0" i="1" smtClean="0">
+                                  <a:latin typeface="Cambria Math" panose="02040503050406030204" pitchFamily="18" charset="0"/>
+                                  <a:ea typeface="Cambria Math" panose="02040503050406030204" pitchFamily="18" charset="0"/>
+                                </a:rPr>
+                              </m:ctrlPr>
+                            </m:sSupPr>
+                            <m:e>
+                              <m:r>
+                                <a:rPr lang="pt-BR" b="0" i="1" smtClean="0">
+                                  <a:latin typeface="Cambria Math" panose="02040503050406030204" pitchFamily="18" charset="0"/>
+                                  <a:ea typeface="Cambria Math" panose="02040503050406030204" pitchFamily="18" charset="0"/>
+                                </a:rPr>
+                                <m:t>𝑦</m:t>
+                              </m:r>
+                            </m:e>
+                            <m:sup>
+                              <m:r>
+                                <a:rPr lang="pt-BR" b="0" i="1" smtClean="0">
+                                  <a:latin typeface="Cambria Math" panose="02040503050406030204" pitchFamily="18" charset="0"/>
+                                  <a:ea typeface="Cambria Math" panose="02040503050406030204" pitchFamily="18" charset="0"/>
+                                </a:rPr>
+                                <m:t>(</m:t>
+                              </m:r>
+                              <m:r>
+                                <a:rPr lang="pt-BR" b="0" i="1" smtClean="0">
+                                  <a:latin typeface="Cambria Math" panose="02040503050406030204" pitchFamily="18" charset="0"/>
+                                  <a:ea typeface="Cambria Math" panose="02040503050406030204" pitchFamily="18" charset="0"/>
+                                </a:rPr>
+                                <m:t>𝑖</m:t>
+                              </m:r>
+                              <m:r>
+                                <a:rPr lang="pt-BR" b="0" i="1" smtClean="0">
+                                  <a:latin typeface="Cambria Math" panose="02040503050406030204" pitchFamily="18" charset="0"/>
+                                  <a:ea typeface="Cambria Math" panose="02040503050406030204" pitchFamily="18" charset="0"/>
+                                </a:rPr>
+                                <m:t>)</m:t>
+                              </m:r>
+                            </m:sup>
+                          </m:sSup>
+                          <m:func>
+                            <m:funcPr>
+                              <m:ctrlPr>
+                                <a:rPr lang="pt-BR" b="0" i="1" smtClean="0">
+                                  <a:latin typeface="Cambria Math" panose="02040503050406030204" pitchFamily="18" charset="0"/>
+                                  <a:ea typeface="Cambria Math" panose="02040503050406030204" pitchFamily="18" charset="0"/>
+                                </a:rPr>
+                              </m:ctrlPr>
+                            </m:funcPr>
+                            <m:fName>
+                              <m:r>
+                                <m:rPr>
+                                  <m:sty m:val="p"/>
+                                </m:rPr>
+                                <a:rPr lang="pt-BR" b="0" i="0" smtClean="0">
+                                  <a:latin typeface="Cambria Math" panose="02040503050406030204" pitchFamily="18" charset="0"/>
+                                  <a:ea typeface="Cambria Math" panose="02040503050406030204" pitchFamily="18" charset="0"/>
+                                </a:rPr>
+                                <m:t>log</m:t>
+                              </m:r>
+                            </m:fName>
+                            <m:e>
+                              <m:sSub>
+                                <m:sSubPr>
+                                  <m:ctrlPr>
+                                    <a:rPr lang="pt-BR" b="0" i="1" smtClean="0">
+                                      <a:latin typeface="Cambria Math" panose="02040503050406030204" pitchFamily="18" charset="0"/>
+                                      <a:ea typeface="Cambria Math" panose="02040503050406030204" pitchFamily="18" charset="0"/>
+                                    </a:rPr>
+                                  </m:ctrlPr>
+                                </m:sSubPr>
+                                <m:e>
+                                  <m:r>
+                                    <a:rPr lang="pt-BR" b="0" i="1" smtClean="0">
+                                      <a:latin typeface="Cambria Math" panose="02040503050406030204" pitchFamily="18" charset="0"/>
+                                      <a:ea typeface="Cambria Math" panose="02040503050406030204" pitchFamily="18" charset="0"/>
+                                    </a:rPr>
+                                    <m:t>h</m:t>
+                                  </m:r>
+                                </m:e>
+                                <m:sub>
+                                  <m:r>
+                                    <a:rPr lang="pt-BR" b="0" i="1" smtClean="0">
+                                      <a:latin typeface="Cambria Math" panose="02040503050406030204" pitchFamily="18" charset="0"/>
+                                      <a:ea typeface="Cambria Math" panose="02040503050406030204" pitchFamily="18" charset="0"/>
+                                    </a:rPr>
+                                    <m:t>𝜃</m:t>
+                                  </m:r>
+                                </m:sub>
+                              </m:sSub>
+                              <m:d>
+                                <m:dPr>
+                                  <m:ctrlPr>
+                                    <a:rPr lang="pt-BR" b="0" i="1" smtClean="0">
+                                      <a:latin typeface="Cambria Math" panose="02040503050406030204" pitchFamily="18" charset="0"/>
+                                      <a:ea typeface="Cambria Math" panose="02040503050406030204" pitchFamily="18" charset="0"/>
+                                    </a:rPr>
+                                  </m:ctrlPr>
+                                </m:dPr>
+                                <m:e>
+                                  <m:sSup>
+                                    <m:sSupPr>
+                                      <m:ctrlPr>
+                                        <a:rPr lang="pt-BR" b="0" i="1" smtClean="0">
+                                          <a:latin typeface="Cambria Math" panose="02040503050406030204" pitchFamily="18" charset="0"/>
+                                          <a:ea typeface="Cambria Math" panose="02040503050406030204" pitchFamily="18" charset="0"/>
+                                        </a:rPr>
+                                      </m:ctrlPr>
+                                    </m:sSupPr>
+                                    <m:e>
+                                      <m:r>
+                                        <a:rPr lang="pt-BR" b="0" i="1" smtClean="0">
+                                          <a:latin typeface="Cambria Math" panose="02040503050406030204" pitchFamily="18" charset="0"/>
+                                          <a:ea typeface="Cambria Math" panose="02040503050406030204" pitchFamily="18" charset="0"/>
+                                        </a:rPr>
+                                        <m:t>𝑥</m:t>
+                                      </m:r>
+                                    </m:e>
+                                    <m:sup>
+                                      <m:d>
+                                        <m:dPr>
+                                          <m:ctrlPr>
+                                            <a:rPr lang="pt-BR" b="0" i="1" smtClean="0">
+                                              <a:latin typeface="Cambria Math" panose="02040503050406030204" pitchFamily="18" charset="0"/>
+                                              <a:ea typeface="Cambria Math" panose="02040503050406030204" pitchFamily="18" charset="0"/>
+                                            </a:rPr>
+                                          </m:ctrlPr>
+                                        </m:dPr>
+                                        <m:e>
+                                          <m:r>
+                                            <a:rPr lang="pt-BR" b="0" i="1" smtClean="0">
+                                              <a:latin typeface="Cambria Math" panose="02040503050406030204" pitchFamily="18" charset="0"/>
+                                              <a:ea typeface="Cambria Math" panose="02040503050406030204" pitchFamily="18" charset="0"/>
+                                            </a:rPr>
+                                            <m:t>𝑖</m:t>
+                                          </m:r>
+                                        </m:e>
+                                      </m:d>
+                                    </m:sup>
+                                  </m:sSup>
+                                </m:e>
+                              </m:d>
+                              <m:r>
+                                <a:rPr lang="pt-BR" b="0" i="1" smtClean="0">
+                                  <a:latin typeface="Cambria Math" panose="02040503050406030204" pitchFamily="18" charset="0"/>
+                                  <a:ea typeface="Cambria Math" panose="02040503050406030204" pitchFamily="18" charset="0"/>
+                                </a:rPr>
+                                <m:t>+</m:t>
+                              </m:r>
+                              <m:d>
+                                <m:dPr>
+                                  <m:ctrlPr>
+                                    <a:rPr lang="pt-BR" b="0" i="1" smtClean="0">
+                                      <a:latin typeface="Cambria Math" panose="02040503050406030204" pitchFamily="18" charset="0"/>
+                                      <a:ea typeface="Cambria Math" panose="02040503050406030204" pitchFamily="18" charset="0"/>
+                                    </a:rPr>
+                                  </m:ctrlPr>
+                                </m:dPr>
+                                <m:e>
+                                  <m:r>
+                                    <a:rPr lang="pt-BR" b="0" i="1" smtClean="0">
+                                      <a:latin typeface="Cambria Math" panose="02040503050406030204" pitchFamily="18" charset="0"/>
+                                      <a:ea typeface="Cambria Math" panose="02040503050406030204" pitchFamily="18" charset="0"/>
+                                    </a:rPr>
+                                    <m:t>1−</m:t>
+                                  </m:r>
+                                  <m:sSup>
+                                    <m:sSupPr>
+                                      <m:ctrlPr>
+                                        <a:rPr lang="pt-BR" b="0" i="1" smtClean="0">
+                                          <a:latin typeface="Cambria Math" panose="02040503050406030204" pitchFamily="18" charset="0"/>
+                                          <a:ea typeface="Cambria Math" panose="02040503050406030204" pitchFamily="18" charset="0"/>
+                                        </a:rPr>
+                                      </m:ctrlPr>
+                                    </m:sSupPr>
+                                    <m:e>
+                                      <m:r>
+                                        <a:rPr lang="pt-BR" b="0" i="1" smtClean="0">
+                                          <a:latin typeface="Cambria Math" panose="02040503050406030204" pitchFamily="18" charset="0"/>
+                                          <a:ea typeface="Cambria Math" panose="02040503050406030204" pitchFamily="18" charset="0"/>
+                                        </a:rPr>
+                                        <m:t>𝑦</m:t>
+                                      </m:r>
+                                    </m:e>
+                                    <m:sup>
+                                      <m:d>
+                                        <m:dPr>
+                                          <m:ctrlPr>
+                                            <a:rPr lang="pt-BR" b="0" i="1" smtClean="0">
+                                              <a:latin typeface="Cambria Math" panose="02040503050406030204" pitchFamily="18" charset="0"/>
+                                              <a:ea typeface="Cambria Math" panose="02040503050406030204" pitchFamily="18" charset="0"/>
+                                            </a:rPr>
+                                          </m:ctrlPr>
+                                        </m:dPr>
+                                        <m:e>
+                                          <m:r>
+                                            <a:rPr lang="pt-BR" b="0" i="1" smtClean="0">
+                                              <a:latin typeface="Cambria Math" panose="02040503050406030204" pitchFamily="18" charset="0"/>
+                                              <a:ea typeface="Cambria Math" panose="02040503050406030204" pitchFamily="18" charset="0"/>
+                                            </a:rPr>
+                                            <m:t>𝑖</m:t>
+                                          </m:r>
+                                        </m:e>
+                                      </m:d>
+                                    </m:sup>
+                                  </m:sSup>
+                                </m:e>
+                              </m:d>
+                              <m:func>
+                                <m:funcPr>
+                                  <m:ctrlPr>
+                                    <a:rPr lang="pt-BR" b="0" i="1" smtClean="0">
+                                      <a:latin typeface="Cambria Math" panose="02040503050406030204" pitchFamily="18" charset="0"/>
+                                      <a:ea typeface="Cambria Math" panose="02040503050406030204" pitchFamily="18" charset="0"/>
+                                    </a:rPr>
+                                  </m:ctrlPr>
+                                </m:funcPr>
+                                <m:fName>
+                                  <m:r>
+                                    <m:rPr>
+                                      <m:sty m:val="p"/>
+                                    </m:rPr>
+                                    <a:rPr lang="pt-BR" b="0" i="0" smtClean="0">
+                                      <a:latin typeface="Cambria Math" panose="02040503050406030204" pitchFamily="18" charset="0"/>
+                                      <a:ea typeface="Cambria Math" panose="02040503050406030204" pitchFamily="18" charset="0"/>
+                                    </a:rPr>
+                                    <m:t>log</m:t>
+                                  </m:r>
+                                </m:fName>
+                                <m:e>
+                                  <m:r>
+                                    <a:rPr lang="pt-BR" b="0" i="1" smtClean="0">
+                                      <a:latin typeface="Cambria Math" panose="02040503050406030204" pitchFamily="18" charset="0"/>
+                                      <a:ea typeface="Cambria Math" panose="02040503050406030204" pitchFamily="18" charset="0"/>
+                                    </a:rPr>
+                                    <m:t>(1−</m:t>
+                                  </m:r>
+                                  <m:sSub>
+                                    <m:sSubPr>
+                                      <m:ctrlPr>
+                                        <a:rPr lang="pt-BR" b="0" i="1" smtClean="0">
+                                          <a:latin typeface="Cambria Math" panose="02040503050406030204" pitchFamily="18" charset="0"/>
+                                          <a:ea typeface="Cambria Math" panose="02040503050406030204" pitchFamily="18" charset="0"/>
+                                        </a:rPr>
+                                      </m:ctrlPr>
+                                    </m:sSubPr>
+                                    <m:e>
+                                      <m:r>
+                                        <a:rPr lang="pt-BR" b="0" i="1" smtClean="0">
+                                          <a:latin typeface="Cambria Math" panose="02040503050406030204" pitchFamily="18" charset="0"/>
+                                          <a:ea typeface="Cambria Math" panose="02040503050406030204" pitchFamily="18" charset="0"/>
+                                        </a:rPr>
+                                        <m:t>h</m:t>
+                                      </m:r>
+                                    </m:e>
+                                    <m:sub>
+                                      <m:r>
+                                        <a:rPr lang="pt-BR" b="0" i="1" smtClean="0">
+                                          <a:latin typeface="Cambria Math" panose="02040503050406030204" pitchFamily="18" charset="0"/>
+                                          <a:ea typeface="Cambria Math" panose="02040503050406030204" pitchFamily="18" charset="0"/>
+                                        </a:rPr>
+                                        <m:t>𝜃</m:t>
+                                      </m:r>
+                                    </m:sub>
+                                  </m:sSub>
+                                  <m:d>
+                                    <m:dPr>
+                                      <m:ctrlPr>
+                                        <a:rPr lang="pt-BR" b="0" i="1" smtClean="0">
+                                          <a:latin typeface="Cambria Math" panose="02040503050406030204" pitchFamily="18" charset="0"/>
+                                          <a:ea typeface="Cambria Math" panose="02040503050406030204" pitchFamily="18" charset="0"/>
+                                        </a:rPr>
+                                      </m:ctrlPr>
+                                    </m:dPr>
+                                    <m:e>
+                                      <m:sSup>
+                                        <m:sSupPr>
+                                          <m:ctrlPr>
+                                            <a:rPr lang="pt-BR" b="0" i="1" smtClean="0">
+                                              <a:latin typeface="Cambria Math" panose="02040503050406030204" pitchFamily="18" charset="0"/>
+                                              <a:ea typeface="Cambria Math" panose="02040503050406030204" pitchFamily="18" charset="0"/>
+                                            </a:rPr>
+                                          </m:ctrlPr>
+                                        </m:sSupPr>
+                                        <m:e>
+                                          <m:r>
+                                            <a:rPr lang="pt-BR" b="0" i="1" smtClean="0">
+                                              <a:latin typeface="Cambria Math" panose="02040503050406030204" pitchFamily="18" charset="0"/>
+                                              <a:ea typeface="Cambria Math" panose="02040503050406030204" pitchFamily="18" charset="0"/>
+                                            </a:rPr>
+                                            <m:t>𝑥</m:t>
+                                          </m:r>
+                                        </m:e>
+                                        <m:sup>
+                                          <m:d>
+                                            <m:dPr>
+                                              <m:ctrlPr>
+                                                <a:rPr lang="pt-BR" b="0" i="1" smtClean="0">
+                                                  <a:latin typeface="Cambria Math" panose="02040503050406030204" pitchFamily="18" charset="0"/>
+                                                  <a:ea typeface="Cambria Math" panose="02040503050406030204" pitchFamily="18" charset="0"/>
+                                                </a:rPr>
+                                              </m:ctrlPr>
+                                            </m:dPr>
+                                            <m:e>
+                                              <m:r>
+                                                <a:rPr lang="pt-BR" b="0" i="1" smtClean="0">
+                                                  <a:latin typeface="Cambria Math" panose="02040503050406030204" pitchFamily="18" charset="0"/>
+                                                  <a:ea typeface="Cambria Math" panose="02040503050406030204" pitchFamily="18" charset="0"/>
+                                                </a:rPr>
+                                                <m:t>𝑖</m:t>
+                                              </m:r>
+                                            </m:e>
+                                          </m:d>
+                                        </m:sup>
+                                      </m:sSup>
+                                    </m:e>
+                                  </m:d>
+                                  <m:r>
+                                    <a:rPr lang="pt-BR" b="0" i="1" smtClean="0">
+                                      <a:latin typeface="Cambria Math" panose="02040503050406030204" pitchFamily="18" charset="0"/>
+                                      <a:ea typeface="Cambria Math" panose="02040503050406030204" pitchFamily="18" charset="0"/>
+                                    </a:rPr>
+                                    <m:t>)] </m:t>
+                                  </m:r>
+                                </m:e>
+                              </m:func>
+                              <m:r>
+                                <a:rPr lang="pt-BR" b="0" i="1" smtClean="0">
+                                  <a:latin typeface="Cambria Math" panose="02040503050406030204" pitchFamily="18" charset="0"/>
+                                  <a:ea typeface="Cambria Math" panose="02040503050406030204" pitchFamily="18" charset="0"/>
+                                </a:rPr>
+                                <m:t> </m:t>
+                              </m:r>
+                            </m:e>
+                          </m:func>
+                        </m:e>
+                      </m:nary>
+                    </m:oMath>
+                  </m:oMathPara>
+                </a14:m>
+                <a:endParaRPr lang="pt-BR" dirty="0"/>
+              </a:p>
+            </p:txBody>
+          </p:sp>
+        </mc:Choice>
+        <mc:Fallback>
+          <p:sp>
+            <p:nvSpPr>
+              <p:cNvPr id="14" name="CaixaDeTexto 13">
+                <a:extLst>
+                  <a:ext uri="{FF2B5EF4-FFF2-40B4-BE49-F238E27FC236}">
+                    <a16:creationId xmlns:a16="http://schemas.microsoft.com/office/drawing/2014/main" id="{DD6508E5-D9EC-496A-AFE0-313B29824865}"/>
+                  </a:ext>
+                </a:extLst>
+              </p:cNvPr>
+              <p:cNvSpPr txBox="1">
+                <a:spLocks noRot="1" noChangeAspect="1" noMove="1" noResize="1" noEditPoints="1" noAdjustHandles="1" noChangeArrowheads="1" noChangeShapeType="1" noTextEdit="1"/>
+              </p:cNvSpPr>
+              <p:nvPr/>
+            </p:nvSpPr>
+            <p:spPr>
+              <a:xfrm>
+                <a:off x="1411940" y="1347614"/>
+                <a:ext cx="6320120" cy="756233"/>
+              </a:xfrm>
+              <a:prstGeom prst="rect">
+                <a:avLst/>
+              </a:prstGeom>
+              <a:blipFill>
+                <a:blip r:embed="rId2"/>
+                <a:stretch>
+                  <a:fillRect l="-386"/>
+                </a:stretch>
+              </a:blipFill>
+            </p:spPr>
+            <p:txBody>
+              <a:bodyPr/>
+              <a:lstStyle/>
+              <a:p>
+                <a:r>
+                  <a:rPr lang="pt-BR">
+                    <a:noFill/>
+                  </a:rPr>
+                  <a:t> </a:t>
+                </a:r>
+              </a:p>
+            </p:txBody>
+          </p:sp>
+        </mc:Fallback>
+      </mc:AlternateContent>
+      <mc:AlternateContent xmlns:mc="http://schemas.openxmlformats.org/markup-compatibility/2006">
+        <mc:Choice xmlns:a14="http://schemas.microsoft.com/office/drawing/2010/main" Requires="a14">
+          <p:sp>
+            <p:nvSpPr>
+              <p:cNvPr id="8" name="CaixaDeTexto 7">
+                <a:extLst>
+                  <a:ext uri="{FF2B5EF4-FFF2-40B4-BE49-F238E27FC236}">
+                    <a16:creationId xmlns:a16="http://schemas.microsoft.com/office/drawing/2014/main" id="{FF8B4406-40F2-4C75-B446-507FEB6B5522}"/>
+                  </a:ext>
+                </a:extLst>
+              </p:cNvPr>
+              <p:cNvSpPr txBox="1"/>
+              <p:nvPr/>
+            </p:nvSpPr>
+            <p:spPr>
+              <a:xfrm>
+                <a:off x="5868144" y="2177988"/>
+                <a:ext cx="1287852" cy="787523"/>
+              </a:xfrm>
+              <a:prstGeom prst="rect">
+                <a:avLst/>
+              </a:prstGeom>
+              <a:noFill/>
+            </p:spPr>
+            <p:txBody>
+              <a:bodyPr wrap="square" lIns="0" tIns="0" rIns="0" bIns="0" rtlCol="0">
+                <a:spAutoFit/>
+              </a:bodyPr>
+              <a:lstStyle/>
+              <a:p>
+                <a:pPr/>
+                <a14:m>
+                  <m:oMathPara xmlns:m="http://schemas.openxmlformats.org/officeDocument/2006/math">
+                    <m:oMathParaPr>
+                      <m:jc m:val="left"/>
+                    </m:oMathParaPr>
+                    <m:oMath xmlns:m="http://schemas.openxmlformats.org/officeDocument/2006/math">
+                      <m:r>
+                        <a:rPr lang="pt-BR" b="0" i="1" smtClean="0">
+                          <a:latin typeface="Cambria Math" panose="02040503050406030204" pitchFamily="18" charset="0"/>
+                          <a:ea typeface="Cambria Math" panose="02040503050406030204" pitchFamily="18" charset="0"/>
+                        </a:rPr>
+                        <m:t>+</m:t>
+                      </m:r>
+                      <m:f>
+                        <m:fPr>
+                          <m:ctrlPr>
+                            <a:rPr lang="pt-BR" b="0" i="1" smtClean="0">
+                              <a:latin typeface="Cambria Math" panose="02040503050406030204" pitchFamily="18" charset="0"/>
+                              <a:ea typeface="Cambria Math" panose="02040503050406030204" pitchFamily="18" charset="0"/>
+                            </a:rPr>
+                          </m:ctrlPr>
+                        </m:fPr>
+                        <m:num>
+                          <m:r>
+                            <a:rPr lang="pt-BR" b="0" i="1" smtClean="0">
+                              <a:latin typeface="Cambria Math" panose="02040503050406030204" pitchFamily="18" charset="0"/>
+                              <a:ea typeface="Cambria Math" panose="02040503050406030204" pitchFamily="18" charset="0"/>
+                            </a:rPr>
+                            <m:t>𝜆</m:t>
+                          </m:r>
+                        </m:num>
+                        <m:den>
+                          <m:r>
+                            <a:rPr lang="pt-BR" b="0" i="1" smtClean="0">
+                              <a:latin typeface="Cambria Math" panose="02040503050406030204" pitchFamily="18" charset="0"/>
+                              <a:ea typeface="Cambria Math" panose="02040503050406030204" pitchFamily="18" charset="0"/>
+                            </a:rPr>
+                            <m:t>2</m:t>
+                          </m:r>
+                          <m:r>
+                            <a:rPr lang="pt-BR" b="0" i="1" smtClean="0">
+                              <a:latin typeface="Cambria Math" panose="02040503050406030204" pitchFamily="18" charset="0"/>
+                              <a:ea typeface="Cambria Math" panose="02040503050406030204" pitchFamily="18" charset="0"/>
+                            </a:rPr>
+                            <m:t>𝑚</m:t>
+                          </m:r>
+                        </m:den>
+                      </m:f>
+                      <m:nary>
+                        <m:naryPr>
+                          <m:chr m:val="∑"/>
+                          <m:ctrlPr>
+                            <a:rPr lang="pt-BR" b="0" i="1" smtClean="0">
+                              <a:latin typeface="Cambria Math" panose="02040503050406030204" pitchFamily="18" charset="0"/>
+                              <a:ea typeface="Cambria Math" panose="02040503050406030204" pitchFamily="18" charset="0"/>
+                            </a:rPr>
+                          </m:ctrlPr>
+                        </m:naryPr>
+                        <m:sub>
+                          <m:r>
+                            <a:rPr lang="pt-BR" b="0" i="1" smtClean="0">
+                              <a:latin typeface="Cambria Math" panose="02040503050406030204" pitchFamily="18" charset="0"/>
+                              <a:ea typeface="Cambria Math" panose="02040503050406030204" pitchFamily="18" charset="0"/>
+                            </a:rPr>
+                            <m:t>𝑗</m:t>
+                          </m:r>
+                          <m:r>
+                            <a:rPr lang="pt-BR" b="0" i="1" smtClean="0">
+                              <a:latin typeface="Cambria Math" panose="02040503050406030204" pitchFamily="18" charset="0"/>
+                              <a:ea typeface="Cambria Math" panose="02040503050406030204" pitchFamily="18" charset="0"/>
+                            </a:rPr>
+                            <m:t>=1</m:t>
+                          </m:r>
+                        </m:sub>
+                        <m:sup>
+                          <m:r>
+                            <a:rPr lang="pt-BR" b="0" i="1" smtClean="0">
+                              <a:latin typeface="Cambria Math" panose="02040503050406030204" pitchFamily="18" charset="0"/>
+                              <a:ea typeface="Cambria Math" panose="02040503050406030204" pitchFamily="18" charset="0"/>
+                            </a:rPr>
+                            <m:t>𝑚</m:t>
+                          </m:r>
+                        </m:sup>
+                        <m:e>
+                          <m:sSubSup>
+                            <m:sSubSupPr>
+                              <m:ctrlPr>
+                                <a:rPr lang="pt-BR" b="0" i="1" smtClean="0">
+                                  <a:latin typeface="Cambria Math" panose="02040503050406030204" pitchFamily="18" charset="0"/>
+                                  <a:ea typeface="Cambria Math" panose="02040503050406030204" pitchFamily="18" charset="0"/>
+                                </a:rPr>
+                              </m:ctrlPr>
+                            </m:sSubSupPr>
+                            <m:e>
+                              <m:r>
+                                <a:rPr lang="pt-BR" b="0" i="1" smtClean="0">
+                                  <a:latin typeface="Cambria Math" panose="02040503050406030204" pitchFamily="18" charset="0"/>
+                                  <a:ea typeface="Cambria Math" panose="02040503050406030204" pitchFamily="18" charset="0"/>
+                                </a:rPr>
+                                <m:t>𝜃</m:t>
+                              </m:r>
+                            </m:e>
+                            <m:sub>
+                              <m:r>
+                                <a:rPr lang="pt-BR" b="0" i="1" smtClean="0">
+                                  <a:latin typeface="Cambria Math" panose="02040503050406030204" pitchFamily="18" charset="0"/>
+                                  <a:ea typeface="Cambria Math" panose="02040503050406030204" pitchFamily="18" charset="0"/>
+                                </a:rPr>
+                                <m:t>𝑗</m:t>
+                              </m:r>
+                            </m:sub>
+                            <m:sup>
+                              <m:r>
+                                <a:rPr lang="pt-BR" b="0" i="1" smtClean="0">
+                                  <a:latin typeface="Cambria Math" panose="02040503050406030204" pitchFamily="18" charset="0"/>
+                                  <a:ea typeface="Cambria Math" panose="02040503050406030204" pitchFamily="18" charset="0"/>
+                                </a:rPr>
+                                <m:t>2</m:t>
+                              </m:r>
+                            </m:sup>
+                          </m:sSubSup>
+                        </m:e>
+                      </m:nary>
+                    </m:oMath>
+                  </m:oMathPara>
+                </a14:m>
+                <a:endParaRPr lang="pt-BR" dirty="0"/>
+              </a:p>
+            </p:txBody>
+          </p:sp>
+        </mc:Choice>
+        <mc:Fallback>
+          <p:sp>
+            <p:nvSpPr>
+              <p:cNvPr id="8" name="CaixaDeTexto 7">
+                <a:extLst>
+                  <a:ext uri="{FF2B5EF4-FFF2-40B4-BE49-F238E27FC236}">
+                    <a16:creationId xmlns:a16="http://schemas.microsoft.com/office/drawing/2014/main" id="{FF8B4406-40F2-4C75-B446-507FEB6B5522}"/>
+                  </a:ext>
+                </a:extLst>
+              </p:cNvPr>
+              <p:cNvSpPr txBox="1">
+                <a:spLocks noRot="1" noChangeAspect="1" noMove="1" noResize="1" noEditPoints="1" noAdjustHandles="1" noChangeArrowheads="1" noChangeShapeType="1" noTextEdit="1"/>
+              </p:cNvSpPr>
+              <p:nvPr/>
+            </p:nvSpPr>
+            <p:spPr>
+              <a:xfrm>
+                <a:off x="5868144" y="2177988"/>
+                <a:ext cx="1287852" cy="787523"/>
+              </a:xfrm>
+              <a:prstGeom prst="rect">
+                <a:avLst/>
+              </a:prstGeom>
+              <a:blipFill>
+                <a:blip r:embed="rId3"/>
+                <a:stretch>
+                  <a:fillRect/>
+                </a:stretch>
+              </a:blipFill>
+            </p:spPr>
+            <p:txBody>
+              <a:bodyPr/>
+              <a:lstStyle/>
+              <a:p>
+                <a:r>
+                  <a:rPr lang="pt-BR">
+                    <a:noFill/>
+                  </a:rPr>
+                  <a:t> </a:t>
+                </a:r>
+              </a:p>
+            </p:txBody>
+          </p:sp>
+        </mc:Fallback>
+      </mc:AlternateContent>
+      <p:sp>
+        <p:nvSpPr>
+          <p:cNvPr id="3" name="Retângulo 2">
+            <a:extLst>
+              <a:ext uri="{FF2B5EF4-FFF2-40B4-BE49-F238E27FC236}">
+                <a16:creationId xmlns:a16="http://schemas.microsoft.com/office/drawing/2014/main" id="{D74D6DA5-E72E-41A9-BA9A-73729A4CA742}"/>
+              </a:ext>
+            </a:extLst>
+          </p:cNvPr>
+          <p:cNvSpPr/>
+          <p:nvPr/>
+        </p:nvSpPr>
+        <p:spPr>
+          <a:xfrm>
+            <a:off x="5796136" y="2067694"/>
+            <a:ext cx="1359860" cy="971960"/>
+          </a:xfrm>
+          <a:prstGeom prst="rect">
+            <a:avLst/>
+          </a:prstGeom>
+          <a:noFill/>
+          <a:ln w="28575">
+            <a:solidFill>
+              <a:schemeClr val="accent1"/>
+            </a:solidFill>
+            <a:prstDash val="sysDash"/>
+          </a:ln>
+        </p:spPr>
+        <p:style>
+          <a:lnRef idx="2">
+            <a:schemeClr val="accent1">
+              <a:shade val="50000"/>
+            </a:schemeClr>
+          </a:lnRef>
+          <a:fillRef idx="1">
+            <a:schemeClr val="accent1"/>
+          </a:fillRef>
+          <a:effectRef idx="0">
+            <a:schemeClr val="accent1"/>
+          </a:effectRef>
+          <a:fontRef idx="minor">
+            <a:schemeClr val="lt1"/>
+          </a:fontRef>
+        </p:style>
+        <p:txBody>
+          <a:bodyPr rtlCol="0" anchor="ctr"/>
+          <a:lstStyle/>
+          <a:p>
+            <a:pPr algn="ctr"/>
+            <a:endParaRPr lang="pt-BR"/>
+          </a:p>
+        </p:txBody>
+      </p:sp>
+      <mc:AlternateContent xmlns:mc="http://schemas.openxmlformats.org/markup-compatibility/2006">
+        <mc:Choice xmlns:a14="http://schemas.microsoft.com/office/drawing/2010/main" Requires="a14">
+          <p:sp>
+            <p:nvSpPr>
+              <p:cNvPr id="10" name="CaixaDeTexto 9">
+                <a:extLst>
+                  <a:ext uri="{FF2B5EF4-FFF2-40B4-BE49-F238E27FC236}">
+                    <a16:creationId xmlns:a16="http://schemas.microsoft.com/office/drawing/2014/main" id="{507854D5-CF4B-49D6-8E84-CA0B7AEE699F}"/>
+                  </a:ext>
+                </a:extLst>
+              </p:cNvPr>
+              <p:cNvSpPr txBox="1"/>
+              <p:nvPr/>
+            </p:nvSpPr>
+            <p:spPr>
+              <a:xfrm>
+                <a:off x="5868144" y="3482735"/>
+                <a:ext cx="1287852" cy="276999"/>
+              </a:xfrm>
+              <a:prstGeom prst="rect">
+                <a:avLst/>
+              </a:prstGeom>
+              <a:noFill/>
+            </p:spPr>
+            <p:txBody>
+              <a:bodyPr wrap="square" lIns="0" tIns="0" rIns="0" bIns="0" rtlCol="0">
+                <a:spAutoFit/>
+              </a:bodyPr>
+              <a:lstStyle/>
+              <a:p>
+                <a:pPr/>
+                <a14:m>
+                  <m:oMathPara xmlns:m="http://schemas.openxmlformats.org/officeDocument/2006/math">
+                    <m:oMathParaPr>
+                      <m:jc m:val="left"/>
+                    </m:oMathParaPr>
+                    <m:oMath xmlns:m="http://schemas.openxmlformats.org/officeDocument/2006/math">
+                      <m:sSub>
+                        <m:sSubPr>
+                          <m:ctrlPr>
+                            <a:rPr lang="pt-BR" b="0" i="1" smtClean="0">
+                              <a:latin typeface="Cambria Math" panose="02040503050406030204" pitchFamily="18" charset="0"/>
+                              <a:ea typeface="Cambria Math" panose="02040503050406030204" pitchFamily="18" charset="0"/>
+                            </a:rPr>
+                          </m:ctrlPr>
+                        </m:sSubPr>
+                        <m:e>
+                          <m:r>
+                            <a:rPr lang="pt-BR" b="0" i="1" smtClean="0">
+                              <a:latin typeface="Cambria Math" panose="02040503050406030204" pitchFamily="18" charset="0"/>
+                              <a:ea typeface="Cambria Math" panose="02040503050406030204" pitchFamily="18" charset="0"/>
+                            </a:rPr>
+                            <m:t>𝜃</m:t>
+                          </m:r>
+                        </m:e>
+                        <m:sub>
+                          <m:r>
+                            <a:rPr lang="pt-BR" b="0" i="1" smtClean="0">
+                              <a:latin typeface="Cambria Math" panose="02040503050406030204" pitchFamily="18" charset="0"/>
+                              <a:ea typeface="Cambria Math" panose="02040503050406030204" pitchFamily="18" charset="0"/>
+                            </a:rPr>
+                            <m:t>1</m:t>
+                          </m:r>
+                        </m:sub>
+                      </m:sSub>
+                      <m:r>
+                        <a:rPr lang="pt-BR" b="0" i="1" smtClean="0">
+                          <a:latin typeface="Cambria Math" panose="02040503050406030204" pitchFamily="18" charset="0"/>
+                          <a:ea typeface="Cambria Math" panose="02040503050406030204" pitchFamily="18" charset="0"/>
+                        </a:rPr>
+                        <m:t>,</m:t>
+                      </m:r>
+                      <m:sSub>
+                        <m:sSubPr>
+                          <m:ctrlPr>
+                            <a:rPr lang="pt-BR" b="0" i="1" smtClean="0">
+                              <a:latin typeface="Cambria Math" panose="02040503050406030204" pitchFamily="18" charset="0"/>
+                              <a:ea typeface="Cambria Math" panose="02040503050406030204" pitchFamily="18" charset="0"/>
+                            </a:rPr>
+                          </m:ctrlPr>
+                        </m:sSubPr>
+                        <m:e>
+                          <m:r>
+                            <a:rPr lang="pt-BR" b="0" i="1" smtClean="0">
+                              <a:latin typeface="Cambria Math" panose="02040503050406030204" pitchFamily="18" charset="0"/>
+                              <a:ea typeface="Cambria Math" panose="02040503050406030204" pitchFamily="18" charset="0"/>
+                            </a:rPr>
+                            <m:t>𝜃</m:t>
+                          </m:r>
+                        </m:e>
+                        <m:sub>
+                          <m:r>
+                            <a:rPr lang="pt-BR" b="0" i="1" smtClean="0">
+                              <a:latin typeface="Cambria Math" panose="02040503050406030204" pitchFamily="18" charset="0"/>
+                              <a:ea typeface="Cambria Math" panose="02040503050406030204" pitchFamily="18" charset="0"/>
+                            </a:rPr>
+                            <m:t>2</m:t>
+                          </m:r>
+                        </m:sub>
+                      </m:sSub>
+                      <m:r>
+                        <a:rPr lang="pt-BR" b="0" i="1" smtClean="0">
+                          <a:latin typeface="Cambria Math" panose="02040503050406030204" pitchFamily="18" charset="0"/>
+                          <a:ea typeface="Cambria Math" panose="02040503050406030204" pitchFamily="18" charset="0"/>
+                        </a:rPr>
+                        <m:t>,…</m:t>
+                      </m:r>
+                      <m:sSub>
+                        <m:sSubPr>
+                          <m:ctrlPr>
+                            <a:rPr lang="pt-BR" b="0" i="1" smtClean="0">
+                              <a:latin typeface="Cambria Math" panose="02040503050406030204" pitchFamily="18" charset="0"/>
+                              <a:ea typeface="Cambria Math" panose="02040503050406030204" pitchFamily="18" charset="0"/>
+                            </a:rPr>
+                          </m:ctrlPr>
+                        </m:sSubPr>
+                        <m:e>
+                          <m:r>
+                            <a:rPr lang="pt-BR" b="0" i="1" smtClean="0">
+                              <a:latin typeface="Cambria Math" panose="02040503050406030204" pitchFamily="18" charset="0"/>
+                              <a:ea typeface="Cambria Math" panose="02040503050406030204" pitchFamily="18" charset="0"/>
+                            </a:rPr>
+                            <m:t>𝜃</m:t>
+                          </m:r>
+                        </m:e>
+                        <m:sub>
+                          <m:r>
+                            <a:rPr lang="pt-BR" b="0" i="1" smtClean="0">
+                              <a:latin typeface="Cambria Math" panose="02040503050406030204" pitchFamily="18" charset="0"/>
+                              <a:ea typeface="Cambria Math" panose="02040503050406030204" pitchFamily="18" charset="0"/>
+                            </a:rPr>
+                            <m:t>𝑛</m:t>
+                          </m:r>
+                        </m:sub>
+                      </m:sSub>
+                    </m:oMath>
+                  </m:oMathPara>
+                </a14:m>
+                <a:endParaRPr lang="pt-BR" dirty="0"/>
+              </a:p>
+            </p:txBody>
+          </p:sp>
+        </mc:Choice>
+        <mc:Fallback>
+          <p:sp>
+            <p:nvSpPr>
+              <p:cNvPr id="10" name="CaixaDeTexto 9">
+                <a:extLst>
+                  <a:ext uri="{FF2B5EF4-FFF2-40B4-BE49-F238E27FC236}">
+                    <a16:creationId xmlns:a16="http://schemas.microsoft.com/office/drawing/2014/main" id="{507854D5-CF4B-49D6-8E84-CA0B7AEE699F}"/>
+                  </a:ext>
+                </a:extLst>
+              </p:cNvPr>
+              <p:cNvSpPr txBox="1">
+                <a:spLocks noRot="1" noChangeAspect="1" noMove="1" noResize="1" noEditPoints="1" noAdjustHandles="1" noChangeArrowheads="1" noChangeShapeType="1" noTextEdit="1"/>
+              </p:cNvSpPr>
+              <p:nvPr/>
+            </p:nvSpPr>
+            <p:spPr>
+              <a:xfrm>
+                <a:off x="5868144" y="3482735"/>
+                <a:ext cx="1287852" cy="276999"/>
+              </a:xfrm>
+              <a:prstGeom prst="rect">
+                <a:avLst/>
+              </a:prstGeom>
+              <a:blipFill>
+                <a:blip r:embed="rId4"/>
+                <a:stretch>
+                  <a:fillRect l="-6635" b="-17391"/>
+                </a:stretch>
+              </a:blipFill>
+            </p:spPr>
+            <p:txBody>
+              <a:bodyPr/>
+              <a:lstStyle/>
+              <a:p>
+                <a:r>
+                  <a:rPr lang="pt-BR">
+                    <a:noFill/>
+                  </a:rPr>
+                  <a:t> </a:t>
+                </a:r>
+              </a:p>
+            </p:txBody>
+          </p:sp>
+        </mc:Fallback>
+      </mc:AlternateContent>
+      <p:sp>
+        <p:nvSpPr>
+          <p:cNvPr id="4" name="Seta: para Baixo 3">
+            <a:extLst>
+              <a:ext uri="{FF2B5EF4-FFF2-40B4-BE49-F238E27FC236}">
+                <a16:creationId xmlns:a16="http://schemas.microsoft.com/office/drawing/2014/main" id="{7BF17A59-3572-4D80-9657-9331119AE672}"/>
+              </a:ext>
+            </a:extLst>
+          </p:cNvPr>
+          <p:cNvSpPr/>
+          <p:nvPr/>
+        </p:nvSpPr>
+        <p:spPr>
+          <a:xfrm>
+            <a:off x="7186990" y="3381617"/>
+            <a:ext cx="648072" cy="756233"/>
+          </a:xfrm>
+          <a:prstGeom prst="downArrow">
+            <a:avLst/>
+          </a:prstGeom>
+          <a:solidFill>
+            <a:srgbClr val="32AEB8"/>
+          </a:solidFill>
+          <a:ln>
+            <a:solidFill>
+              <a:schemeClr val="tx1"/>
+            </a:solidFill>
+          </a:ln>
+        </p:spPr>
+        <p:style>
+          <a:lnRef idx="2">
+            <a:schemeClr val="accent1">
+              <a:shade val="50000"/>
+            </a:schemeClr>
+          </a:lnRef>
+          <a:fillRef idx="1">
+            <a:schemeClr val="accent1"/>
+          </a:fillRef>
+          <a:effectRef idx="0">
+            <a:schemeClr val="accent1"/>
+          </a:effectRef>
+          <a:fontRef idx="minor">
+            <a:schemeClr val="lt1"/>
+          </a:fontRef>
+        </p:style>
+        <p:txBody>
+          <a:bodyPr rtlCol="0" anchor="ctr"/>
+          <a:lstStyle/>
+          <a:p>
+            <a:pPr algn="ctr"/>
+            <a:endParaRPr lang="pt-BR"/>
+          </a:p>
+        </p:txBody>
+      </p:sp>
+      <p:pic>
+        <p:nvPicPr>
+          <p:cNvPr id="16" name="Imagem 15">
+            <a:extLst>
+              <a:ext uri="{FF2B5EF4-FFF2-40B4-BE49-F238E27FC236}">
+                <a16:creationId xmlns:a16="http://schemas.microsoft.com/office/drawing/2014/main" id="{21916B26-ACAE-48EE-B516-616C53E6A1C4}"/>
+              </a:ext>
+            </a:extLst>
+          </p:cNvPr>
+          <p:cNvPicPr>
+            <a:picLocks noChangeAspect="1"/>
+          </p:cNvPicPr>
+          <p:nvPr/>
+        </p:nvPicPr>
+        <p:blipFill>
+          <a:blip r:embed="rId5"/>
+          <a:stretch>
+            <a:fillRect/>
+          </a:stretch>
+        </p:blipFill>
+        <p:spPr>
+          <a:xfrm>
+            <a:off x="2555776" y="2468585"/>
+            <a:ext cx="2304256" cy="2160240"/>
+          </a:xfrm>
+          <a:prstGeom prst="rect">
+            <a:avLst/>
+          </a:prstGeom>
+        </p:spPr>
+      </p:pic>
+      <p:sp>
+        <p:nvSpPr>
+          <p:cNvPr id="6" name="Forma Livre: Forma 5">
+            <a:extLst>
+              <a:ext uri="{FF2B5EF4-FFF2-40B4-BE49-F238E27FC236}">
+                <a16:creationId xmlns:a16="http://schemas.microsoft.com/office/drawing/2014/main" id="{CB8C806B-0003-407A-B65B-F85549758EFC}"/>
+              </a:ext>
+            </a:extLst>
+          </p:cNvPr>
+          <p:cNvSpPr/>
+          <p:nvPr/>
+        </p:nvSpPr>
+        <p:spPr>
+          <a:xfrm>
+            <a:off x="3297353" y="2480872"/>
+            <a:ext cx="1544470" cy="1349133"/>
+          </a:xfrm>
+          <a:custGeom>
+            <a:avLst/>
+            <a:gdLst>
+              <a:gd name="connsiteX0" fmla="*/ 315277 w 1544470"/>
+              <a:gd name="connsiteY0" fmla="*/ 0 h 1349133"/>
+              <a:gd name="connsiteX1" fmla="*/ 180365 w 1544470"/>
+              <a:gd name="connsiteY1" fmla="*/ 179882 h 1349133"/>
+              <a:gd name="connsiteX2" fmla="*/ 97919 w 1544470"/>
+              <a:gd name="connsiteY2" fmla="*/ 322289 h 1349133"/>
+              <a:gd name="connsiteX3" fmla="*/ 15473 w 1544470"/>
+              <a:gd name="connsiteY3" fmla="*/ 554636 h 1349133"/>
+              <a:gd name="connsiteX4" fmla="*/ 483 w 1544470"/>
+              <a:gd name="connsiteY4" fmla="*/ 689548 h 1349133"/>
+              <a:gd name="connsiteX5" fmla="*/ 22968 w 1544470"/>
+              <a:gd name="connsiteY5" fmla="*/ 854439 h 1349133"/>
+              <a:gd name="connsiteX6" fmla="*/ 120404 w 1544470"/>
+              <a:gd name="connsiteY6" fmla="*/ 1041817 h 1349133"/>
+              <a:gd name="connsiteX7" fmla="*/ 300286 w 1544470"/>
+              <a:gd name="connsiteY7" fmla="*/ 1266669 h 1349133"/>
+              <a:gd name="connsiteX8" fmla="*/ 540129 w 1544470"/>
+              <a:gd name="connsiteY8" fmla="*/ 1349115 h 1349133"/>
+              <a:gd name="connsiteX9" fmla="*/ 735001 w 1544470"/>
+              <a:gd name="connsiteY9" fmla="*/ 1274164 h 1349133"/>
+              <a:gd name="connsiteX10" fmla="*/ 937368 w 1544470"/>
+              <a:gd name="connsiteY10" fmla="*/ 1259174 h 1349133"/>
+              <a:gd name="connsiteX11" fmla="*/ 1192201 w 1544470"/>
+              <a:gd name="connsiteY11" fmla="*/ 1169233 h 1349133"/>
+              <a:gd name="connsiteX12" fmla="*/ 1544470 w 1544470"/>
+              <a:gd name="connsiteY12" fmla="*/ 974361 h 1349133"/>
+            </a:gdLst>
+            <a:ahLst/>
+            <a:cxnLst>
+              <a:cxn ang="0">
+                <a:pos x="connsiteX0" y="connsiteY0"/>
+              </a:cxn>
+              <a:cxn ang="0">
+                <a:pos x="connsiteX1" y="connsiteY1"/>
+              </a:cxn>
+              <a:cxn ang="0">
+                <a:pos x="connsiteX2" y="connsiteY2"/>
+              </a:cxn>
+              <a:cxn ang="0">
+                <a:pos x="connsiteX3" y="connsiteY3"/>
+              </a:cxn>
+              <a:cxn ang="0">
+                <a:pos x="connsiteX4" y="connsiteY4"/>
+              </a:cxn>
+              <a:cxn ang="0">
+                <a:pos x="connsiteX5" y="connsiteY5"/>
+              </a:cxn>
+              <a:cxn ang="0">
+                <a:pos x="connsiteX6" y="connsiteY6"/>
+              </a:cxn>
+              <a:cxn ang="0">
+                <a:pos x="connsiteX7" y="connsiteY7"/>
+              </a:cxn>
+              <a:cxn ang="0">
+                <a:pos x="connsiteX8" y="connsiteY8"/>
+              </a:cxn>
+              <a:cxn ang="0">
+                <a:pos x="connsiteX9" y="connsiteY9"/>
+              </a:cxn>
+              <a:cxn ang="0">
+                <a:pos x="connsiteX10" y="connsiteY10"/>
+              </a:cxn>
+              <a:cxn ang="0">
+                <a:pos x="connsiteX11" y="connsiteY11"/>
+              </a:cxn>
+              <a:cxn ang="0">
+                <a:pos x="connsiteX12" y="connsiteY12"/>
+              </a:cxn>
+            </a:cxnLst>
+            <a:rect l="l" t="t" r="r" b="b"/>
+            <a:pathLst>
+              <a:path w="1544470" h="1349133">
+                <a:moveTo>
+                  <a:pt x="315277" y="0"/>
+                </a:moveTo>
+                <a:cubicBezTo>
+                  <a:pt x="265934" y="63083"/>
+                  <a:pt x="216591" y="126167"/>
+                  <a:pt x="180365" y="179882"/>
+                </a:cubicBezTo>
+                <a:cubicBezTo>
+                  <a:pt x="144139" y="233597"/>
+                  <a:pt x="125401" y="259830"/>
+                  <a:pt x="97919" y="322289"/>
+                </a:cubicBezTo>
+                <a:cubicBezTo>
+                  <a:pt x="70437" y="384748"/>
+                  <a:pt x="31712" y="493426"/>
+                  <a:pt x="15473" y="554636"/>
+                </a:cubicBezTo>
+                <a:cubicBezTo>
+                  <a:pt x="-766" y="615846"/>
+                  <a:pt x="-766" y="639581"/>
+                  <a:pt x="483" y="689548"/>
+                </a:cubicBezTo>
+                <a:cubicBezTo>
+                  <a:pt x="1732" y="739515"/>
+                  <a:pt x="2981" y="795728"/>
+                  <a:pt x="22968" y="854439"/>
+                </a:cubicBezTo>
+                <a:cubicBezTo>
+                  <a:pt x="42955" y="913151"/>
+                  <a:pt x="74184" y="973112"/>
+                  <a:pt x="120404" y="1041817"/>
+                </a:cubicBezTo>
+                <a:cubicBezTo>
+                  <a:pt x="166624" y="1110522"/>
+                  <a:pt x="230332" y="1215453"/>
+                  <a:pt x="300286" y="1266669"/>
+                </a:cubicBezTo>
+                <a:cubicBezTo>
+                  <a:pt x="370240" y="1317885"/>
+                  <a:pt x="467677" y="1347866"/>
+                  <a:pt x="540129" y="1349115"/>
+                </a:cubicBezTo>
+                <a:cubicBezTo>
+                  <a:pt x="612581" y="1350364"/>
+                  <a:pt x="668795" y="1289154"/>
+                  <a:pt x="735001" y="1274164"/>
+                </a:cubicBezTo>
+                <a:cubicBezTo>
+                  <a:pt x="801207" y="1259174"/>
+                  <a:pt x="861168" y="1276662"/>
+                  <a:pt x="937368" y="1259174"/>
+                </a:cubicBezTo>
+                <a:cubicBezTo>
+                  <a:pt x="1013568" y="1241686"/>
+                  <a:pt x="1091017" y="1216702"/>
+                  <a:pt x="1192201" y="1169233"/>
+                </a:cubicBezTo>
+                <a:cubicBezTo>
+                  <a:pt x="1293385" y="1121764"/>
+                  <a:pt x="1418927" y="1048062"/>
+                  <a:pt x="1544470" y="974361"/>
+                </a:cubicBezTo>
+              </a:path>
+            </a:pathLst>
+          </a:custGeom>
+          <a:noFill/>
+          <a:ln>
+            <a:solidFill>
+              <a:schemeClr val="tx1"/>
+            </a:solidFill>
+          </a:ln>
+        </p:spPr>
+        <p:style>
+          <a:lnRef idx="2">
+            <a:schemeClr val="accent1">
+              <a:shade val="50000"/>
+            </a:schemeClr>
+          </a:lnRef>
+          <a:fillRef idx="1">
+            <a:schemeClr val="accent1"/>
+          </a:fillRef>
+          <a:effectRef idx="0">
+            <a:schemeClr val="accent1"/>
+          </a:effectRef>
+          <a:fontRef idx="minor">
+            <a:schemeClr val="lt1"/>
+          </a:fontRef>
+        </p:style>
+        <p:txBody>
+          <a:bodyPr rtlCol="0" anchor="ctr"/>
+          <a:lstStyle/>
+          <a:p>
+            <a:pPr algn="ctr"/>
+            <a:endParaRPr lang="pt-BR"/>
+          </a:p>
+        </p:txBody>
+      </p:sp>
+    </p:spTree>
+    <p:extLst>
+      <p:ext uri="{BB962C8B-B14F-4D97-AF65-F5344CB8AC3E}">
+        <p14:creationId xmlns:p14="http://schemas.microsoft.com/office/powerpoint/2010/main" val="1312614205"/>
+      </p:ext>
+    </p:extLst>
+  </p:cSld>
+  <p:clrMapOvr>
+    <a:masterClrMapping/>
+  </p:clrMapOvr>
+  <p:timing>
+    <p:tnLst>
+      <p:par>
+        <p:cTn id="1" dur="indefinite" restart="never" nodeType="tmRoot">
+          <p:childTnLst>
+            <p:seq concurrent="1" nextAc="seek">
+              <p:cTn id="2" dur="indefinite" nodeType="mainSeq">
+                <p:childTnLst>
+                  <p:par>
+                    <p:cTn id="3" fill="hold">
+                      <p:stCondLst>
+                        <p:cond delay="indefinite"/>
+                      </p:stCondLst>
+                      <p:childTnLst>
+                        <p:par>
+                          <p:cTn id="4" fill="hold">
+                            <p:stCondLst>
+                              <p:cond delay="0"/>
+                            </p:stCondLst>
+                            <p:childTnLst>
+                              <p:par>
+                                <p:cTn id="5" presetID="42" presetClass="entr" presetSubtype="0" fill="hold" grpId="0" nodeType="clickEffect">
+                                  <p:stCondLst>
+                                    <p:cond delay="0"/>
+                                  </p:stCondLst>
+                                  <p:childTnLst>
+                                    <p:set>
+                                      <p:cBhvr>
+                                        <p:cTn id="6" dur="1" fill="hold">
+                                          <p:stCondLst>
+                                            <p:cond delay="0"/>
+                                          </p:stCondLst>
+                                        </p:cTn>
+                                        <p:tgtEl>
+                                          <p:spTgt spid="8"/>
+                                        </p:tgtEl>
+                                        <p:attrNameLst>
+                                          <p:attrName>style.visibility</p:attrName>
+                                        </p:attrNameLst>
+                                      </p:cBhvr>
+                                      <p:to>
+                                        <p:strVal val="visible"/>
+                                      </p:to>
+                                    </p:set>
+                                    <p:animEffect transition="in" filter="fade">
+                                      <p:cBhvr>
+                                        <p:cTn id="7" dur="1000"/>
+                                        <p:tgtEl>
+                                          <p:spTgt spid="8"/>
+                                        </p:tgtEl>
+                                      </p:cBhvr>
+                                    </p:animEffect>
+                                    <p:anim calcmode="lin" valueType="num">
+                                      <p:cBhvr>
+                                        <p:cTn id="8" dur="1000" fill="hold"/>
+                                        <p:tgtEl>
+                                          <p:spTgt spid="8"/>
+                                        </p:tgtEl>
+                                        <p:attrNameLst>
+                                          <p:attrName>ppt_x</p:attrName>
+                                        </p:attrNameLst>
+                                      </p:cBhvr>
+                                      <p:tavLst>
+                                        <p:tav tm="0">
+                                          <p:val>
+                                            <p:strVal val="#ppt_x"/>
+                                          </p:val>
+                                        </p:tav>
+                                        <p:tav tm="100000">
+                                          <p:val>
+                                            <p:strVal val="#ppt_x"/>
+                                          </p:val>
+                                        </p:tav>
+                                      </p:tavLst>
+                                    </p:anim>
+                                    <p:anim calcmode="lin" valueType="num">
+                                      <p:cBhvr>
+                                        <p:cTn id="9" dur="1000" fill="hold"/>
+                                        <p:tgtEl>
+                                          <p:spTgt spid="8"/>
+                                        </p:tgtEl>
+                                        <p:attrNameLst>
+                                          <p:attrName>ppt_y</p:attrName>
+                                        </p:attrNameLst>
+                                      </p:cBhvr>
+                                      <p:tavLst>
+                                        <p:tav tm="0">
+                                          <p:val>
+                                            <p:strVal val="#ppt_y+.1"/>
+                                          </p:val>
+                                        </p:tav>
+                                        <p:tav tm="100000">
+                                          <p:val>
+                                            <p:strVal val="#ppt_y"/>
+                                          </p:val>
+                                        </p:tav>
+                                      </p:tavLst>
+                                    </p:anim>
+                                  </p:childTnLst>
+                                </p:cTn>
+                              </p:par>
+                            </p:childTnLst>
+                          </p:cTn>
+                        </p:par>
+                        <p:par>
+                          <p:cTn id="10" fill="hold">
+                            <p:stCondLst>
+                              <p:cond delay="1000"/>
+                            </p:stCondLst>
+                            <p:childTnLst>
+                              <p:par>
+                                <p:cTn id="11" presetID="21" presetClass="entr" presetSubtype="1" fill="hold" grpId="0" nodeType="afterEffect">
+                                  <p:stCondLst>
+                                    <p:cond delay="0"/>
+                                  </p:stCondLst>
+                                  <p:childTnLst>
+                                    <p:set>
+                                      <p:cBhvr>
+                                        <p:cTn id="12" dur="1" fill="hold">
+                                          <p:stCondLst>
+                                            <p:cond delay="0"/>
+                                          </p:stCondLst>
+                                        </p:cTn>
+                                        <p:tgtEl>
+                                          <p:spTgt spid="3"/>
+                                        </p:tgtEl>
+                                        <p:attrNameLst>
+                                          <p:attrName>style.visibility</p:attrName>
+                                        </p:attrNameLst>
+                                      </p:cBhvr>
+                                      <p:to>
+                                        <p:strVal val="visible"/>
+                                      </p:to>
+                                    </p:set>
+                                    <p:animEffect transition="in" filter="wheel(1)">
+                                      <p:cBhvr>
+                                        <p:cTn id="13" dur="3000"/>
+                                        <p:tgtEl>
+                                          <p:spTgt spid="3"/>
+                                        </p:tgtEl>
+                                      </p:cBhvr>
+                                    </p:animEffect>
+                                  </p:childTnLst>
+                                </p:cTn>
+                              </p:par>
+                            </p:childTnLst>
+                          </p:cTn>
+                        </p:par>
+                        <p:par>
+                          <p:cTn id="14" fill="hold">
+                            <p:stCondLst>
+                              <p:cond delay="4000"/>
+                            </p:stCondLst>
+                            <p:childTnLst>
+                              <p:par>
+                                <p:cTn id="15" presetID="42" presetClass="entr" presetSubtype="0" fill="hold" grpId="0" nodeType="afterEffect">
+                                  <p:stCondLst>
+                                    <p:cond delay="0"/>
+                                  </p:stCondLst>
+                                  <p:childTnLst>
+                                    <p:set>
+                                      <p:cBhvr>
+                                        <p:cTn id="16" dur="1" fill="hold">
+                                          <p:stCondLst>
+                                            <p:cond delay="0"/>
+                                          </p:stCondLst>
+                                        </p:cTn>
+                                        <p:tgtEl>
+                                          <p:spTgt spid="10"/>
+                                        </p:tgtEl>
+                                        <p:attrNameLst>
+                                          <p:attrName>style.visibility</p:attrName>
+                                        </p:attrNameLst>
+                                      </p:cBhvr>
+                                      <p:to>
+                                        <p:strVal val="visible"/>
+                                      </p:to>
+                                    </p:set>
+                                    <p:animEffect transition="in" filter="fade">
+                                      <p:cBhvr>
+                                        <p:cTn id="17" dur="1000"/>
+                                        <p:tgtEl>
+                                          <p:spTgt spid="10"/>
+                                        </p:tgtEl>
+                                      </p:cBhvr>
+                                    </p:animEffect>
+                                    <p:anim calcmode="lin" valueType="num">
+                                      <p:cBhvr>
+                                        <p:cTn id="18" dur="1000" fill="hold"/>
+                                        <p:tgtEl>
+                                          <p:spTgt spid="10"/>
+                                        </p:tgtEl>
+                                        <p:attrNameLst>
+                                          <p:attrName>ppt_x</p:attrName>
+                                        </p:attrNameLst>
+                                      </p:cBhvr>
+                                      <p:tavLst>
+                                        <p:tav tm="0">
+                                          <p:val>
+                                            <p:strVal val="#ppt_x"/>
+                                          </p:val>
+                                        </p:tav>
+                                        <p:tav tm="100000">
+                                          <p:val>
+                                            <p:strVal val="#ppt_x"/>
+                                          </p:val>
+                                        </p:tav>
+                                      </p:tavLst>
+                                    </p:anim>
+                                    <p:anim calcmode="lin" valueType="num">
+                                      <p:cBhvr>
+                                        <p:cTn id="19" dur="1000" fill="hold"/>
+                                        <p:tgtEl>
+                                          <p:spTgt spid="10"/>
+                                        </p:tgtEl>
+                                        <p:attrNameLst>
+                                          <p:attrName>ppt_y</p:attrName>
+                                        </p:attrNameLst>
+                                      </p:cBhvr>
+                                      <p:tavLst>
+                                        <p:tav tm="0">
+                                          <p:val>
+                                            <p:strVal val="#ppt_y+.1"/>
+                                          </p:val>
+                                        </p:tav>
+                                        <p:tav tm="100000">
+                                          <p:val>
+                                            <p:strVal val="#ppt_y"/>
+                                          </p:val>
+                                        </p:tav>
+                                      </p:tavLst>
+                                    </p:anim>
+                                  </p:childTnLst>
+                                </p:cTn>
+                              </p:par>
+                            </p:childTnLst>
+                          </p:cTn>
+                        </p:par>
+                        <p:par>
+                          <p:cTn id="20" fill="hold">
+                            <p:stCondLst>
+                              <p:cond delay="5000"/>
+                            </p:stCondLst>
+                            <p:childTnLst>
+                              <p:par>
+                                <p:cTn id="21" presetID="26" presetClass="entr" presetSubtype="0" fill="hold" grpId="0" nodeType="afterEffect">
+                                  <p:stCondLst>
+                                    <p:cond delay="0"/>
+                                  </p:stCondLst>
+                                  <p:childTnLst>
+                                    <p:set>
+                                      <p:cBhvr>
+                                        <p:cTn id="22" dur="1" fill="hold">
+                                          <p:stCondLst>
+                                            <p:cond delay="0"/>
+                                          </p:stCondLst>
+                                        </p:cTn>
+                                        <p:tgtEl>
+                                          <p:spTgt spid="4"/>
+                                        </p:tgtEl>
+                                        <p:attrNameLst>
+                                          <p:attrName>style.visibility</p:attrName>
+                                        </p:attrNameLst>
+                                      </p:cBhvr>
+                                      <p:to>
+                                        <p:strVal val="visible"/>
+                                      </p:to>
+                                    </p:set>
+                                    <p:animEffect transition="in" filter="wipe(down)">
+                                      <p:cBhvr>
+                                        <p:cTn id="23" dur="580">
+                                          <p:stCondLst>
+                                            <p:cond delay="0"/>
+                                          </p:stCondLst>
+                                        </p:cTn>
+                                        <p:tgtEl>
+                                          <p:spTgt spid="4"/>
+                                        </p:tgtEl>
+                                      </p:cBhvr>
+                                    </p:animEffect>
+                                    <p:anim calcmode="lin" valueType="num">
+                                      <p:cBhvr>
+                                        <p:cTn id="24" dur="1822" tmFilter="0,0; 0.14,0.36; 0.43,0.73; 0.71,0.91; 1.0,1.0">
+                                          <p:stCondLst>
+                                            <p:cond delay="0"/>
+                                          </p:stCondLst>
+                                        </p:cTn>
+                                        <p:tgtEl>
+                                          <p:spTgt spid="4"/>
+                                        </p:tgtEl>
+                                        <p:attrNameLst>
+                                          <p:attrName>ppt_x</p:attrName>
+                                        </p:attrNameLst>
+                                      </p:cBhvr>
+                                      <p:tavLst>
+                                        <p:tav tm="0">
+                                          <p:val>
+                                            <p:strVal val="#ppt_x-0.25"/>
+                                          </p:val>
+                                        </p:tav>
+                                        <p:tav tm="100000">
+                                          <p:val>
+                                            <p:strVal val="#ppt_x"/>
+                                          </p:val>
+                                        </p:tav>
+                                      </p:tavLst>
+                                    </p:anim>
+                                    <p:anim calcmode="lin" valueType="num">
+                                      <p:cBhvr>
+                                        <p:cTn id="25" dur="664" tmFilter="0.0,0.0; 0.25,0.07; 0.50,0.2; 0.75,0.467; 1.0,1.0">
+                                          <p:stCondLst>
+                                            <p:cond delay="0"/>
+                                          </p:stCondLst>
+                                        </p:cTn>
+                                        <p:tgtEl>
+                                          <p:spTgt spid="4"/>
+                                        </p:tgtEl>
+                                        <p:attrNameLst>
+                                          <p:attrName>ppt_y</p:attrName>
+                                        </p:attrNameLst>
+                                      </p:cBhvr>
+                                      <p:tavLst>
+                                        <p:tav tm="0" fmla="#ppt_y-sin(pi*$)/3">
+                                          <p:val>
+                                            <p:fltVal val="0.5"/>
+                                          </p:val>
+                                        </p:tav>
+                                        <p:tav tm="100000">
+                                          <p:val>
+                                            <p:fltVal val="1"/>
+                                          </p:val>
+                                        </p:tav>
+                                      </p:tavLst>
+                                    </p:anim>
+                                    <p:anim calcmode="lin" valueType="num">
+                                      <p:cBhvr>
+                                        <p:cTn id="26" dur="664" tmFilter="0, 0; 0.125,0.2665; 0.25,0.4; 0.375,0.465; 0.5,0.5;  0.625,0.535; 0.75,0.6; 0.875,0.7335; 1,1">
+                                          <p:stCondLst>
+                                            <p:cond delay="664"/>
+                                          </p:stCondLst>
+                                        </p:cTn>
+                                        <p:tgtEl>
+                                          <p:spTgt spid="4"/>
+                                        </p:tgtEl>
+                                        <p:attrNameLst>
+                                          <p:attrName>ppt_y</p:attrName>
+                                        </p:attrNameLst>
+                                      </p:cBhvr>
+                                      <p:tavLst>
+                                        <p:tav tm="0" fmla="#ppt_y-sin(pi*$)/9">
+                                          <p:val>
+                                            <p:fltVal val="0"/>
+                                          </p:val>
+                                        </p:tav>
+                                        <p:tav tm="100000">
+                                          <p:val>
+                                            <p:fltVal val="1"/>
+                                          </p:val>
+                                        </p:tav>
+                                      </p:tavLst>
+                                    </p:anim>
+                                    <p:anim calcmode="lin" valueType="num">
+                                      <p:cBhvr>
+                                        <p:cTn id="27" dur="332" tmFilter="0, 0; 0.125,0.2665; 0.25,0.4; 0.375,0.465; 0.5,0.5;  0.625,0.535; 0.75,0.6; 0.875,0.7335; 1,1">
+                                          <p:stCondLst>
+                                            <p:cond delay="1324"/>
+                                          </p:stCondLst>
+                                        </p:cTn>
+                                        <p:tgtEl>
+                                          <p:spTgt spid="4"/>
+                                        </p:tgtEl>
+                                        <p:attrNameLst>
+                                          <p:attrName>ppt_y</p:attrName>
+                                        </p:attrNameLst>
+                                      </p:cBhvr>
+                                      <p:tavLst>
+                                        <p:tav tm="0" fmla="#ppt_y-sin(pi*$)/27">
+                                          <p:val>
+                                            <p:fltVal val="0"/>
+                                          </p:val>
+                                        </p:tav>
+                                        <p:tav tm="100000">
+                                          <p:val>
+                                            <p:fltVal val="1"/>
+                                          </p:val>
+                                        </p:tav>
+                                      </p:tavLst>
+                                    </p:anim>
+                                    <p:anim calcmode="lin" valueType="num">
+                                      <p:cBhvr>
+                                        <p:cTn id="28" dur="164" tmFilter="0, 0; 0.125,0.2665; 0.25,0.4; 0.375,0.465; 0.5,0.5;  0.625,0.535; 0.75,0.6; 0.875,0.7335; 1,1">
+                                          <p:stCondLst>
+                                            <p:cond delay="1656"/>
+                                          </p:stCondLst>
+                                        </p:cTn>
+                                        <p:tgtEl>
+                                          <p:spTgt spid="4"/>
+                                        </p:tgtEl>
+                                        <p:attrNameLst>
+                                          <p:attrName>ppt_y</p:attrName>
+                                        </p:attrNameLst>
+                                      </p:cBhvr>
+                                      <p:tavLst>
+                                        <p:tav tm="0" fmla="#ppt_y-sin(pi*$)/81">
+                                          <p:val>
+                                            <p:fltVal val="0"/>
+                                          </p:val>
+                                        </p:tav>
+                                        <p:tav tm="100000">
+                                          <p:val>
+                                            <p:fltVal val="1"/>
+                                          </p:val>
+                                        </p:tav>
+                                      </p:tavLst>
+                                    </p:anim>
+                                    <p:animScale>
+                                      <p:cBhvr>
+                                        <p:cTn id="29" dur="26">
+                                          <p:stCondLst>
+                                            <p:cond delay="650"/>
+                                          </p:stCondLst>
+                                        </p:cTn>
+                                        <p:tgtEl>
+                                          <p:spTgt spid="4"/>
+                                        </p:tgtEl>
+                                      </p:cBhvr>
+                                      <p:to x="100000" y="60000"/>
+                                    </p:animScale>
+                                    <p:animScale>
+                                      <p:cBhvr>
+                                        <p:cTn id="30" dur="166" decel="50000">
+                                          <p:stCondLst>
+                                            <p:cond delay="676"/>
+                                          </p:stCondLst>
+                                        </p:cTn>
+                                        <p:tgtEl>
+                                          <p:spTgt spid="4"/>
+                                        </p:tgtEl>
+                                      </p:cBhvr>
+                                      <p:to x="100000" y="100000"/>
+                                    </p:animScale>
+                                    <p:animScale>
+                                      <p:cBhvr>
+                                        <p:cTn id="31" dur="26">
+                                          <p:stCondLst>
+                                            <p:cond delay="1312"/>
+                                          </p:stCondLst>
+                                        </p:cTn>
+                                        <p:tgtEl>
+                                          <p:spTgt spid="4"/>
+                                        </p:tgtEl>
+                                      </p:cBhvr>
+                                      <p:to x="100000" y="80000"/>
+                                    </p:animScale>
+                                    <p:animScale>
+                                      <p:cBhvr>
+                                        <p:cTn id="32" dur="166" decel="50000">
+                                          <p:stCondLst>
+                                            <p:cond delay="1338"/>
+                                          </p:stCondLst>
+                                        </p:cTn>
+                                        <p:tgtEl>
+                                          <p:spTgt spid="4"/>
+                                        </p:tgtEl>
+                                      </p:cBhvr>
+                                      <p:to x="100000" y="100000"/>
+                                    </p:animScale>
+                                    <p:animScale>
+                                      <p:cBhvr>
+                                        <p:cTn id="33" dur="26">
+                                          <p:stCondLst>
+                                            <p:cond delay="1642"/>
+                                          </p:stCondLst>
+                                        </p:cTn>
+                                        <p:tgtEl>
+                                          <p:spTgt spid="4"/>
+                                        </p:tgtEl>
+                                      </p:cBhvr>
+                                      <p:to x="100000" y="90000"/>
+                                    </p:animScale>
+                                    <p:animScale>
+                                      <p:cBhvr>
+                                        <p:cTn id="34" dur="166" decel="50000">
+                                          <p:stCondLst>
+                                            <p:cond delay="1668"/>
+                                          </p:stCondLst>
+                                        </p:cTn>
+                                        <p:tgtEl>
+                                          <p:spTgt spid="4"/>
+                                        </p:tgtEl>
+                                      </p:cBhvr>
+                                      <p:to x="100000" y="100000"/>
+                                    </p:animScale>
+                                    <p:animScale>
+                                      <p:cBhvr>
+                                        <p:cTn id="35" dur="26">
+                                          <p:stCondLst>
+                                            <p:cond delay="1808"/>
+                                          </p:stCondLst>
+                                        </p:cTn>
+                                        <p:tgtEl>
+                                          <p:spTgt spid="4"/>
+                                        </p:tgtEl>
+                                      </p:cBhvr>
+                                      <p:to x="100000" y="95000"/>
+                                    </p:animScale>
+                                    <p:animScale>
+                                      <p:cBhvr>
+                                        <p:cTn id="36" dur="166" decel="50000">
+                                          <p:stCondLst>
+                                            <p:cond delay="1834"/>
+                                          </p:stCondLst>
+                                        </p:cTn>
+                                        <p:tgtEl>
+                                          <p:spTgt spid="4"/>
+                                        </p:tgtEl>
+                                      </p:cBhvr>
+                                      <p:to x="100000" y="100000"/>
+                                    </p:animScale>
+                                  </p:childTnLst>
+                                </p:cTn>
+                              </p:par>
+                            </p:childTnLst>
+                          </p:cTn>
+                        </p:par>
+                      </p:childTnLst>
+                    </p:cTn>
+                  </p:par>
+                  <p:par>
+                    <p:cTn id="37" fill="hold">
+                      <p:stCondLst>
+                        <p:cond delay="indefinite"/>
+                      </p:stCondLst>
+                      <p:childTnLst>
+                        <p:par>
+                          <p:cTn id="38" fill="hold">
+                            <p:stCondLst>
+                              <p:cond delay="0"/>
+                            </p:stCondLst>
+                            <p:childTnLst>
+                              <p:par>
+                                <p:cTn id="39" presetID="10" presetClass="entr" presetSubtype="0" fill="hold" nodeType="clickEffect">
+                                  <p:stCondLst>
+                                    <p:cond delay="0"/>
+                                  </p:stCondLst>
+                                  <p:childTnLst>
+                                    <p:set>
+                                      <p:cBhvr>
+                                        <p:cTn id="40" dur="1" fill="hold">
+                                          <p:stCondLst>
+                                            <p:cond delay="0"/>
+                                          </p:stCondLst>
+                                        </p:cTn>
+                                        <p:tgtEl>
+                                          <p:spTgt spid="16"/>
+                                        </p:tgtEl>
+                                        <p:attrNameLst>
+                                          <p:attrName>style.visibility</p:attrName>
+                                        </p:attrNameLst>
+                                      </p:cBhvr>
+                                      <p:to>
+                                        <p:strVal val="visible"/>
+                                      </p:to>
+                                    </p:set>
+                                    <p:animEffect transition="in" filter="fade">
+                                      <p:cBhvr>
+                                        <p:cTn id="41" dur="500"/>
+                                        <p:tgtEl>
+                                          <p:spTgt spid="16"/>
+                                        </p:tgtEl>
+                                      </p:cBhvr>
+                                    </p:animEffect>
+                                  </p:childTnLst>
+                                </p:cTn>
+                              </p:par>
+                            </p:childTnLst>
+                          </p:cTn>
+                        </p:par>
+                      </p:childTnLst>
+                    </p:cTn>
+                  </p:par>
+                  <p:par>
+                    <p:cTn id="42" fill="hold">
+                      <p:stCondLst>
+                        <p:cond delay="indefinite"/>
+                      </p:stCondLst>
+                      <p:childTnLst>
+                        <p:par>
+                          <p:cTn id="43" fill="hold">
+                            <p:stCondLst>
+                              <p:cond delay="0"/>
+                            </p:stCondLst>
+                            <p:childTnLst>
+                              <p:par>
+                                <p:cTn id="44" presetID="21" presetClass="entr" presetSubtype="1" fill="hold" grpId="0" nodeType="clickEffect">
+                                  <p:stCondLst>
+                                    <p:cond delay="0"/>
+                                  </p:stCondLst>
+                                  <p:childTnLst>
+                                    <p:set>
+                                      <p:cBhvr>
+                                        <p:cTn id="45" dur="1" fill="hold">
+                                          <p:stCondLst>
+                                            <p:cond delay="0"/>
+                                          </p:stCondLst>
+                                        </p:cTn>
+                                        <p:tgtEl>
+                                          <p:spTgt spid="6"/>
+                                        </p:tgtEl>
+                                        <p:attrNameLst>
+                                          <p:attrName>style.visibility</p:attrName>
+                                        </p:attrNameLst>
+                                      </p:cBhvr>
+                                      <p:to>
+                                        <p:strVal val="visible"/>
+                                      </p:to>
+                                    </p:set>
+                                    <p:animEffect transition="in" filter="wheel(1)">
+                                      <p:cBhvr>
+                                        <p:cTn id="46" dur="3000"/>
+                                        <p:tgtEl>
+                                          <p:spTgt spid="6"/>
+                                        </p:tgtEl>
+                                      </p:cBhvr>
+                                    </p:animEffect>
+                                  </p:childTnLst>
+                                </p:cTn>
+                              </p:par>
+                            </p:childTnLst>
+                          </p:cTn>
+                        </p:par>
+                      </p:childTnLst>
+                    </p:cTn>
+                  </p:par>
+                </p:childTnLst>
+              </p:cTn>
+              <p:prevCondLst>
+                <p:cond evt="onPrev" delay="0">
+                  <p:tgtEl>
+                    <p:sldTgt/>
+                  </p:tgtEl>
+                </p:cond>
+              </p:prevCondLst>
+              <p:nextCondLst>
+                <p:cond evt="onNext" delay="0">
+                  <p:tgtEl>
+                    <p:sldTgt/>
+                  </p:tgtEl>
+                </p:cond>
+              </p:nextCondLst>
+            </p:seq>
+          </p:childTnLst>
+        </p:cTn>
+      </p:par>
+    </p:tnLst>
+    <p:bldLst>
+      <p:bldP spid="8" grpId="0"/>
+      <p:bldP spid="3" grpId="0" animBg="1"/>
+      <p:bldP spid="10" grpId="0"/>
+      <p:bldP spid="4" grpId="0" animBg="1"/>
+      <p:bldP spid="6" grpId="0" animBg="1"/>
+    </p:bldLst>
+  </p:timing>
+</p:sld>
+</file>
+
+<file path=ppt/slides/slide24.xml><?xml version="1.0" encoding="utf-8"?>
+<p:sld xmlns:a="http://schemas.openxmlformats.org/drawingml/2006/main" xmlns:r="http://schemas.openxmlformats.org/officeDocument/2006/relationships" xmlns:p="http://schemas.openxmlformats.org/presentationml/2006/main">
+  <p:cSld>
+    <p:spTree>
+      <p:nvGrpSpPr>
+        <p:cNvPr id="1" name=""/>
+        <p:cNvGrpSpPr/>
+        <p:nvPr/>
+      </p:nvGrpSpPr>
+      <p:grpSpPr>
+        <a:xfrm>
+          <a:off x="0" y="0"/>
+          <a:ext cx="0" cy="0"/>
+          <a:chOff x="0" y="0"/>
+          <a:chExt cx="0" cy="0"/>
+        </a:xfrm>
+      </p:grpSpPr>
+      <p:sp>
+        <p:nvSpPr>
+          <p:cNvPr id="2" name="Text Placeholder 1"/>
+          <p:cNvSpPr>
+            <a:spLocks noGrp="1"/>
+          </p:cNvSpPr>
+          <p:nvPr>
+            <p:ph type="body" sz="quarter" idx="10"/>
+          </p:nvPr>
+        </p:nvSpPr>
+        <p:spPr/>
+        <p:txBody>
+          <a:bodyPr/>
+          <a:lstStyle/>
+          <a:p>
+            <a:r>
+              <a:rPr lang="en-US" altLang="ko-KR" dirty="0"/>
+              <a:t>Gradient Descent</a:t>
+            </a:r>
+            <a:endParaRPr lang="ko-KR" altLang="en-US" dirty="0"/>
+          </a:p>
+        </p:txBody>
+      </p:sp>
+      <p:sp>
+        <p:nvSpPr>
+          <p:cNvPr id="31" name="Retângulo 30">
+            <a:extLst>
+              <a:ext uri="{FF2B5EF4-FFF2-40B4-BE49-F238E27FC236}">
+                <a16:creationId xmlns:a16="http://schemas.microsoft.com/office/drawing/2014/main" id="{3678EF34-2C8D-4051-A47E-E3E56F08C083}"/>
+              </a:ext>
+            </a:extLst>
+          </p:cNvPr>
+          <p:cNvSpPr/>
+          <p:nvPr/>
+        </p:nvSpPr>
+        <p:spPr>
+          <a:xfrm>
+            <a:off x="709917" y="1108489"/>
+            <a:ext cx="1628680" cy="338554"/>
+          </a:xfrm>
+          <a:prstGeom prst="rect">
+            <a:avLst/>
+          </a:prstGeom>
+        </p:spPr>
+        <p:txBody>
+          <a:bodyPr wrap="square">
+            <a:spAutoFit/>
+          </a:bodyPr>
+          <a:lstStyle/>
+          <a:p>
+            <a:r>
+              <a:rPr lang="pt-BR" altLang="ko-KR" sz="1600" b="1" i="1" dirty="0" err="1"/>
+              <a:t>Repeat</a:t>
+            </a:r>
+            <a:r>
+              <a:rPr lang="pt-BR" altLang="ko-KR" sz="1600" b="1" i="1" dirty="0"/>
+              <a:t>   {</a:t>
+            </a:r>
+            <a:endParaRPr lang="en-US" altLang="ko-KR" sz="1600" b="1" i="1" dirty="0"/>
+          </a:p>
+        </p:txBody>
+      </p:sp>
+      <p:sp>
+        <p:nvSpPr>
+          <p:cNvPr id="34" name="Retângulo 33">
+            <a:extLst>
+              <a:ext uri="{FF2B5EF4-FFF2-40B4-BE49-F238E27FC236}">
+                <a16:creationId xmlns:a16="http://schemas.microsoft.com/office/drawing/2014/main" id="{F93C2481-FBA2-4125-AC60-727A8EDF6C58}"/>
+              </a:ext>
+            </a:extLst>
+          </p:cNvPr>
+          <p:cNvSpPr/>
+          <p:nvPr/>
+        </p:nvSpPr>
+        <p:spPr>
+          <a:xfrm>
+            <a:off x="1223629" y="3430122"/>
+            <a:ext cx="504056" cy="338554"/>
+          </a:xfrm>
+          <a:prstGeom prst="rect">
+            <a:avLst/>
+          </a:prstGeom>
+        </p:spPr>
+        <p:txBody>
+          <a:bodyPr wrap="square">
+            <a:spAutoFit/>
+          </a:bodyPr>
+          <a:lstStyle/>
+          <a:p>
+            <a:r>
+              <a:rPr lang="pt-BR" altLang="ko-KR" sz="1600" b="1" i="1" dirty="0"/>
+              <a:t>}</a:t>
+            </a:r>
+            <a:endParaRPr lang="en-US" altLang="ko-KR" sz="1600" b="1" i="1" dirty="0"/>
+          </a:p>
+        </p:txBody>
+      </p:sp>
+      <mc:AlternateContent xmlns:mc="http://schemas.openxmlformats.org/markup-compatibility/2006" xmlns:a14="http://schemas.microsoft.com/office/drawing/2010/main">
+        <mc:Choice Requires="a14">
+          <p:sp>
+            <p:nvSpPr>
+              <p:cNvPr id="42" name="CaixaDeTexto 41">
+                <a:extLst>
+                  <a:ext uri="{FF2B5EF4-FFF2-40B4-BE49-F238E27FC236}">
+                    <a16:creationId xmlns:a16="http://schemas.microsoft.com/office/drawing/2014/main" id="{2167D290-4032-4389-9AE6-ECE74C64EAF4}"/>
+                  </a:ext>
+                </a:extLst>
+              </p:cNvPr>
+              <p:cNvSpPr txBox="1"/>
+              <p:nvPr/>
+            </p:nvSpPr>
+            <p:spPr>
+              <a:xfrm>
+                <a:off x="1475657" y="2664627"/>
+                <a:ext cx="1296144" cy="299313"/>
+              </a:xfrm>
+              <a:prstGeom prst="rect">
+                <a:avLst/>
+              </a:prstGeom>
+              <a:noFill/>
+            </p:spPr>
+            <p:txBody>
+              <a:bodyPr wrap="square" lIns="0" tIns="0" rIns="0" bIns="0" rtlCol="0">
+                <a:spAutoFit/>
+              </a:bodyPr>
+              <a:lstStyle/>
+              <a:p>
+                <a:pPr/>
+                <a14:m>
+                  <m:oMathPara xmlns:m="http://schemas.openxmlformats.org/officeDocument/2006/math">
+                    <m:oMathParaPr>
+                      <m:jc m:val="left"/>
+                    </m:oMathParaPr>
+                    <m:oMath xmlns:m="http://schemas.openxmlformats.org/officeDocument/2006/math">
+                      <m:sSub>
+                        <m:sSubPr>
+                          <m:ctrlPr>
+                            <a:rPr lang="pt-BR" b="0" i="1" smtClean="0">
+                              <a:latin typeface="Cambria Math" panose="02040503050406030204" pitchFamily="18" charset="0"/>
+                            </a:rPr>
+                          </m:ctrlPr>
+                        </m:sSubPr>
+                        <m:e>
+                          <m:r>
+                            <a:rPr lang="pt-BR" b="0" i="1" smtClean="0">
+                              <a:latin typeface="Cambria Math" panose="02040503050406030204" pitchFamily="18" charset="0"/>
+                            </a:rPr>
+                            <m:t>𝜃</m:t>
+                          </m:r>
+                        </m:e>
+                        <m:sub>
+                          <m:r>
+                            <a:rPr lang="pt-BR" b="0" i="1" smtClean="0">
+                              <a:latin typeface="Cambria Math" panose="02040503050406030204" pitchFamily="18" charset="0"/>
+                            </a:rPr>
+                            <m:t>𝑗</m:t>
+                          </m:r>
+                        </m:sub>
+                      </m:sSub>
+                      <m:r>
+                        <a:rPr lang="pt-BR" b="0" i="1" smtClean="0">
+                          <a:latin typeface="Cambria Math" panose="02040503050406030204" pitchFamily="18" charset="0"/>
+                        </a:rPr>
+                        <m:t>≔</m:t>
+                      </m:r>
+                      <m:sSub>
+                        <m:sSubPr>
+                          <m:ctrlPr>
+                            <a:rPr lang="pt-BR" b="0" i="1" smtClean="0">
+                              <a:latin typeface="Cambria Math" panose="02040503050406030204" pitchFamily="18" charset="0"/>
+                            </a:rPr>
+                          </m:ctrlPr>
+                        </m:sSubPr>
+                        <m:e>
+                          <m:r>
+                            <a:rPr lang="pt-BR" b="0" i="1" smtClean="0">
+                              <a:latin typeface="Cambria Math" panose="02040503050406030204" pitchFamily="18" charset="0"/>
+                            </a:rPr>
+                            <m:t>𝜃</m:t>
+                          </m:r>
+                        </m:e>
+                        <m:sub>
+                          <m:r>
+                            <a:rPr lang="pt-BR" b="0" i="1" smtClean="0">
+                              <a:latin typeface="Cambria Math" panose="02040503050406030204" pitchFamily="18" charset="0"/>
+                            </a:rPr>
+                            <m:t>𝑗</m:t>
+                          </m:r>
+                        </m:sub>
+                      </m:sSub>
+                      <m:r>
+                        <a:rPr lang="pt-BR" b="0" i="1" smtClean="0">
+                          <a:latin typeface="Cambria Math" panose="02040503050406030204" pitchFamily="18" charset="0"/>
+                        </a:rPr>
+                        <m:t>−</m:t>
+                      </m:r>
+                      <m:r>
+                        <a:rPr lang="pt-BR" b="0" i="1" smtClean="0">
+                          <a:latin typeface="Cambria Math" panose="02040503050406030204" pitchFamily="18" charset="0"/>
+                        </a:rPr>
+                        <m:t>𝛼</m:t>
+                      </m:r>
+                    </m:oMath>
+                  </m:oMathPara>
+                </a14:m>
+                <a:endParaRPr lang="pt-BR" dirty="0"/>
+              </a:p>
+            </p:txBody>
+          </p:sp>
+        </mc:Choice>
+        <mc:Fallback xmlns="">
+          <p:sp>
+            <p:nvSpPr>
+              <p:cNvPr id="42" name="CaixaDeTexto 41">
+                <a:extLst>
+                  <a:ext uri="{FF2B5EF4-FFF2-40B4-BE49-F238E27FC236}">
+                    <a16:creationId xmlns:a16="http://schemas.microsoft.com/office/drawing/2014/main" id="{2167D290-4032-4389-9AE6-ECE74C64EAF4}"/>
+                  </a:ext>
+                </a:extLst>
+              </p:cNvPr>
+              <p:cNvSpPr txBox="1">
+                <a:spLocks noRot="1" noChangeAspect="1" noMove="1" noResize="1" noEditPoints="1" noAdjustHandles="1" noChangeArrowheads="1" noChangeShapeType="1" noTextEdit="1"/>
+              </p:cNvSpPr>
+              <p:nvPr/>
+            </p:nvSpPr>
+            <p:spPr>
+              <a:xfrm>
+                <a:off x="1475657" y="2664627"/>
+                <a:ext cx="1296144" cy="299313"/>
+              </a:xfrm>
+              <a:prstGeom prst="rect">
+                <a:avLst/>
+              </a:prstGeom>
+              <a:blipFill>
+                <a:blip r:embed="rId2"/>
+                <a:stretch>
+                  <a:fillRect l="-6103" b="-26531"/>
+                </a:stretch>
+              </a:blipFill>
+            </p:spPr>
+            <p:txBody>
+              <a:bodyPr/>
+              <a:lstStyle/>
+              <a:p>
+                <a:r>
+                  <a:rPr lang="pt-BR">
+                    <a:noFill/>
+                  </a:rPr>
+                  <a:t> </a:t>
+                </a:r>
+              </a:p>
+            </p:txBody>
+          </p:sp>
+        </mc:Fallback>
+      </mc:AlternateContent>
+      <mc:AlternateContent xmlns:mc="http://schemas.openxmlformats.org/markup-compatibility/2006" xmlns:a14="http://schemas.microsoft.com/office/drawing/2010/main">
+        <mc:Choice Requires="a14">
+          <p:sp>
+            <p:nvSpPr>
+              <p:cNvPr id="14" name="CaixaDeTexto 13">
+                <a:extLst>
+                  <a:ext uri="{FF2B5EF4-FFF2-40B4-BE49-F238E27FC236}">
+                    <a16:creationId xmlns:a16="http://schemas.microsoft.com/office/drawing/2014/main" id="{59C3DE02-C5FD-4D61-82D5-F376712F60DE}"/>
+                  </a:ext>
+                </a:extLst>
+              </p:cNvPr>
+              <p:cNvSpPr txBox="1"/>
+              <p:nvPr/>
+            </p:nvSpPr>
+            <p:spPr>
+              <a:xfrm>
+                <a:off x="2987824" y="2436166"/>
+                <a:ext cx="2700208" cy="756233"/>
+              </a:xfrm>
+              <a:prstGeom prst="rect">
+                <a:avLst/>
+              </a:prstGeom>
+              <a:noFill/>
+            </p:spPr>
+            <p:txBody>
+              <a:bodyPr wrap="square" lIns="0" tIns="0" rIns="0" bIns="0" rtlCol="0">
+                <a:spAutoFit/>
+              </a:bodyPr>
+              <a:lstStyle/>
+              <a:p>
+                <a:pPr/>
+                <a14:m>
+                  <m:oMathPara xmlns:m="http://schemas.openxmlformats.org/officeDocument/2006/math">
+                    <m:oMathParaPr>
+                      <m:jc m:val="left"/>
+                    </m:oMathParaPr>
+                    <m:oMath xmlns:m="http://schemas.openxmlformats.org/officeDocument/2006/math">
+                      <m:f>
+                        <m:fPr>
+                          <m:ctrlPr>
+                            <a:rPr lang="pt-BR" b="0" i="1" smtClean="0">
+                              <a:latin typeface="Cambria Math" panose="02040503050406030204" pitchFamily="18" charset="0"/>
+                            </a:rPr>
+                          </m:ctrlPr>
+                        </m:fPr>
+                        <m:num>
+                          <m:r>
+                            <a:rPr lang="pt-BR" b="0" i="1" smtClean="0">
+                              <a:latin typeface="Cambria Math" panose="02040503050406030204" pitchFamily="18" charset="0"/>
+                            </a:rPr>
+                            <m:t>1</m:t>
+                          </m:r>
+                        </m:num>
+                        <m:den>
+                          <m:r>
+                            <a:rPr lang="pt-BR" b="0" i="1" smtClean="0">
+                              <a:latin typeface="Cambria Math" panose="02040503050406030204" pitchFamily="18" charset="0"/>
+                            </a:rPr>
+                            <m:t>𝑚</m:t>
+                          </m:r>
+                        </m:den>
+                      </m:f>
+                      <m:nary>
+                        <m:naryPr>
+                          <m:chr m:val="∑"/>
+                          <m:ctrlPr>
+                            <a:rPr lang="pt-BR" b="0" i="1" smtClean="0">
+                              <a:latin typeface="Cambria Math" panose="02040503050406030204" pitchFamily="18" charset="0"/>
+                            </a:rPr>
+                          </m:ctrlPr>
+                        </m:naryPr>
+                        <m:sub>
+                          <m:r>
+                            <m:rPr>
+                              <m:brk m:alnAt="23"/>
+                            </m:rPr>
+                            <a:rPr lang="pt-BR" b="0" i="1" smtClean="0">
+                              <a:latin typeface="Cambria Math" panose="02040503050406030204" pitchFamily="18" charset="0"/>
+                            </a:rPr>
+                            <m:t>𝑖</m:t>
+                          </m:r>
+                          <m:r>
+                            <a:rPr lang="pt-BR" b="0" i="1" smtClean="0">
+                              <a:latin typeface="Cambria Math" panose="02040503050406030204" pitchFamily="18" charset="0"/>
+                            </a:rPr>
+                            <m:t>=1</m:t>
+                          </m:r>
+                        </m:sub>
+                        <m:sup>
+                          <m:r>
+                            <a:rPr lang="pt-BR" b="0" i="1" smtClean="0">
+                              <a:latin typeface="Cambria Math" panose="02040503050406030204" pitchFamily="18" charset="0"/>
+                            </a:rPr>
+                            <m:t>𝑚</m:t>
+                          </m:r>
+                        </m:sup>
+                        <m:e>
+                          <m:r>
+                            <a:rPr lang="pt-BR" b="0" i="1" smtClean="0">
+                              <a:latin typeface="Cambria Math" panose="02040503050406030204" pitchFamily="18" charset="0"/>
+                            </a:rPr>
+                            <m:t>(</m:t>
+                          </m:r>
+                          <m:sSub>
+                            <m:sSubPr>
+                              <m:ctrlPr>
+                                <a:rPr lang="pt-BR" b="0" i="1" smtClean="0">
+                                  <a:latin typeface="Cambria Math" panose="02040503050406030204" pitchFamily="18" charset="0"/>
+                                </a:rPr>
+                              </m:ctrlPr>
+                            </m:sSubPr>
+                            <m:e>
+                              <m:r>
+                                <a:rPr lang="pt-BR" b="0" i="1" smtClean="0">
+                                  <a:latin typeface="Cambria Math" panose="02040503050406030204" pitchFamily="18" charset="0"/>
+                                </a:rPr>
+                                <m:t>h</m:t>
+                              </m:r>
+                            </m:e>
+                            <m:sub>
+                              <m:r>
+                                <a:rPr lang="pt-BR" b="0" i="1" smtClean="0">
+                                  <a:latin typeface="Cambria Math" panose="02040503050406030204" pitchFamily="18" charset="0"/>
+                                </a:rPr>
+                                <m:t>𝜃</m:t>
+                              </m:r>
+                            </m:sub>
+                          </m:sSub>
+                        </m:e>
+                      </m:nary>
+                      <m:d>
+                        <m:dPr>
+                          <m:ctrlPr>
+                            <a:rPr lang="pt-BR" b="0" i="1" smtClean="0">
+                              <a:latin typeface="Cambria Math" panose="02040503050406030204" pitchFamily="18" charset="0"/>
+                            </a:rPr>
+                          </m:ctrlPr>
+                        </m:dPr>
+                        <m:e>
+                          <m:sSup>
+                            <m:sSupPr>
+                              <m:ctrlPr>
+                                <a:rPr lang="pt-BR" b="0" i="1" smtClean="0">
+                                  <a:latin typeface="Cambria Math" panose="02040503050406030204" pitchFamily="18" charset="0"/>
+                                </a:rPr>
+                              </m:ctrlPr>
+                            </m:sSupPr>
+                            <m:e>
+                              <m:r>
+                                <a:rPr lang="pt-BR" b="0" i="1" smtClean="0">
+                                  <a:latin typeface="Cambria Math" panose="02040503050406030204" pitchFamily="18" charset="0"/>
+                                </a:rPr>
+                                <m:t>𝑥</m:t>
+                              </m:r>
+                            </m:e>
+                            <m:sup>
+                              <m:d>
+                                <m:dPr>
+                                  <m:ctrlPr>
+                                    <a:rPr lang="pt-BR" b="0" i="1" smtClean="0">
+                                      <a:latin typeface="Cambria Math" panose="02040503050406030204" pitchFamily="18" charset="0"/>
+                                    </a:rPr>
+                                  </m:ctrlPr>
+                                </m:dPr>
+                                <m:e>
+                                  <m:r>
+                                    <a:rPr lang="pt-BR" b="0" i="1" smtClean="0">
+                                      <a:latin typeface="Cambria Math" panose="02040503050406030204" pitchFamily="18" charset="0"/>
+                                    </a:rPr>
+                                    <m:t>𝑖</m:t>
+                                  </m:r>
+                                </m:e>
+                              </m:d>
+                            </m:sup>
+                          </m:sSup>
+                        </m:e>
+                      </m:d>
+                      <m:r>
+                        <a:rPr lang="pt-BR" b="0" i="1" smtClean="0">
+                          <a:latin typeface="Cambria Math" panose="02040503050406030204" pitchFamily="18" charset="0"/>
+                        </a:rPr>
+                        <m:t>−</m:t>
+                      </m:r>
+                      <m:sSup>
+                        <m:sSupPr>
+                          <m:ctrlPr>
+                            <a:rPr lang="pt-BR" b="0" i="1" smtClean="0">
+                              <a:latin typeface="Cambria Math" panose="02040503050406030204" pitchFamily="18" charset="0"/>
+                            </a:rPr>
+                          </m:ctrlPr>
+                        </m:sSupPr>
+                        <m:e>
+                          <m:r>
+                            <a:rPr lang="pt-BR" b="0" i="1" smtClean="0">
+                              <a:latin typeface="Cambria Math" panose="02040503050406030204" pitchFamily="18" charset="0"/>
+                            </a:rPr>
+                            <m:t>𝑦</m:t>
+                          </m:r>
+                        </m:e>
+                        <m:sup>
+                          <m:d>
+                            <m:dPr>
+                              <m:ctrlPr>
+                                <a:rPr lang="pt-BR" b="0" i="1" smtClean="0">
+                                  <a:latin typeface="Cambria Math" panose="02040503050406030204" pitchFamily="18" charset="0"/>
+                                </a:rPr>
+                              </m:ctrlPr>
+                            </m:dPr>
+                            <m:e>
+                              <m:r>
+                                <a:rPr lang="pt-BR" b="0" i="1" smtClean="0">
+                                  <a:latin typeface="Cambria Math" panose="02040503050406030204" pitchFamily="18" charset="0"/>
+                                </a:rPr>
+                                <m:t>𝑖</m:t>
+                              </m:r>
+                            </m:e>
+                          </m:d>
+                        </m:sup>
+                      </m:sSup>
+                      <m:sSubSup>
+                        <m:sSubSupPr>
+                          <m:ctrlPr>
+                            <a:rPr lang="pt-BR" b="0" i="1" smtClean="0">
+                              <a:latin typeface="Cambria Math" panose="02040503050406030204" pitchFamily="18" charset="0"/>
+                            </a:rPr>
+                          </m:ctrlPr>
+                        </m:sSubSupPr>
+                        <m:e>
+                          <m:r>
+                            <a:rPr lang="pt-BR" b="0" i="1" smtClean="0">
+                              <a:latin typeface="Cambria Math" panose="02040503050406030204" pitchFamily="18" charset="0"/>
+                            </a:rPr>
+                            <m:t>)</m:t>
+                          </m:r>
+                          <m:r>
+                            <a:rPr lang="pt-BR" b="0" i="1" smtClean="0">
+                              <a:latin typeface="Cambria Math" panose="02040503050406030204" pitchFamily="18" charset="0"/>
+                            </a:rPr>
+                            <m:t>𝑥</m:t>
+                          </m:r>
+                        </m:e>
+                        <m:sub>
+                          <m:r>
+                            <a:rPr lang="pt-BR" b="0" i="1" smtClean="0">
+                              <a:latin typeface="Cambria Math" panose="02040503050406030204" pitchFamily="18" charset="0"/>
+                            </a:rPr>
+                            <m:t>𝑗</m:t>
+                          </m:r>
+                        </m:sub>
+                        <m:sup>
+                          <m:r>
+                            <a:rPr lang="pt-BR" b="0" i="1" smtClean="0">
+                              <a:latin typeface="Cambria Math" panose="02040503050406030204" pitchFamily="18" charset="0"/>
+                            </a:rPr>
+                            <m:t>(</m:t>
+                          </m:r>
+                          <m:r>
+                            <a:rPr lang="pt-BR" b="0" i="1" smtClean="0">
+                              <a:latin typeface="Cambria Math" panose="02040503050406030204" pitchFamily="18" charset="0"/>
+                            </a:rPr>
+                            <m:t>𝑖</m:t>
+                          </m:r>
+                          <m:r>
+                            <a:rPr lang="pt-BR" b="0" i="1" smtClean="0">
+                              <a:latin typeface="Cambria Math" panose="02040503050406030204" pitchFamily="18" charset="0"/>
+                            </a:rPr>
+                            <m:t>)</m:t>
+                          </m:r>
+                        </m:sup>
+                      </m:sSubSup>
+                      <m:r>
+                        <a:rPr lang="pt-BR" b="0" i="1" smtClean="0">
+                          <a:latin typeface="Cambria Math" panose="02040503050406030204" pitchFamily="18" charset="0"/>
+                        </a:rPr>
+                        <m:t> </m:t>
+                      </m:r>
+                    </m:oMath>
+                  </m:oMathPara>
+                </a14:m>
+                <a:endParaRPr lang="pt-BR" dirty="0"/>
+              </a:p>
+            </p:txBody>
+          </p:sp>
+        </mc:Choice>
+        <mc:Fallback xmlns="">
+          <p:sp>
+            <p:nvSpPr>
+              <p:cNvPr id="14" name="CaixaDeTexto 13">
+                <a:extLst>
+                  <a:ext uri="{FF2B5EF4-FFF2-40B4-BE49-F238E27FC236}">
+                    <a16:creationId xmlns:a16="http://schemas.microsoft.com/office/drawing/2014/main" id="{59C3DE02-C5FD-4D61-82D5-F376712F60DE}"/>
+                  </a:ext>
+                </a:extLst>
+              </p:cNvPr>
+              <p:cNvSpPr txBox="1">
+                <a:spLocks noRot="1" noChangeAspect="1" noMove="1" noResize="1" noEditPoints="1" noAdjustHandles="1" noChangeArrowheads="1" noChangeShapeType="1" noTextEdit="1"/>
+              </p:cNvSpPr>
+              <p:nvPr/>
+            </p:nvSpPr>
+            <p:spPr>
+              <a:xfrm>
+                <a:off x="2987824" y="2436166"/>
+                <a:ext cx="2700208" cy="756233"/>
+              </a:xfrm>
+              <a:prstGeom prst="rect">
+                <a:avLst/>
+              </a:prstGeom>
+              <a:blipFill>
+                <a:blip r:embed="rId3"/>
+                <a:stretch>
+                  <a:fillRect/>
+                </a:stretch>
+              </a:blipFill>
+            </p:spPr>
+            <p:txBody>
+              <a:bodyPr/>
+              <a:lstStyle/>
+              <a:p>
+                <a:r>
+                  <a:rPr lang="pt-BR">
+                    <a:noFill/>
+                  </a:rPr>
+                  <a:t> </a:t>
+                </a:r>
+              </a:p>
+            </p:txBody>
+          </p:sp>
+        </mc:Fallback>
+      </mc:AlternateContent>
+      <mc:AlternateContent xmlns:mc="http://schemas.openxmlformats.org/markup-compatibility/2006" xmlns:a14="http://schemas.microsoft.com/office/drawing/2010/main">
+        <mc:Choice Requires="a14">
+          <p:sp>
+            <p:nvSpPr>
+              <p:cNvPr id="16" name="CaixaDeTexto 15">
+                <a:extLst>
+                  <a:ext uri="{FF2B5EF4-FFF2-40B4-BE49-F238E27FC236}">
+                    <a16:creationId xmlns:a16="http://schemas.microsoft.com/office/drawing/2014/main" id="{0FEE20DB-0C7D-4EF3-9F19-B30E61C0808F}"/>
+                  </a:ext>
+                </a:extLst>
+              </p:cNvPr>
+              <p:cNvSpPr txBox="1"/>
+              <p:nvPr/>
+            </p:nvSpPr>
+            <p:spPr>
+              <a:xfrm>
+                <a:off x="1527981" y="1483181"/>
+                <a:ext cx="4464495" cy="756233"/>
+              </a:xfrm>
+              <a:prstGeom prst="rect">
+                <a:avLst/>
+              </a:prstGeom>
+              <a:noFill/>
+            </p:spPr>
+            <p:txBody>
+              <a:bodyPr wrap="square" lIns="0" tIns="0" rIns="0" bIns="0" rtlCol="0">
+                <a:spAutoFit/>
+              </a:bodyPr>
+              <a:lstStyle/>
+              <a:p>
+                <a:pPr/>
+                <a14:m>
+                  <m:oMathPara xmlns:m="http://schemas.openxmlformats.org/officeDocument/2006/math">
+                    <m:oMathParaPr>
+                      <m:jc m:val="left"/>
+                    </m:oMathParaPr>
+                    <m:oMath xmlns:m="http://schemas.openxmlformats.org/officeDocument/2006/math">
+                      <m:sSub>
+                        <m:sSubPr>
+                          <m:ctrlPr>
+                            <a:rPr lang="pt-BR" b="0" i="1" smtClean="0">
+                              <a:latin typeface="Cambria Math" panose="02040503050406030204" pitchFamily="18" charset="0"/>
+                            </a:rPr>
+                          </m:ctrlPr>
+                        </m:sSubPr>
+                        <m:e>
+                          <m:r>
+                            <a:rPr lang="pt-BR" b="0" i="1" smtClean="0">
+                              <a:latin typeface="Cambria Math" panose="02040503050406030204" pitchFamily="18" charset="0"/>
+                            </a:rPr>
+                            <m:t>𝜃</m:t>
+                          </m:r>
+                        </m:e>
+                        <m:sub>
+                          <m:r>
+                            <a:rPr lang="pt-BR" b="0" i="1" smtClean="0">
+                              <a:latin typeface="Cambria Math" panose="02040503050406030204" pitchFamily="18" charset="0"/>
+                            </a:rPr>
+                            <m:t>0</m:t>
+                          </m:r>
+                        </m:sub>
+                      </m:sSub>
+                      <m:r>
+                        <a:rPr lang="pt-BR" b="0" i="1" smtClean="0">
+                          <a:latin typeface="Cambria Math" panose="02040503050406030204" pitchFamily="18" charset="0"/>
+                        </a:rPr>
+                        <m:t>≔</m:t>
+                      </m:r>
+                      <m:sSub>
+                        <m:sSubPr>
+                          <m:ctrlPr>
+                            <a:rPr lang="pt-BR" b="0" i="1" smtClean="0">
+                              <a:latin typeface="Cambria Math" panose="02040503050406030204" pitchFamily="18" charset="0"/>
+                            </a:rPr>
+                          </m:ctrlPr>
+                        </m:sSubPr>
+                        <m:e>
+                          <m:r>
+                            <a:rPr lang="pt-BR" b="0" i="1" smtClean="0">
+                              <a:latin typeface="Cambria Math" panose="02040503050406030204" pitchFamily="18" charset="0"/>
+                            </a:rPr>
+                            <m:t>𝜃</m:t>
+                          </m:r>
+                        </m:e>
+                        <m:sub>
+                          <m:r>
+                            <a:rPr lang="pt-BR" b="0" i="1" smtClean="0">
+                              <a:latin typeface="Cambria Math" panose="02040503050406030204" pitchFamily="18" charset="0"/>
+                            </a:rPr>
+                            <m:t>0</m:t>
+                          </m:r>
+                        </m:sub>
+                      </m:sSub>
+                      <m:r>
+                        <a:rPr lang="pt-BR" b="0" i="1" smtClean="0">
+                          <a:latin typeface="Cambria Math" panose="02040503050406030204" pitchFamily="18" charset="0"/>
+                        </a:rPr>
+                        <m:t>−</m:t>
+                      </m:r>
+                      <m:f>
+                        <m:fPr>
+                          <m:ctrlPr>
+                            <a:rPr lang="pt-BR" b="0" i="1" smtClean="0">
+                              <a:latin typeface="Cambria Math" panose="02040503050406030204" pitchFamily="18" charset="0"/>
+                            </a:rPr>
+                          </m:ctrlPr>
+                        </m:fPr>
+                        <m:num>
+                          <m:r>
+                            <a:rPr lang="pt-BR" b="0" i="1" smtClean="0">
+                              <a:latin typeface="Cambria Math" panose="02040503050406030204" pitchFamily="18" charset="0"/>
+                            </a:rPr>
+                            <m:t>𝑎</m:t>
+                          </m:r>
+                        </m:num>
+                        <m:den>
+                          <m:r>
+                            <a:rPr lang="pt-BR" b="0" i="1" smtClean="0">
+                              <a:latin typeface="Cambria Math" panose="02040503050406030204" pitchFamily="18" charset="0"/>
+                            </a:rPr>
+                            <m:t>𝑚</m:t>
+                          </m:r>
+                        </m:den>
+                      </m:f>
+                      <m:nary>
+                        <m:naryPr>
+                          <m:chr m:val="∑"/>
+                          <m:ctrlPr>
+                            <a:rPr lang="pt-BR" b="0" i="1" smtClean="0">
+                              <a:latin typeface="Cambria Math" panose="02040503050406030204" pitchFamily="18" charset="0"/>
+                            </a:rPr>
+                          </m:ctrlPr>
+                        </m:naryPr>
+                        <m:sub>
+                          <m:r>
+                            <m:rPr>
+                              <m:brk m:alnAt="23"/>
+                            </m:rPr>
+                            <a:rPr lang="pt-BR" b="0" i="1" smtClean="0">
+                              <a:latin typeface="Cambria Math" panose="02040503050406030204" pitchFamily="18" charset="0"/>
+                            </a:rPr>
+                            <m:t>𝑖</m:t>
+                          </m:r>
+                          <m:r>
+                            <a:rPr lang="pt-BR" b="0" i="1" smtClean="0">
+                              <a:latin typeface="Cambria Math" panose="02040503050406030204" pitchFamily="18" charset="0"/>
+                            </a:rPr>
+                            <m:t>=1</m:t>
+                          </m:r>
+                        </m:sub>
+                        <m:sup>
+                          <m:r>
+                            <a:rPr lang="pt-BR" b="0" i="1" smtClean="0">
+                              <a:latin typeface="Cambria Math" panose="02040503050406030204" pitchFamily="18" charset="0"/>
+                            </a:rPr>
+                            <m:t>𝑚</m:t>
+                          </m:r>
+                        </m:sup>
+                        <m:e>
+                          <m:r>
+                            <a:rPr lang="pt-BR" b="0" i="1" smtClean="0">
+                              <a:latin typeface="Cambria Math" panose="02040503050406030204" pitchFamily="18" charset="0"/>
+                            </a:rPr>
+                            <m:t>(</m:t>
+                          </m:r>
+                          <m:sSub>
+                            <m:sSubPr>
+                              <m:ctrlPr>
+                                <a:rPr lang="pt-BR" b="0" i="1" smtClean="0">
+                                  <a:latin typeface="Cambria Math" panose="02040503050406030204" pitchFamily="18" charset="0"/>
+                                </a:rPr>
+                              </m:ctrlPr>
+                            </m:sSubPr>
+                            <m:e>
+                              <m:r>
+                                <a:rPr lang="pt-BR" b="0" i="1" smtClean="0">
+                                  <a:latin typeface="Cambria Math" panose="02040503050406030204" pitchFamily="18" charset="0"/>
+                                </a:rPr>
+                                <m:t>h</m:t>
+                              </m:r>
+                            </m:e>
+                            <m:sub>
+                              <m:r>
+                                <a:rPr lang="pt-BR" b="0" i="1" smtClean="0">
+                                  <a:latin typeface="Cambria Math" panose="02040503050406030204" pitchFamily="18" charset="0"/>
+                                </a:rPr>
+                                <m:t>𝜃</m:t>
+                              </m:r>
+                            </m:sub>
+                          </m:sSub>
+                        </m:e>
+                      </m:nary>
+                      <m:d>
+                        <m:dPr>
+                          <m:ctrlPr>
+                            <a:rPr lang="pt-BR" b="0" i="1" smtClean="0">
+                              <a:latin typeface="Cambria Math" panose="02040503050406030204" pitchFamily="18" charset="0"/>
+                            </a:rPr>
+                          </m:ctrlPr>
+                        </m:dPr>
+                        <m:e>
+                          <m:sSup>
+                            <m:sSupPr>
+                              <m:ctrlPr>
+                                <a:rPr lang="pt-BR" b="0" i="1" smtClean="0">
+                                  <a:latin typeface="Cambria Math" panose="02040503050406030204" pitchFamily="18" charset="0"/>
+                                </a:rPr>
+                              </m:ctrlPr>
+                            </m:sSupPr>
+                            <m:e>
+                              <m:r>
+                                <a:rPr lang="pt-BR" b="0" i="1" smtClean="0">
+                                  <a:latin typeface="Cambria Math" panose="02040503050406030204" pitchFamily="18" charset="0"/>
+                                </a:rPr>
+                                <m:t>𝑥</m:t>
+                              </m:r>
+                            </m:e>
+                            <m:sup>
+                              <m:d>
+                                <m:dPr>
+                                  <m:ctrlPr>
+                                    <a:rPr lang="pt-BR" b="0" i="1" smtClean="0">
+                                      <a:latin typeface="Cambria Math" panose="02040503050406030204" pitchFamily="18" charset="0"/>
+                                    </a:rPr>
+                                  </m:ctrlPr>
+                                </m:dPr>
+                                <m:e>
+                                  <m:r>
+                                    <a:rPr lang="pt-BR" b="0" i="1" smtClean="0">
+                                      <a:latin typeface="Cambria Math" panose="02040503050406030204" pitchFamily="18" charset="0"/>
+                                    </a:rPr>
+                                    <m:t>𝑖</m:t>
+                                  </m:r>
+                                </m:e>
+                              </m:d>
+                            </m:sup>
+                          </m:sSup>
+                        </m:e>
+                      </m:d>
+                      <m:r>
+                        <a:rPr lang="pt-BR" b="0" i="1" smtClean="0">
+                          <a:latin typeface="Cambria Math" panose="02040503050406030204" pitchFamily="18" charset="0"/>
+                        </a:rPr>
+                        <m:t>−</m:t>
+                      </m:r>
+                      <m:sSup>
+                        <m:sSupPr>
+                          <m:ctrlPr>
+                            <a:rPr lang="pt-BR" b="0" i="1" smtClean="0">
+                              <a:latin typeface="Cambria Math" panose="02040503050406030204" pitchFamily="18" charset="0"/>
+                            </a:rPr>
+                          </m:ctrlPr>
+                        </m:sSupPr>
+                        <m:e>
+                          <m:r>
+                            <a:rPr lang="pt-BR" b="0" i="1" smtClean="0">
+                              <a:latin typeface="Cambria Math" panose="02040503050406030204" pitchFamily="18" charset="0"/>
+                            </a:rPr>
+                            <m:t>𝑦</m:t>
+                          </m:r>
+                        </m:e>
+                        <m:sup>
+                          <m:d>
+                            <m:dPr>
+                              <m:ctrlPr>
+                                <a:rPr lang="pt-BR" b="0" i="1" smtClean="0">
+                                  <a:latin typeface="Cambria Math" panose="02040503050406030204" pitchFamily="18" charset="0"/>
+                                </a:rPr>
+                              </m:ctrlPr>
+                            </m:dPr>
+                            <m:e>
+                              <m:r>
+                                <a:rPr lang="pt-BR" b="0" i="1" smtClean="0">
+                                  <a:latin typeface="Cambria Math" panose="02040503050406030204" pitchFamily="18" charset="0"/>
+                                </a:rPr>
+                                <m:t>𝑖</m:t>
+                              </m:r>
+                            </m:e>
+                          </m:d>
+                        </m:sup>
+                      </m:sSup>
+                      <m:sSubSup>
+                        <m:sSubSupPr>
+                          <m:ctrlPr>
+                            <a:rPr lang="pt-BR" b="0" i="1" smtClean="0">
+                              <a:latin typeface="Cambria Math" panose="02040503050406030204" pitchFamily="18" charset="0"/>
+                            </a:rPr>
+                          </m:ctrlPr>
+                        </m:sSubSupPr>
+                        <m:e>
+                          <m:r>
+                            <a:rPr lang="pt-BR" b="0" i="1" smtClean="0">
+                              <a:latin typeface="Cambria Math" panose="02040503050406030204" pitchFamily="18" charset="0"/>
+                            </a:rPr>
+                            <m:t>)</m:t>
+                          </m:r>
+                          <m:r>
+                            <a:rPr lang="pt-BR" b="0" i="1" smtClean="0">
+                              <a:latin typeface="Cambria Math" panose="02040503050406030204" pitchFamily="18" charset="0"/>
+                            </a:rPr>
+                            <m:t>𝑥</m:t>
+                          </m:r>
+                        </m:e>
+                        <m:sub>
+                          <m:r>
+                            <a:rPr lang="pt-BR" b="0" i="1" smtClean="0">
+                              <a:latin typeface="Cambria Math" panose="02040503050406030204" pitchFamily="18" charset="0"/>
+                            </a:rPr>
+                            <m:t>0</m:t>
+                          </m:r>
+                        </m:sub>
+                        <m:sup>
+                          <m:r>
+                            <a:rPr lang="pt-BR" b="0" i="1" smtClean="0">
+                              <a:latin typeface="Cambria Math" panose="02040503050406030204" pitchFamily="18" charset="0"/>
+                            </a:rPr>
+                            <m:t>(</m:t>
+                          </m:r>
+                          <m:r>
+                            <a:rPr lang="pt-BR" b="0" i="1" smtClean="0">
+                              <a:latin typeface="Cambria Math" panose="02040503050406030204" pitchFamily="18" charset="0"/>
+                            </a:rPr>
+                            <m:t>𝑖</m:t>
+                          </m:r>
+                          <m:r>
+                            <a:rPr lang="pt-BR" b="0" i="1" smtClean="0">
+                              <a:latin typeface="Cambria Math" panose="02040503050406030204" pitchFamily="18" charset="0"/>
+                            </a:rPr>
+                            <m:t>)</m:t>
+                          </m:r>
+                        </m:sup>
+                      </m:sSubSup>
+                      <m:r>
+                        <a:rPr lang="pt-BR" b="0" i="1" smtClean="0">
+                          <a:latin typeface="Cambria Math" panose="02040503050406030204" pitchFamily="18" charset="0"/>
+                        </a:rPr>
+                        <m:t> </m:t>
+                      </m:r>
+                    </m:oMath>
+                  </m:oMathPara>
+                </a14:m>
+                <a:endParaRPr lang="pt-BR" dirty="0"/>
+              </a:p>
+            </p:txBody>
+          </p:sp>
+        </mc:Choice>
+        <mc:Fallback xmlns="">
+          <p:sp>
+            <p:nvSpPr>
+              <p:cNvPr id="16" name="CaixaDeTexto 15">
+                <a:extLst>
+                  <a:ext uri="{FF2B5EF4-FFF2-40B4-BE49-F238E27FC236}">
+                    <a16:creationId xmlns:a16="http://schemas.microsoft.com/office/drawing/2014/main" id="{0FEE20DB-0C7D-4EF3-9F19-B30E61C0808F}"/>
+                  </a:ext>
+                </a:extLst>
+              </p:cNvPr>
+              <p:cNvSpPr txBox="1">
+                <a:spLocks noRot="1" noChangeAspect="1" noMove="1" noResize="1" noEditPoints="1" noAdjustHandles="1" noChangeArrowheads="1" noChangeShapeType="1" noTextEdit="1"/>
+              </p:cNvSpPr>
+              <p:nvPr/>
+            </p:nvSpPr>
+            <p:spPr>
+              <a:xfrm>
+                <a:off x="1527981" y="1483181"/>
+                <a:ext cx="4464495" cy="756233"/>
+              </a:xfrm>
+              <a:prstGeom prst="rect">
+                <a:avLst/>
+              </a:prstGeom>
+              <a:blipFill>
+                <a:blip r:embed="rId4"/>
+                <a:stretch>
+                  <a:fillRect/>
+                </a:stretch>
+              </a:blipFill>
+            </p:spPr>
+            <p:txBody>
+              <a:bodyPr/>
+              <a:lstStyle/>
+              <a:p>
+                <a:r>
+                  <a:rPr lang="pt-BR">
+                    <a:noFill/>
+                  </a:rPr>
+                  <a:t> </a:t>
+                </a:r>
+              </a:p>
+            </p:txBody>
+          </p:sp>
+        </mc:Fallback>
+      </mc:AlternateContent>
+      <mc:AlternateContent xmlns:mc="http://schemas.openxmlformats.org/markup-compatibility/2006">
+        <mc:Choice xmlns:a14="http://schemas.microsoft.com/office/drawing/2010/main" Requires="a14">
+          <p:sp>
+            <p:nvSpPr>
+              <p:cNvPr id="17" name="CaixaDeTexto 16">
+                <a:extLst>
+                  <a:ext uri="{FF2B5EF4-FFF2-40B4-BE49-F238E27FC236}">
+                    <a16:creationId xmlns:a16="http://schemas.microsoft.com/office/drawing/2014/main" id="{F80F4D00-B71F-4AF7-A429-C91B0635CBDC}"/>
+                  </a:ext>
+                </a:extLst>
+              </p:cNvPr>
+              <p:cNvSpPr txBox="1"/>
+              <p:nvPr/>
+            </p:nvSpPr>
+            <p:spPr>
+              <a:xfrm>
+                <a:off x="5580112" y="2571750"/>
+                <a:ext cx="1008112" cy="525978"/>
+              </a:xfrm>
+              <a:prstGeom prst="rect">
+                <a:avLst/>
+              </a:prstGeom>
+              <a:noFill/>
+            </p:spPr>
+            <p:txBody>
+              <a:bodyPr wrap="square" lIns="0" tIns="0" rIns="0" bIns="0" rtlCol="0">
+                <a:spAutoFit/>
+              </a:bodyPr>
+              <a:lstStyle/>
+              <a:p>
+                <a:pPr/>
+                <a14:m>
+                  <m:oMathPara xmlns:m="http://schemas.openxmlformats.org/officeDocument/2006/math">
+                    <m:oMathParaPr>
+                      <m:jc m:val="left"/>
+                    </m:oMathParaPr>
+                    <m:oMath xmlns:m="http://schemas.openxmlformats.org/officeDocument/2006/math">
+                      <m:r>
+                        <a:rPr lang="pt-BR" b="0" i="1" smtClean="0">
+                          <a:latin typeface="Cambria Math" panose="02040503050406030204" pitchFamily="18" charset="0"/>
+                        </a:rPr>
+                        <m:t>+</m:t>
+                      </m:r>
+                      <m:f>
+                        <m:fPr>
+                          <m:ctrlPr>
+                            <a:rPr lang="pt-BR" b="0" i="1" smtClean="0">
+                              <a:latin typeface="Cambria Math" panose="02040503050406030204" pitchFamily="18" charset="0"/>
+                            </a:rPr>
+                          </m:ctrlPr>
+                        </m:fPr>
+                        <m:num>
+                          <m:r>
+                            <a:rPr lang="pt-BR" b="0" i="1" smtClean="0">
+                              <a:latin typeface="Cambria Math" panose="02040503050406030204" pitchFamily="18" charset="0"/>
+                            </a:rPr>
+                            <m:t>𝜆</m:t>
+                          </m:r>
+                        </m:num>
+                        <m:den>
+                          <m:r>
+                            <a:rPr lang="pt-BR" b="0" i="1" smtClean="0">
+                              <a:latin typeface="Cambria Math" panose="02040503050406030204" pitchFamily="18" charset="0"/>
+                            </a:rPr>
+                            <m:t>𝑚</m:t>
+                          </m:r>
+                        </m:den>
+                      </m:f>
+                      <m:sSub>
+                        <m:sSubPr>
+                          <m:ctrlPr>
+                            <a:rPr lang="pt-BR" b="0" i="1" smtClean="0">
+                              <a:latin typeface="Cambria Math" panose="02040503050406030204" pitchFamily="18" charset="0"/>
+                            </a:rPr>
+                          </m:ctrlPr>
+                        </m:sSubPr>
+                        <m:e>
+                          <m:r>
+                            <a:rPr lang="pt-BR" b="0" i="1" smtClean="0">
+                              <a:latin typeface="Cambria Math" panose="02040503050406030204" pitchFamily="18" charset="0"/>
+                            </a:rPr>
+                            <m:t>𝜃</m:t>
+                          </m:r>
+                        </m:e>
+                        <m:sub>
+                          <m:r>
+                            <a:rPr lang="pt-BR" b="0" i="1" smtClean="0">
+                              <a:latin typeface="Cambria Math" panose="02040503050406030204" pitchFamily="18" charset="0"/>
+                            </a:rPr>
+                            <m:t>𝑗</m:t>
+                          </m:r>
+                        </m:sub>
+                      </m:sSub>
+                    </m:oMath>
+                  </m:oMathPara>
+                </a14:m>
+                <a:endParaRPr lang="pt-BR" dirty="0"/>
+              </a:p>
+            </p:txBody>
+          </p:sp>
+        </mc:Choice>
+        <mc:Fallback>
+          <p:sp>
+            <p:nvSpPr>
+              <p:cNvPr id="17" name="CaixaDeTexto 16">
+                <a:extLst>
+                  <a:ext uri="{FF2B5EF4-FFF2-40B4-BE49-F238E27FC236}">
+                    <a16:creationId xmlns:a16="http://schemas.microsoft.com/office/drawing/2014/main" id="{F80F4D00-B71F-4AF7-A429-C91B0635CBDC}"/>
+                  </a:ext>
+                </a:extLst>
+              </p:cNvPr>
+              <p:cNvSpPr txBox="1">
+                <a:spLocks noRot="1" noChangeAspect="1" noMove="1" noResize="1" noEditPoints="1" noAdjustHandles="1" noChangeArrowheads="1" noChangeShapeType="1" noTextEdit="1"/>
+              </p:cNvSpPr>
+              <p:nvPr/>
+            </p:nvSpPr>
+            <p:spPr>
+              <a:xfrm>
+                <a:off x="5580112" y="2571750"/>
+                <a:ext cx="1008112" cy="525978"/>
+              </a:xfrm>
+              <a:prstGeom prst="rect">
+                <a:avLst/>
+              </a:prstGeom>
+              <a:blipFill>
+                <a:blip r:embed="rId5"/>
+                <a:stretch>
+                  <a:fillRect/>
+                </a:stretch>
+              </a:blipFill>
+            </p:spPr>
+            <p:txBody>
+              <a:bodyPr/>
+              <a:lstStyle/>
+              <a:p>
+                <a:r>
+                  <a:rPr lang="pt-BR">
+                    <a:noFill/>
+                  </a:rPr>
+                  <a:t> </a:t>
+                </a:r>
+              </a:p>
+            </p:txBody>
+          </p:sp>
+        </mc:Fallback>
+      </mc:AlternateContent>
+      <mc:AlternateContent xmlns:mc="http://schemas.openxmlformats.org/markup-compatibility/2006" xmlns:a14="http://schemas.microsoft.com/office/drawing/2010/main">
+        <mc:Choice Requires="a14">
+          <p:sp>
+            <p:nvSpPr>
+              <p:cNvPr id="18" name="CaixaDeTexto 17">
+                <a:extLst>
+                  <a:ext uri="{FF2B5EF4-FFF2-40B4-BE49-F238E27FC236}">
+                    <a16:creationId xmlns:a16="http://schemas.microsoft.com/office/drawing/2014/main" id="{E4D1D099-905B-42AD-985D-08E9BC93AD46}"/>
+                  </a:ext>
+                </a:extLst>
+              </p:cNvPr>
+              <p:cNvSpPr txBox="1"/>
+              <p:nvPr/>
+            </p:nvSpPr>
+            <p:spPr>
+              <a:xfrm>
+                <a:off x="4067944" y="3455118"/>
+                <a:ext cx="1296144" cy="184666"/>
+              </a:xfrm>
+              <a:prstGeom prst="rect">
+                <a:avLst/>
+              </a:prstGeom>
+              <a:noFill/>
+            </p:spPr>
+            <p:txBody>
+              <a:bodyPr wrap="square" lIns="0" tIns="0" rIns="0" bIns="0" rtlCol="0">
+                <a:spAutoFit/>
+              </a:bodyPr>
+              <a:lstStyle/>
+              <a:p>
+                <a:pPr/>
+                <a14:m>
+                  <m:oMathPara xmlns:m="http://schemas.openxmlformats.org/officeDocument/2006/math">
+                    <m:oMathParaPr>
+                      <m:jc m:val="left"/>
+                    </m:oMathParaPr>
+                    <m:oMath xmlns:m="http://schemas.openxmlformats.org/officeDocument/2006/math">
+                      <m:r>
+                        <a:rPr lang="pt-BR" sz="1200" b="0" i="1" smtClean="0">
+                          <a:latin typeface="Cambria Math" panose="02040503050406030204" pitchFamily="18" charset="0"/>
+                        </a:rPr>
+                        <m:t>(</m:t>
+                      </m:r>
+                      <m:r>
+                        <a:rPr lang="pt-BR" sz="1200" b="0" i="1" smtClean="0">
+                          <a:latin typeface="Cambria Math" panose="02040503050406030204" pitchFamily="18" charset="0"/>
+                        </a:rPr>
+                        <m:t>𝑗</m:t>
+                      </m:r>
+                      <m:r>
+                        <a:rPr lang="pt-BR" sz="1200" b="0" i="1" smtClean="0">
+                          <a:latin typeface="Cambria Math" panose="02040503050406030204" pitchFamily="18" charset="0"/>
+                        </a:rPr>
+                        <m:t>=0, 1, 2, 3, …, </m:t>
+                      </m:r>
+                      <m:r>
+                        <a:rPr lang="pt-BR" sz="1200" b="0" i="1" smtClean="0">
+                          <a:latin typeface="Cambria Math" panose="02040503050406030204" pitchFamily="18" charset="0"/>
+                        </a:rPr>
+                        <m:t>𝑛</m:t>
+                      </m:r>
+                      <m:r>
+                        <a:rPr lang="pt-BR" sz="1200" b="0" i="1" smtClean="0">
+                          <a:latin typeface="Cambria Math" panose="02040503050406030204" pitchFamily="18" charset="0"/>
+                        </a:rPr>
+                        <m:t>)</m:t>
+                      </m:r>
+                    </m:oMath>
+                  </m:oMathPara>
+                </a14:m>
+                <a:endParaRPr lang="pt-BR" sz="1200" dirty="0"/>
+              </a:p>
+            </p:txBody>
+          </p:sp>
+        </mc:Choice>
+        <mc:Fallback xmlns="">
+          <p:sp>
+            <p:nvSpPr>
+              <p:cNvPr id="18" name="CaixaDeTexto 17">
+                <a:extLst>
+                  <a:ext uri="{FF2B5EF4-FFF2-40B4-BE49-F238E27FC236}">
+                    <a16:creationId xmlns:a16="http://schemas.microsoft.com/office/drawing/2014/main" id="{E4D1D099-905B-42AD-985D-08E9BC93AD46}"/>
+                  </a:ext>
+                </a:extLst>
+              </p:cNvPr>
+              <p:cNvSpPr txBox="1">
+                <a:spLocks noRot="1" noChangeAspect="1" noMove="1" noResize="1" noEditPoints="1" noAdjustHandles="1" noChangeArrowheads="1" noChangeShapeType="1" noTextEdit="1"/>
+              </p:cNvSpPr>
+              <p:nvPr/>
+            </p:nvSpPr>
+            <p:spPr>
+              <a:xfrm>
+                <a:off x="4067944" y="3455118"/>
+                <a:ext cx="1296144" cy="184666"/>
+              </a:xfrm>
+              <a:prstGeom prst="rect">
+                <a:avLst/>
+              </a:prstGeom>
+              <a:blipFill>
+                <a:blip r:embed="rId6"/>
+                <a:stretch>
+                  <a:fillRect l="-5634" t="-3333" r="-939" b="-40000"/>
+                </a:stretch>
+              </a:blipFill>
+            </p:spPr>
+            <p:txBody>
+              <a:bodyPr/>
+              <a:lstStyle/>
+              <a:p>
+                <a:r>
+                  <a:rPr lang="pt-BR">
+                    <a:noFill/>
+                  </a:rPr>
+                  <a:t> </a:t>
+                </a:r>
+              </a:p>
+            </p:txBody>
+          </p:sp>
+        </mc:Fallback>
+      </mc:AlternateContent>
+      <p:sp>
+        <p:nvSpPr>
+          <p:cNvPr id="3" name="Sinal de Multiplicação 2">
+            <a:extLst>
+              <a:ext uri="{FF2B5EF4-FFF2-40B4-BE49-F238E27FC236}">
+                <a16:creationId xmlns:a16="http://schemas.microsoft.com/office/drawing/2014/main" id="{71F880A2-00AF-4C56-857C-182B14AAD85E}"/>
+              </a:ext>
+            </a:extLst>
+          </p:cNvPr>
+          <p:cNvSpPr/>
+          <p:nvPr/>
+        </p:nvSpPr>
+        <p:spPr>
+          <a:xfrm>
+            <a:off x="4337928" y="3416091"/>
+            <a:ext cx="216024" cy="262719"/>
+          </a:xfrm>
+          <a:prstGeom prst="mathMultiply">
+            <a:avLst/>
+          </a:prstGeom>
+          <a:solidFill>
+            <a:srgbClr val="32AEB8"/>
+          </a:solidFill>
+          <a:ln>
+            <a:noFill/>
+          </a:ln>
+        </p:spPr>
+        <p:style>
+          <a:lnRef idx="2">
+            <a:schemeClr val="accent1">
+              <a:shade val="50000"/>
+            </a:schemeClr>
+          </a:lnRef>
+          <a:fillRef idx="1">
+            <a:schemeClr val="accent1"/>
+          </a:fillRef>
+          <a:effectRef idx="0">
+            <a:schemeClr val="accent1"/>
+          </a:effectRef>
+          <a:fontRef idx="minor">
+            <a:schemeClr val="lt1"/>
+          </a:fontRef>
+        </p:style>
+        <p:txBody>
+          <a:bodyPr rtlCol="0" anchor="ctr"/>
+          <a:lstStyle/>
+          <a:p>
+            <a:pPr algn="ctr"/>
+            <a:endParaRPr lang="pt-BR"/>
+          </a:p>
+        </p:txBody>
+      </p:sp>
+      <mc:AlternateContent xmlns:mc="http://schemas.openxmlformats.org/markup-compatibility/2006" xmlns:a14="http://schemas.microsoft.com/office/drawing/2010/main">
+        <mc:Choice Requires="a14">
+          <p:sp>
+            <p:nvSpPr>
+              <p:cNvPr id="20" name="CaixaDeTexto 19">
+                <a:extLst>
+                  <a:ext uri="{FF2B5EF4-FFF2-40B4-BE49-F238E27FC236}">
+                    <a16:creationId xmlns:a16="http://schemas.microsoft.com/office/drawing/2014/main" id="{EA2219A0-AF7D-4DDE-BDE0-56FCCAEA4045}"/>
+                  </a:ext>
+                </a:extLst>
+              </p:cNvPr>
+              <p:cNvSpPr txBox="1"/>
+              <p:nvPr/>
+            </p:nvSpPr>
+            <p:spPr>
+              <a:xfrm>
+                <a:off x="2768833" y="2469055"/>
+                <a:ext cx="437981" cy="553998"/>
+              </a:xfrm>
+              <a:prstGeom prst="rect">
+                <a:avLst/>
+              </a:prstGeom>
+              <a:noFill/>
+            </p:spPr>
+            <p:txBody>
+              <a:bodyPr wrap="square" lIns="0" tIns="0" rIns="0" bIns="0" rtlCol="0">
+                <a:spAutoFit/>
+              </a:bodyPr>
+              <a:lstStyle/>
+              <a:p>
+                <a:pPr/>
+                <a14:m>
+                  <m:oMathPara xmlns:m="http://schemas.openxmlformats.org/officeDocument/2006/math">
+                    <m:oMathParaPr>
+                      <m:jc m:val="left"/>
+                    </m:oMathParaPr>
+                    <m:oMath xmlns:m="http://schemas.openxmlformats.org/officeDocument/2006/math">
+                      <m:r>
+                        <a:rPr lang="pt-BR" sz="3600" b="0" i="1" smtClean="0">
+                          <a:latin typeface="Cambria Math" panose="02040503050406030204" pitchFamily="18" charset="0"/>
+                        </a:rPr>
+                        <m:t>[</m:t>
+                      </m:r>
+                    </m:oMath>
+                  </m:oMathPara>
+                </a14:m>
+                <a:endParaRPr lang="pt-BR" sz="3600" dirty="0"/>
+              </a:p>
+            </p:txBody>
+          </p:sp>
+        </mc:Choice>
+        <mc:Fallback xmlns="">
+          <p:sp>
+            <p:nvSpPr>
+              <p:cNvPr id="20" name="CaixaDeTexto 19">
+                <a:extLst>
+                  <a:ext uri="{FF2B5EF4-FFF2-40B4-BE49-F238E27FC236}">
+                    <a16:creationId xmlns:a16="http://schemas.microsoft.com/office/drawing/2014/main" id="{EA2219A0-AF7D-4DDE-BDE0-56FCCAEA4045}"/>
+                  </a:ext>
+                </a:extLst>
+              </p:cNvPr>
+              <p:cNvSpPr txBox="1">
+                <a:spLocks noRot="1" noChangeAspect="1" noMove="1" noResize="1" noEditPoints="1" noAdjustHandles="1" noChangeArrowheads="1" noChangeShapeType="1" noTextEdit="1"/>
+              </p:cNvSpPr>
+              <p:nvPr/>
+            </p:nvSpPr>
+            <p:spPr>
+              <a:xfrm>
+                <a:off x="2768833" y="2469055"/>
+                <a:ext cx="437981" cy="553998"/>
+              </a:xfrm>
+              <a:prstGeom prst="rect">
+                <a:avLst/>
+              </a:prstGeom>
+              <a:blipFill>
+                <a:blip r:embed="rId7"/>
+                <a:stretch>
+                  <a:fillRect/>
+                </a:stretch>
+              </a:blipFill>
+            </p:spPr>
+            <p:txBody>
+              <a:bodyPr/>
+              <a:lstStyle/>
+              <a:p>
+                <a:r>
+                  <a:rPr lang="pt-BR">
+                    <a:noFill/>
+                  </a:rPr>
+                  <a:t> </a:t>
+                </a:r>
+              </a:p>
+            </p:txBody>
+          </p:sp>
+        </mc:Fallback>
+      </mc:AlternateContent>
+      <mc:AlternateContent xmlns:mc="http://schemas.openxmlformats.org/markup-compatibility/2006" xmlns:a14="http://schemas.microsoft.com/office/drawing/2010/main">
+        <mc:Choice Requires="a14">
+          <p:sp>
+            <p:nvSpPr>
+              <p:cNvPr id="21" name="CaixaDeTexto 20">
+                <a:extLst>
+                  <a:ext uri="{FF2B5EF4-FFF2-40B4-BE49-F238E27FC236}">
+                    <a16:creationId xmlns:a16="http://schemas.microsoft.com/office/drawing/2014/main" id="{5C611036-B6E2-4E5B-B1E2-2386257C1AB4}"/>
+                  </a:ext>
+                </a:extLst>
+              </p:cNvPr>
+              <p:cNvSpPr txBox="1"/>
+              <p:nvPr/>
+            </p:nvSpPr>
+            <p:spPr>
+              <a:xfrm rot="10800000">
+                <a:off x="5904055" y="2571750"/>
+                <a:ext cx="437981" cy="553998"/>
+              </a:xfrm>
+              <a:prstGeom prst="rect">
+                <a:avLst/>
+              </a:prstGeom>
+              <a:noFill/>
+            </p:spPr>
+            <p:txBody>
+              <a:bodyPr wrap="square" lIns="0" tIns="0" rIns="0" bIns="0" rtlCol="0">
+                <a:spAutoFit/>
+              </a:bodyPr>
+              <a:lstStyle/>
+              <a:p>
+                <a:pPr/>
+                <a14:m>
+                  <m:oMathPara xmlns:m="http://schemas.openxmlformats.org/officeDocument/2006/math">
+                    <m:oMathParaPr>
+                      <m:jc m:val="left"/>
+                    </m:oMathParaPr>
+                    <m:oMath xmlns:m="http://schemas.openxmlformats.org/officeDocument/2006/math">
+                      <m:r>
+                        <a:rPr lang="pt-BR" sz="3600" b="0" i="1" smtClean="0">
+                          <a:latin typeface="Cambria Math" panose="02040503050406030204" pitchFamily="18" charset="0"/>
+                        </a:rPr>
+                        <m:t>[</m:t>
+                      </m:r>
+                    </m:oMath>
+                  </m:oMathPara>
+                </a14:m>
+                <a:endParaRPr lang="pt-BR" sz="3600" dirty="0"/>
+              </a:p>
+            </p:txBody>
+          </p:sp>
+        </mc:Choice>
+        <mc:Fallback xmlns="">
+          <p:sp>
+            <p:nvSpPr>
+              <p:cNvPr id="21" name="CaixaDeTexto 20">
+                <a:extLst>
+                  <a:ext uri="{FF2B5EF4-FFF2-40B4-BE49-F238E27FC236}">
+                    <a16:creationId xmlns:a16="http://schemas.microsoft.com/office/drawing/2014/main" id="{5C611036-B6E2-4E5B-B1E2-2386257C1AB4}"/>
+                  </a:ext>
+                </a:extLst>
+              </p:cNvPr>
+              <p:cNvSpPr txBox="1">
+                <a:spLocks noRot="1" noChangeAspect="1" noMove="1" noResize="1" noEditPoints="1" noAdjustHandles="1" noChangeArrowheads="1" noChangeShapeType="1" noTextEdit="1"/>
+              </p:cNvSpPr>
+              <p:nvPr/>
+            </p:nvSpPr>
+            <p:spPr>
+              <a:xfrm rot="10800000">
+                <a:off x="5904055" y="2571750"/>
+                <a:ext cx="437981" cy="553998"/>
+              </a:xfrm>
+              <a:prstGeom prst="rect">
+                <a:avLst/>
+              </a:prstGeom>
+              <a:blipFill>
+                <a:blip r:embed="rId8"/>
+                <a:stretch>
+                  <a:fillRect/>
+                </a:stretch>
+              </a:blipFill>
+            </p:spPr>
+            <p:txBody>
+              <a:bodyPr/>
+              <a:lstStyle/>
+              <a:p>
+                <a:r>
+                  <a:rPr lang="pt-BR">
+                    <a:noFill/>
+                  </a:rPr>
+                  <a:t> </a:t>
+                </a:r>
+              </a:p>
+            </p:txBody>
+          </p:sp>
+        </mc:Fallback>
+      </mc:AlternateContent>
+      <p:cxnSp>
+        <p:nvCxnSpPr>
+          <p:cNvPr id="5" name="Conector reto 4">
+            <a:extLst>
+              <a:ext uri="{FF2B5EF4-FFF2-40B4-BE49-F238E27FC236}">
+                <a16:creationId xmlns:a16="http://schemas.microsoft.com/office/drawing/2014/main" id="{87963463-01F0-44A7-9287-39F3D2D47D51}"/>
+              </a:ext>
+            </a:extLst>
+          </p:cNvPr>
+          <p:cNvCxnSpPr>
+            <a:cxnSpLocks/>
+          </p:cNvCxnSpPr>
+          <p:nvPr/>
+        </p:nvCxnSpPr>
+        <p:spPr>
+          <a:xfrm>
+            <a:off x="2768833" y="3291830"/>
+            <a:ext cx="3531359" cy="0"/>
+          </a:xfrm>
+          <a:prstGeom prst="line">
+            <a:avLst/>
+          </a:prstGeom>
+          <a:ln w="28575"/>
+        </p:spPr>
+        <p:style>
+          <a:lnRef idx="1">
+            <a:schemeClr val="accent1"/>
+          </a:lnRef>
+          <a:fillRef idx="0">
+            <a:schemeClr val="accent1"/>
+          </a:fillRef>
+          <a:effectRef idx="0">
+            <a:schemeClr val="accent1"/>
+          </a:effectRef>
+          <a:fontRef idx="minor">
+            <a:schemeClr val="tx1"/>
+          </a:fontRef>
+        </p:style>
+      </p:cxnSp>
+      <mc:AlternateContent xmlns:mc="http://schemas.openxmlformats.org/markup-compatibility/2006" xmlns:a14="http://schemas.microsoft.com/office/drawing/2010/main">
+        <mc:Choice Requires="a14">
+          <p:sp>
+            <p:nvSpPr>
+              <p:cNvPr id="28" name="CaixaDeTexto 27">
+                <a:extLst>
+                  <a:ext uri="{FF2B5EF4-FFF2-40B4-BE49-F238E27FC236}">
+                    <a16:creationId xmlns:a16="http://schemas.microsoft.com/office/drawing/2014/main" id="{37474DD1-5362-4B2D-A9BF-B596B0BE29AC}"/>
+                  </a:ext>
+                </a:extLst>
+              </p:cNvPr>
+              <p:cNvSpPr txBox="1"/>
+              <p:nvPr/>
+            </p:nvSpPr>
+            <p:spPr>
+              <a:xfrm>
+                <a:off x="6343093" y="1625768"/>
+                <a:ext cx="865251" cy="604846"/>
+              </a:xfrm>
+              <a:prstGeom prst="rect">
+                <a:avLst/>
+              </a:prstGeom>
+              <a:noFill/>
+            </p:spPr>
+            <p:txBody>
+              <a:bodyPr wrap="square" lIns="0" tIns="0" rIns="0" bIns="0" rtlCol="0">
+                <a:spAutoFit/>
+              </a:bodyPr>
+              <a:lstStyle/>
+              <a:p>
+                <a:pPr/>
+                <a14:m>
+                  <m:oMathPara xmlns:m="http://schemas.openxmlformats.org/officeDocument/2006/math">
+                    <m:oMathParaPr>
+                      <m:jc m:val="left"/>
+                    </m:oMathParaPr>
+                    <m:oMath xmlns:m="http://schemas.openxmlformats.org/officeDocument/2006/math">
+                      <m:f>
+                        <m:fPr>
+                          <m:ctrlPr>
+                            <a:rPr lang="pt-BR" b="0" i="1" smtClean="0">
+                              <a:latin typeface="Cambria Math" panose="02040503050406030204" pitchFamily="18" charset="0"/>
+                              <a:ea typeface="Cambria Math" panose="02040503050406030204" pitchFamily="18" charset="0"/>
+                            </a:rPr>
+                          </m:ctrlPr>
+                        </m:fPr>
+                        <m:num>
+                          <m:r>
+                            <a:rPr lang="pt-BR" b="0" i="1" smtClean="0">
+                              <a:latin typeface="Cambria Math" panose="02040503050406030204" pitchFamily="18" charset="0"/>
+                              <a:ea typeface="Cambria Math" panose="02040503050406030204" pitchFamily="18" charset="0"/>
+                            </a:rPr>
+                            <m:t>𝜕</m:t>
+                          </m:r>
+                        </m:num>
+                        <m:den>
+                          <m:r>
+                            <a:rPr lang="pt-BR" b="0" i="1" smtClean="0">
+                              <a:latin typeface="Cambria Math" panose="02040503050406030204" pitchFamily="18" charset="0"/>
+                              <a:ea typeface="Cambria Math" panose="02040503050406030204" pitchFamily="18" charset="0"/>
+                            </a:rPr>
+                            <m:t>𝜕</m:t>
+                          </m:r>
+                          <m:sSub>
+                            <m:sSubPr>
+                              <m:ctrlPr>
+                                <a:rPr lang="pt-BR" b="0" i="1" smtClean="0">
+                                  <a:latin typeface="Cambria Math" panose="02040503050406030204" pitchFamily="18" charset="0"/>
+                                  <a:ea typeface="Cambria Math" panose="02040503050406030204" pitchFamily="18" charset="0"/>
+                                </a:rPr>
+                              </m:ctrlPr>
+                            </m:sSubPr>
+                            <m:e>
+                              <m:r>
+                                <a:rPr lang="pt-BR" b="0" i="1" smtClean="0">
+                                  <a:latin typeface="Cambria Math" panose="02040503050406030204" pitchFamily="18" charset="0"/>
+                                  <a:ea typeface="Cambria Math" panose="02040503050406030204" pitchFamily="18" charset="0"/>
+                                </a:rPr>
+                                <m:t>𝜃</m:t>
+                              </m:r>
+                            </m:e>
+                            <m:sub>
+                              <m:r>
+                                <a:rPr lang="pt-BR" b="0" i="1" smtClean="0">
+                                  <a:latin typeface="Cambria Math" panose="02040503050406030204" pitchFamily="18" charset="0"/>
+                                  <a:ea typeface="Cambria Math" panose="02040503050406030204" pitchFamily="18" charset="0"/>
+                                </a:rPr>
+                                <m:t>𝑗</m:t>
+                              </m:r>
+                            </m:sub>
+                          </m:sSub>
+                        </m:den>
+                      </m:f>
+                      <m:r>
+                        <a:rPr lang="pt-BR" b="0" i="1" smtClean="0">
+                          <a:latin typeface="Cambria Math" panose="02040503050406030204" pitchFamily="18" charset="0"/>
+                          <a:ea typeface="Cambria Math" panose="02040503050406030204" pitchFamily="18" charset="0"/>
+                        </a:rPr>
+                        <m:t>𝐽</m:t>
+                      </m:r>
+                      <m:r>
+                        <a:rPr lang="pt-BR" b="0" i="1" smtClean="0">
+                          <a:latin typeface="Cambria Math" panose="02040503050406030204" pitchFamily="18" charset="0"/>
+                          <a:ea typeface="Cambria Math" panose="02040503050406030204" pitchFamily="18" charset="0"/>
+                        </a:rPr>
+                        <m:t>(</m:t>
+                      </m:r>
+                      <m:r>
+                        <a:rPr lang="pt-BR" b="0" i="1" smtClean="0">
+                          <a:latin typeface="Cambria Math" panose="02040503050406030204" pitchFamily="18" charset="0"/>
+                          <a:ea typeface="Cambria Math" panose="02040503050406030204" pitchFamily="18" charset="0"/>
+                        </a:rPr>
+                        <m:t>𝜃</m:t>
+                      </m:r>
+                      <m:r>
+                        <a:rPr lang="pt-BR" b="0" i="1" smtClean="0">
+                          <a:latin typeface="Cambria Math" panose="02040503050406030204" pitchFamily="18" charset="0"/>
+                          <a:ea typeface="Cambria Math" panose="02040503050406030204" pitchFamily="18" charset="0"/>
+                        </a:rPr>
+                        <m:t>)</m:t>
+                      </m:r>
+                    </m:oMath>
+                  </m:oMathPara>
+                </a14:m>
+                <a:endParaRPr lang="pt-BR" dirty="0"/>
+              </a:p>
+            </p:txBody>
+          </p:sp>
+        </mc:Choice>
+        <mc:Fallback xmlns="">
+          <p:sp>
+            <p:nvSpPr>
+              <p:cNvPr id="28" name="CaixaDeTexto 27">
+                <a:extLst>
+                  <a:ext uri="{FF2B5EF4-FFF2-40B4-BE49-F238E27FC236}">
+                    <a16:creationId xmlns:a16="http://schemas.microsoft.com/office/drawing/2014/main" id="{37474DD1-5362-4B2D-A9BF-B596B0BE29AC}"/>
+                  </a:ext>
+                </a:extLst>
+              </p:cNvPr>
+              <p:cNvSpPr txBox="1">
+                <a:spLocks noRot="1" noChangeAspect="1" noMove="1" noResize="1" noEditPoints="1" noAdjustHandles="1" noChangeArrowheads="1" noChangeShapeType="1" noTextEdit="1"/>
+              </p:cNvSpPr>
+              <p:nvPr/>
+            </p:nvSpPr>
+            <p:spPr>
+              <a:xfrm>
+                <a:off x="6343093" y="1625768"/>
+                <a:ext cx="865251" cy="604846"/>
+              </a:xfrm>
+              <a:prstGeom prst="rect">
+                <a:avLst/>
+              </a:prstGeom>
+              <a:blipFill>
+                <a:blip r:embed="rId9"/>
+                <a:stretch>
+                  <a:fillRect l="-709"/>
+                </a:stretch>
+              </a:blipFill>
+            </p:spPr>
+            <p:txBody>
+              <a:bodyPr/>
+              <a:lstStyle/>
+              <a:p>
+                <a:r>
+                  <a:rPr lang="pt-BR">
+                    <a:noFill/>
+                  </a:rPr>
+                  <a:t> </a:t>
+                </a:r>
+              </a:p>
+            </p:txBody>
+          </p:sp>
+        </mc:Fallback>
+      </mc:AlternateContent>
+      <p:sp>
+        <p:nvSpPr>
+          <p:cNvPr id="29" name="Retângulo 28">
+            <a:extLst>
+              <a:ext uri="{FF2B5EF4-FFF2-40B4-BE49-F238E27FC236}">
+                <a16:creationId xmlns:a16="http://schemas.microsoft.com/office/drawing/2014/main" id="{21D907F0-CA80-4AEA-BE40-8FD643D9D894}"/>
+              </a:ext>
+            </a:extLst>
+          </p:cNvPr>
+          <p:cNvSpPr/>
+          <p:nvPr/>
+        </p:nvSpPr>
+        <p:spPr>
+          <a:xfrm>
+            <a:off x="7164288" y="1587055"/>
+            <a:ext cx="1891607" cy="276999"/>
+          </a:xfrm>
+          <a:prstGeom prst="rect">
+            <a:avLst/>
+          </a:prstGeom>
+        </p:spPr>
+        <p:txBody>
+          <a:bodyPr wrap="square">
+            <a:spAutoFit/>
+          </a:bodyPr>
+          <a:lstStyle/>
+          <a:p>
+            <a:r>
+              <a:rPr lang="pt-BR" altLang="ko-KR" sz="1200" i="1" dirty="0" err="1"/>
+              <a:t>with</a:t>
+            </a:r>
+            <a:r>
+              <a:rPr lang="pt-BR" altLang="ko-KR" sz="1200" i="1" dirty="0"/>
+              <a:t> </a:t>
+            </a:r>
+            <a:r>
+              <a:rPr lang="pt-BR" altLang="ko-KR" sz="1200" i="1" dirty="0" err="1"/>
+              <a:t>regularization</a:t>
+            </a:r>
+            <a:r>
+              <a:rPr lang="pt-BR" altLang="ko-KR" sz="1200" i="1" dirty="0"/>
+              <a:t> </a:t>
+            </a:r>
+            <a:r>
+              <a:rPr lang="pt-BR" altLang="ko-KR" sz="1200" i="1" dirty="0" err="1"/>
+              <a:t>term</a:t>
+            </a:r>
+            <a:endParaRPr lang="en-US" altLang="ko-KR" sz="1200" i="1" dirty="0"/>
+          </a:p>
+        </p:txBody>
+      </p:sp>
+      <p:cxnSp>
+        <p:nvCxnSpPr>
+          <p:cNvPr id="11" name="Conector: Curvo 10">
+            <a:extLst>
+              <a:ext uri="{FF2B5EF4-FFF2-40B4-BE49-F238E27FC236}">
+                <a16:creationId xmlns:a16="http://schemas.microsoft.com/office/drawing/2014/main" id="{F4B22D96-927E-4EA8-B58D-E04554A39AEC}"/>
+              </a:ext>
+            </a:extLst>
+          </p:cNvPr>
+          <p:cNvCxnSpPr>
+            <a:cxnSpLocks/>
+          </p:cNvCxnSpPr>
+          <p:nvPr/>
+        </p:nvCxnSpPr>
+        <p:spPr>
+          <a:xfrm rot="5400000" flipH="1" flipV="1">
+            <a:off x="6072452" y="2155935"/>
+            <a:ext cx="1363639" cy="908152"/>
+          </a:xfrm>
+          <a:prstGeom prst="curvedConnector4">
+            <a:avLst>
+              <a:gd name="adj1" fmla="val 27368"/>
+              <a:gd name="adj2" fmla="val 135901"/>
+            </a:avLst>
+          </a:prstGeom>
+          <a:ln w="9525">
+            <a:prstDash val="sysDash"/>
+            <a:tailEnd type="triangle"/>
+          </a:ln>
+        </p:spPr>
+        <p:style>
+          <a:lnRef idx="1">
+            <a:schemeClr val="accent1"/>
+          </a:lnRef>
+          <a:fillRef idx="0">
+            <a:schemeClr val="accent1"/>
+          </a:fillRef>
+          <a:effectRef idx="0">
+            <a:schemeClr val="accent1"/>
+          </a:effectRef>
+          <a:fontRef idx="minor">
+            <a:schemeClr val="tx1"/>
+          </a:fontRef>
+        </p:style>
+      </p:cxnSp>
+      <p:sp>
+        <p:nvSpPr>
+          <p:cNvPr id="23" name="Retângulo 22">
+            <a:extLst>
+              <a:ext uri="{FF2B5EF4-FFF2-40B4-BE49-F238E27FC236}">
+                <a16:creationId xmlns:a16="http://schemas.microsoft.com/office/drawing/2014/main" id="{C043F93F-432D-4C5B-B815-F5DB1594CB8E}"/>
+              </a:ext>
+            </a:extLst>
+          </p:cNvPr>
+          <p:cNvSpPr/>
+          <p:nvPr/>
+        </p:nvSpPr>
+        <p:spPr>
+          <a:xfrm>
+            <a:off x="1868621" y="4132984"/>
+            <a:ext cx="6303779" cy="276999"/>
+          </a:xfrm>
+          <a:prstGeom prst="rect">
+            <a:avLst/>
+          </a:prstGeom>
+        </p:spPr>
+        <p:txBody>
+          <a:bodyPr wrap="square">
+            <a:spAutoFit/>
+          </a:bodyPr>
+          <a:lstStyle/>
+          <a:p>
+            <a:r>
+              <a:rPr lang="pt-BR" altLang="ko-KR" sz="1200" i="1" dirty="0"/>
+              <a:t>Idêntico ao problema de Regressão Linear. Entretanto, a função </a:t>
+            </a:r>
+            <a:r>
+              <a:rPr lang="pt-BR" altLang="ko-KR" sz="1200" i="1" dirty="0" err="1"/>
+              <a:t>hypothesis</a:t>
+            </a:r>
+            <a:r>
+              <a:rPr lang="pt-BR" altLang="ko-KR" sz="1200" i="1" dirty="0"/>
+              <a:t> é diferente!</a:t>
+            </a:r>
+            <a:endParaRPr lang="en-US" altLang="ko-KR" sz="1200" i="1" dirty="0"/>
+          </a:p>
+        </p:txBody>
+      </p:sp>
+    </p:spTree>
+    <p:extLst>
+      <p:ext uri="{BB962C8B-B14F-4D97-AF65-F5344CB8AC3E}">
+        <p14:creationId xmlns:p14="http://schemas.microsoft.com/office/powerpoint/2010/main" val="4244821288"/>
+      </p:ext>
+    </p:extLst>
+  </p:cSld>
+  <p:clrMapOvr>
+    <a:masterClrMapping/>
+  </p:clrMapOvr>
+  <p:timing>
+    <p:tnLst>
+      <p:par>
+        <p:cTn id="1" dur="indefinite" restart="never" nodeType="tmRoot">
+          <p:childTnLst>
+            <p:seq concurrent="1" nextAc="seek">
+              <p:cTn id="2" dur="indefinite" nodeType="mainSeq">
+                <p:childTnLst>
+                  <p:par>
+                    <p:cTn id="3" fill="hold">
+                      <p:stCondLst>
+                        <p:cond delay="indefinite"/>
+                      </p:stCondLst>
+                      <p:childTnLst>
+                        <p:par>
+                          <p:cTn id="4" fill="hold">
+                            <p:stCondLst>
+                              <p:cond delay="0"/>
+                            </p:stCondLst>
+                            <p:childTnLst>
+                              <p:par>
+                                <p:cTn id="5" presetID="42" presetClass="entr" presetSubtype="0" fill="hold" grpId="0" nodeType="clickEffect">
+                                  <p:stCondLst>
+                                    <p:cond delay="0"/>
+                                  </p:stCondLst>
+                                  <p:childTnLst>
+                                    <p:set>
+                                      <p:cBhvr>
+                                        <p:cTn id="6" dur="1" fill="hold">
+                                          <p:stCondLst>
+                                            <p:cond delay="0"/>
+                                          </p:stCondLst>
+                                        </p:cTn>
+                                        <p:tgtEl>
+                                          <p:spTgt spid="16"/>
+                                        </p:tgtEl>
+                                        <p:attrNameLst>
+                                          <p:attrName>style.visibility</p:attrName>
+                                        </p:attrNameLst>
+                                      </p:cBhvr>
+                                      <p:to>
+                                        <p:strVal val="visible"/>
+                                      </p:to>
+                                    </p:set>
+                                    <p:animEffect transition="in" filter="fade">
+                                      <p:cBhvr>
+                                        <p:cTn id="7" dur="1000"/>
+                                        <p:tgtEl>
+                                          <p:spTgt spid="16"/>
+                                        </p:tgtEl>
+                                      </p:cBhvr>
+                                    </p:animEffect>
+                                    <p:anim calcmode="lin" valueType="num">
+                                      <p:cBhvr>
+                                        <p:cTn id="8" dur="1000" fill="hold"/>
+                                        <p:tgtEl>
+                                          <p:spTgt spid="16"/>
+                                        </p:tgtEl>
+                                        <p:attrNameLst>
+                                          <p:attrName>ppt_x</p:attrName>
+                                        </p:attrNameLst>
+                                      </p:cBhvr>
+                                      <p:tavLst>
+                                        <p:tav tm="0">
+                                          <p:val>
+                                            <p:strVal val="#ppt_x"/>
+                                          </p:val>
+                                        </p:tav>
+                                        <p:tav tm="100000">
+                                          <p:val>
+                                            <p:strVal val="#ppt_x"/>
+                                          </p:val>
+                                        </p:tav>
+                                      </p:tavLst>
+                                    </p:anim>
+                                    <p:anim calcmode="lin" valueType="num">
+                                      <p:cBhvr>
+                                        <p:cTn id="9" dur="1000" fill="hold"/>
+                                        <p:tgtEl>
+                                          <p:spTgt spid="16"/>
+                                        </p:tgtEl>
+                                        <p:attrNameLst>
+                                          <p:attrName>ppt_y</p:attrName>
+                                        </p:attrNameLst>
+                                      </p:cBhvr>
+                                      <p:tavLst>
+                                        <p:tav tm="0">
+                                          <p:val>
+                                            <p:strVal val="#ppt_y+.1"/>
+                                          </p:val>
+                                        </p:tav>
+                                        <p:tav tm="100000">
+                                          <p:val>
+                                            <p:strVal val="#ppt_y"/>
+                                          </p:val>
+                                        </p:tav>
+                                      </p:tavLst>
+                                    </p:anim>
+                                  </p:childTnLst>
+                                </p:cTn>
+                              </p:par>
+                            </p:childTnLst>
+                          </p:cTn>
+                        </p:par>
+                        <p:par>
+                          <p:cTn id="10" fill="hold">
+                            <p:stCondLst>
+                              <p:cond delay="1000"/>
+                            </p:stCondLst>
+                            <p:childTnLst>
+                              <p:par>
+                                <p:cTn id="11" presetID="6" presetClass="entr" presetSubtype="16" fill="hold" grpId="0" nodeType="afterEffect">
+                                  <p:stCondLst>
+                                    <p:cond delay="0"/>
+                                  </p:stCondLst>
+                                  <p:childTnLst>
+                                    <p:set>
+                                      <p:cBhvr>
+                                        <p:cTn id="12" dur="1" fill="hold">
+                                          <p:stCondLst>
+                                            <p:cond delay="0"/>
+                                          </p:stCondLst>
+                                        </p:cTn>
+                                        <p:tgtEl>
+                                          <p:spTgt spid="3"/>
+                                        </p:tgtEl>
+                                        <p:attrNameLst>
+                                          <p:attrName>style.visibility</p:attrName>
+                                        </p:attrNameLst>
+                                      </p:cBhvr>
+                                      <p:to>
+                                        <p:strVal val="visible"/>
+                                      </p:to>
+                                    </p:set>
+                                    <p:animEffect transition="in" filter="circle(in)">
+                                      <p:cBhvr>
+                                        <p:cTn id="13" dur="2000"/>
+                                        <p:tgtEl>
+                                          <p:spTgt spid="3"/>
+                                        </p:tgtEl>
+                                      </p:cBhvr>
+                                    </p:animEffect>
+                                  </p:childTnLst>
+                                </p:cTn>
+                              </p:par>
+                            </p:childTnLst>
+                          </p:cTn>
+                        </p:par>
+                      </p:childTnLst>
+                    </p:cTn>
+                  </p:par>
+                  <p:par>
+                    <p:cTn id="14" fill="hold">
+                      <p:stCondLst>
+                        <p:cond delay="indefinite"/>
+                      </p:stCondLst>
+                      <p:childTnLst>
+                        <p:par>
+                          <p:cTn id="15" fill="hold">
+                            <p:stCondLst>
+                              <p:cond delay="0"/>
+                            </p:stCondLst>
+                            <p:childTnLst>
+                              <p:par>
+                                <p:cTn id="16" presetID="42" presetClass="entr" presetSubtype="0" fill="hold" grpId="0" nodeType="clickEffect">
+                                  <p:stCondLst>
+                                    <p:cond delay="0"/>
+                                  </p:stCondLst>
+                                  <p:childTnLst>
+                                    <p:set>
+                                      <p:cBhvr>
+                                        <p:cTn id="17" dur="1" fill="hold">
+                                          <p:stCondLst>
+                                            <p:cond delay="0"/>
+                                          </p:stCondLst>
+                                        </p:cTn>
+                                        <p:tgtEl>
+                                          <p:spTgt spid="17"/>
+                                        </p:tgtEl>
+                                        <p:attrNameLst>
+                                          <p:attrName>style.visibility</p:attrName>
+                                        </p:attrNameLst>
+                                      </p:cBhvr>
+                                      <p:to>
+                                        <p:strVal val="visible"/>
+                                      </p:to>
+                                    </p:set>
+                                    <p:animEffect transition="in" filter="fade">
+                                      <p:cBhvr>
+                                        <p:cTn id="18" dur="1000"/>
+                                        <p:tgtEl>
+                                          <p:spTgt spid="17"/>
+                                        </p:tgtEl>
+                                      </p:cBhvr>
+                                    </p:animEffect>
+                                    <p:anim calcmode="lin" valueType="num">
+                                      <p:cBhvr>
+                                        <p:cTn id="19" dur="1000" fill="hold"/>
+                                        <p:tgtEl>
+                                          <p:spTgt spid="17"/>
+                                        </p:tgtEl>
+                                        <p:attrNameLst>
+                                          <p:attrName>ppt_x</p:attrName>
+                                        </p:attrNameLst>
+                                      </p:cBhvr>
+                                      <p:tavLst>
+                                        <p:tav tm="0">
+                                          <p:val>
+                                            <p:strVal val="#ppt_x"/>
+                                          </p:val>
+                                        </p:tav>
+                                        <p:tav tm="100000">
+                                          <p:val>
+                                            <p:strVal val="#ppt_x"/>
+                                          </p:val>
+                                        </p:tav>
+                                      </p:tavLst>
+                                    </p:anim>
+                                    <p:anim calcmode="lin" valueType="num">
+                                      <p:cBhvr>
+                                        <p:cTn id="20" dur="1000" fill="hold"/>
+                                        <p:tgtEl>
+                                          <p:spTgt spid="17"/>
+                                        </p:tgtEl>
+                                        <p:attrNameLst>
+                                          <p:attrName>ppt_y</p:attrName>
+                                        </p:attrNameLst>
+                                      </p:cBhvr>
+                                      <p:tavLst>
+                                        <p:tav tm="0">
+                                          <p:val>
+                                            <p:strVal val="#ppt_y+.1"/>
+                                          </p:val>
+                                        </p:tav>
+                                        <p:tav tm="100000">
+                                          <p:val>
+                                            <p:strVal val="#ppt_y"/>
+                                          </p:val>
+                                        </p:tav>
+                                      </p:tavLst>
+                                    </p:anim>
+                                  </p:childTnLst>
+                                </p:cTn>
+                              </p:par>
+                              <p:par>
+                                <p:cTn id="21" presetID="42" presetClass="entr" presetSubtype="0" fill="hold" grpId="0" nodeType="withEffect">
+                                  <p:stCondLst>
+                                    <p:cond delay="0"/>
+                                  </p:stCondLst>
+                                  <p:childTnLst>
+                                    <p:set>
+                                      <p:cBhvr>
+                                        <p:cTn id="22" dur="1" fill="hold">
+                                          <p:stCondLst>
+                                            <p:cond delay="0"/>
+                                          </p:stCondLst>
+                                        </p:cTn>
+                                        <p:tgtEl>
+                                          <p:spTgt spid="21"/>
+                                        </p:tgtEl>
+                                        <p:attrNameLst>
+                                          <p:attrName>style.visibility</p:attrName>
+                                        </p:attrNameLst>
+                                      </p:cBhvr>
+                                      <p:to>
+                                        <p:strVal val="visible"/>
+                                      </p:to>
+                                    </p:set>
+                                    <p:animEffect transition="in" filter="fade">
+                                      <p:cBhvr>
+                                        <p:cTn id="23" dur="1000"/>
+                                        <p:tgtEl>
+                                          <p:spTgt spid="21"/>
+                                        </p:tgtEl>
+                                      </p:cBhvr>
+                                    </p:animEffect>
+                                    <p:anim calcmode="lin" valueType="num">
+                                      <p:cBhvr>
+                                        <p:cTn id="24" dur="1000" fill="hold"/>
+                                        <p:tgtEl>
+                                          <p:spTgt spid="21"/>
+                                        </p:tgtEl>
+                                        <p:attrNameLst>
+                                          <p:attrName>ppt_x</p:attrName>
+                                        </p:attrNameLst>
+                                      </p:cBhvr>
+                                      <p:tavLst>
+                                        <p:tav tm="0">
+                                          <p:val>
+                                            <p:strVal val="#ppt_x"/>
+                                          </p:val>
+                                        </p:tav>
+                                        <p:tav tm="100000">
+                                          <p:val>
+                                            <p:strVal val="#ppt_x"/>
+                                          </p:val>
+                                        </p:tav>
+                                      </p:tavLst>
+                                    </p:anim>
+                                    <p:anim calcmode="lin" valueType="num">
+                                      <p:cBhvr>
+                                        <p:cTn id="25" dur="1000" fill="hold"/>
+                                        <p:tgtEl>
+                                          <p:spTgt spid="21"/>
+                                        </p:tgtEl>
+                                        <p:attrNameLst>
+                                          <p:attrName>ppt_y</p:attrName>
+                                        </p:attrNameLst>
+                                      </p:cBhvr>
+                                      <p:tavLst>
+                                        <p:tav tm="0">
+                                          <p:val>
+                                            <p:strVal val="#ppt_y+.1"/>
+                                          </p:val>
+                                        </p:tav>
+                                        <p:tav tm="100000">
+                                          <p:val>
+                                            <p:strVal val="#ppt_y"/>
+                                          </p:val>
+                                        </p:tav>
+                                      </p:tavLst>
+                                    </p:anim>
+                                  </p:childTnLst>
+                                </p:cTn>
+                              </p:par>
+                              <p:par>
+                                <p:cTn id="26" presetID="42" presetClass="entr" presetSubtype="0" fill="hold" grpId="0" nodeType="withEffect">
+                                  <p:stCondLst>
+                                    <p:cond delay="0"/>
+                                  </p:stCondLst>
+                                  <p:childTnLst>
+                                    <p:set>
+                                      <p:cBhvr>
+                                        <p:cTn id="27" dur="1" fill="hold">
+                                          <p:stCondLst>
+                                            <p:cond delay="0"/>
+                                          </p:stCondLst>
+                                        </p:cTn>
+                                        <p:tgtEl>
+                                          <p:spTgt spid="20"/>
+                                        </p:tgtEl>
+                                        <p:attrNameLst>
+                                          <p:attrName>style.visibility</p:attrName>
+                                        </p:attrNameLst>
+                                      </p:cBhvr>
+                                      <p:to>
+                                        <p:strVal val="visible"/>
+                                      </p:to>
+                                    </p:set>
+                                    <p:animEffect transition="in" filter="fade">
+                                      <p:cBhvr>
+                                        <p:cTn id="28" dur="1000"/>
+                                        <p:tgtEl>
+                                          <p:spTgt spid="20"/>
+                                        </p:tgtEl>
+                                      </p:cBhvr>
+                                    </p:animEffect>
+                                    <p:anim calcmode="lin" valueType="num">
+                                      <p:cBhvr>
+                                        <p:cTn id="29" dur="1000" fill="hold"/>
+                                        <p:tgtEl>
+                                          <p:spTgt spid="20"/>
+                                        </p:tgtEl>
+                                        <p:attrNameLst>
+                                          <p:attrName>ppt_x</p:attrName>
+                                        </p:attrNameLst>
+                                      </p:cBhvr>
+                                      <p:tavLst>
+                                        <p:tav tm="0">
+                                          <p:val>
+                                            <p:strVal val="#ppt_x"/>
+                                          </p:val>
+                                        </p:tav>
+                                        <p:tav tm="100000">
+                                          <p:val>
+                                            <p:strVal val="#ppt_x"/>
+                                          </p:val>
+                                        </p:tav>
+                                      </p:tavLst>
+                                    </p:anim>
+                                    <p:anim calcmode="lin" valueType="num">
+                                      <p:cBhvr>
+                                        <p:cTn id="30" dur="1000" fill="hold"/>
+                                        <p:tgtEl>
+                                          <p:spTgt spid="20"/>
+                                        </p:tgtEl>
+                                        <p:attrNameLst>
+                                          <p:attrName>ppt_y</p:attrName>
+                                        </p:attrNameLst>
+                                      </p:cBhvr>
+                                      <p:tavLst>
+                                        <p:tav tm="0">
+                                          <p:val>
+                                            <p:strVal val="#ppt_y+.1"/>
+                                          </p:val>
+                                        </p:tav>
+                                        <p:tav tm="100000">
+                                          <p:val>
+                                            <p:strVal val="#ppt_y"/>
+                                          </p:val>
+                                        </p:tav>
+                                      </p:tavLst>
+                                    </p:anim>
+                                  </p:childTnLst>
+                                </p:cTn>
+                              </p:par>
+                            </p:childTnLst>
+                          </p:cTn>
+                        </p:par>
+                      </p:childTnLst>
+                    </p:cTn>
+                  </p:par>
+                  <p:par>
+                    <p:cTn id="31" fill="hold">
+                      <p:stCondLst>
+                        <p:cond delay="indefinite"/>
+                      </p:stCondLst>
+                      <p:childTnLst>
+                        <p:par>
+                          <p:cTn id="32" fill="hold">
+                            <p:stCondLst>
+                              <p:cond delay="0"/>
+                            </p:stCondLst>
+                            <p:childTnLst>
+                              <p:par>
+                                <p:cTn id="33" presetID="16" presetClass="entr" presetSubtype="21" fill="hold" nodeType="clickEffect">
+                                  <p:stCondLst>
+                                    <p:cond delay="0"/>
+                                  </p:stCondLst>
+                                  <p:childTnLst>
+                                    <p:set>
+                                      <p:cBhvr>
+                                        <p:cTn id="34" dur="1" fill="hold">
+                                          <p:stCondLst>
+                                            <p:cond delay="0"/>
+                                          </p:stCondLst>
+                                        </p:cTn>
+                                        <p:tgtEl>
+                                          <p:spTgt spid="5"/>
+                                        </p:tgtEl>
+                                        <p:attrNameLst>
+                                          <p:attrName>style.visibility</p:attrName>
+                                        </p:attrNameLst>
+                                      </p:cBhvr>
+                                      <p:to>
+                                        <p:strVal val="visible"/>
+                                      </p:to>
+                                    </p:set>
+                                    <p:animEffect transition="in" filter="barn(inVertical)">
+                                      <p:cBhvr>
+                                        <p:cTn id="35" dur="500"/>
+                                        <p:tgtEl>
+                                          <p:spTgt spid="5"/>
+                                        </p:tgtEl>
+                                      </p:cBhvr>
+                                    </p:animEffect>
+                                  </p:childTnLst>
+                                </p:cTn>
+                              </p:par>
+                            </p:childTnLst>
+                          </p:cTn>
+                        </p:par>
+                        <p:par>
+                          <p:cTn id="36" fill="hold">
+                            <p:stCondLst>
+                              <p:cond delay="500"/>
+                            </p:stCondLst>
+                            <p:childTnLst>
+                              <p:par>
+                                <p:cTn id="37" presetID="22" presetClass="entr" presetSubtype="4" fill="hold" nodeType="afterEffect">
+                                  <p:stCondLst>
+                                    <p:cond delay="0"/>
+                                  </p:stCondLst>
+                                  <p:childTnLst>
+                                    <p:set>
+                                      <p:cBhvr>
+                                        <p:cTn id="38" dur="1" fill="hold">
+                                          <p:stCondLst>
+                                            <p:cond delay="0"/>
+                                          </p:stCondLst>
+                                        </p:cTn>
+                                        <p:tgtEl>
+                                          <p:spTgt spid="11"/>
+                                        </p:tgtEl>
+                                        <p:attrNameLst>
+                                          <p:attrName>style.visibility</p:attrName>
+                                        </p:attrNameLst>
+                                      </p:cBhvr>
+                                      <p:to>
+                                        <p:strVal val="visible"/>
+                                      </p:to>
+                                    </p:set>
+                                    <p:animEffect transition="in" filter="wipe(down)">
+                                      <p:cBhvr>
+                                        <p:cTn id="39" dur="1500"/>
+                                        <p:tgtEl>
+                                          <p:spTgt spid="11"/>
+                                        </p:tgtEl>
+                                      </p:cBhvr>
+                                    </p:animEffect>
+                                  </p:childTnLst>
+                                </p:cTn>
+                              </p:par>
+                            </p:childTnLst>
+                          </p:cTn>
+                        </p:par>
+                        <p:par>
+                          <p:cTn id="40" fill="hold">
+                            <p:stCondLst>
+                              <p:cond delay="2000"/>
+                            </p:stCondLst>
+                            <p:childTnLst>
+                              <p:par>
+                                <p:cTn id="41" presetID="10" presetClass="entr" presetSubtype="0" fill="hold" grpId="0" nodeType="afterEffect">
+                                  <p:stCondLst>
+                                    <p:cond delay="0"/>
+                                  </p:stCondLst>
+                                  <p:childTnLst>
+                                    <p:set>
+                                      <p:cBhvr>
+                                        <p:cTn id="42" dur="1" fill="hold">
+                                          <p:stCondLst>
+                                            <p:cond delay="0"/>
+                                          </p:stCondLst>
+                                        </p:cTn>
+                                        <p:tgtEl>
+                                          <p:spTgt spid="28"/>
+                                        </p:tgtEl>
+                                        <p:attrNameLst>
+                                          <p:attrName>style.visibility</p:attrName>
+                                        </p:attrNameLst>
+                                      </p:cBhvr>
+                                      <p:to>
+                                        <p:strVal val="visible"/>
+                                      </p:to>
+                                    </p:set>
+                                    <p:animEffect transition="in" filter="fade">
+                                      <p:cBhvr>
+                                        <p:cTn id="43" dur="500"/>
+                                        <p:tgtEl>
+                                          <p:spTgt spid="28"/>
+                                        </p:tgtEl>
+                                      </p:cBhvr>
+                                    </p:animEffect>
+                                  </p:childTnLst>
+                                </p:cTn>
+                              </p:par>
+                              <p:par>
+                                <p:cTn id="44" presetID="10" presetClass="entr" presetSubtype="0" fill="hold" grpId="0" nodeType="withEffect">
+                                  <p:stCondLst>
+                                    <p:cond delay="0"/>
+                                  </p:stCondLst>
+                                  <p:childTnLst>
+                                    <p:set>
+                                      <p:cBhvr>
+                                        <p:cTn id="45" dur="1" fill="hold">
+                                          <p:stCondLst>
+                                            <p:cond delay="0"/>
+                                          </p:stCondLst>
+                                        </p:cTn>
+                                        <p:tgtEl>
+                                          <p:spTgt spid="29"/>
+                                        </p:tgtEl>
+                                        <p:attrNameLst>
+                                          <p:attrName>style.visibility</p:attrName>
+                                        </p:attrNameLst>
+                                      </p:cBhvr>
+                                      <p:to>
+                                        <p:strVal val="visible"/>
+                                      </p:to>
+                                    </p:set>
+                                    <p:animEffect transition="in" filter="fade">
+                                      <p:cBhvr>
+                                        <p:cTn id="46" dur="500"/>
+                                        <p:tgtEl>
+                                          <p:spTgt spid="29"/>
+                                        </p:tgtEl>
+                                      </p:cBhvr>
+                                    </p:animEffect>
+                                  </p:childTnLst>
+                                </p:cTn>
+                              </p:par>
+                              <p:par>
+                                <p:cTn id="47" presetID="10" presetClass="entr" presetSubtype="0" fill="hold" grpId="0" nodeType="withEffect">
+                                  <p:stCondLst>
+                                    <p:cond delay="0"/>
+                                  </p:stCondLst>
+                                  <p:childTnLst>
+                                    <p:set>
+                                      <p:cBhvr>
+                                        <p:cTn id="48" dur="1" fill="hold">
+                                          <p:stCondLst>
+                                            <p:cond delay="0"/>
+                                          </p:stCondLst>
+                                        </p:cTn>
+                                        <p:tgtEl>
+                                          <p:spTgt spid="23"/>
+                                        </p:tgtEl>
+                                        <p:attrNameLst>
+                                          <p:attrName>style.visibility</p:attrName>
+                                        </p:attrNameLst>
+                                      </p:cBhvr>
+                                      <p:to>
+                                        <p:strVal val="visible"/>
+                                      </p:to>
+                                    </p:set>
+                                    <p:animEffect transition="in" filter="fade">
+                                      <p:cBhvr>
+                                        <p:cTn id="49" dur="500"/>
+                                        <p:tgtEl>
+                                          <p:spTgt spid="23"/>
+                                        </p:tgtEl>
+                                      </p:cBhvr>
+                                    </p:animEffect>
+                                  </p:childTnLst>
+                                </p:cTn>
+                              </p:par>
+                            </p:childTnLst>
+                          </p:cTn>
+                        </p:par>
+                      </p:childTnLst>
+                    </p:cTn>
+                  </p:par>
+                </p:childTnLst>
+              </p:cTn>
+              <p:prevCondLst>
+                <p:cond evt="onPrev" delay="0">
+                  <p:tgtEl>
+                    <p:sldTgt/>
+                  </p:tgtEl>
+                </p:cond>
+              </p:prevCondLst>
+              <p:nextCondLst>
+                <p:cond evt="onNext" delay="0">
+                  <p:tgtEl>
+                    <p:sldTgt/>
+                  </p:tgtEl>
+                </p:cond>
+              </p:nextCondLst>
+            </p:seq>
+          </p:childTnLst>
+        </p:cTn>
+      </p:par>
+    </p:tnLst>
+    <p:bldLst>
+      <p:bldP spid="16" grpId="0"/>
+      <p:bldP spid="17" grpId="0"/>
+      <p:bldP spid="3" grpId="0" animBg="1"/>
+      <p:bldP spid="20" grpId="0"/>
+      <p:bldP spid="21" grpId="0"/>
+      <p:bldP spid="28" grpId="0"/>
+      <p:bldP spid="29" grpId="0"/>
+      <p:bldP spid="23" grpId="0"/>
+    </p:bldLst>
+  </p:timing>
 </p:sld>
 </file>
 

--- a/machine-learning/notations/semana-3/presentation/06-regularization-overfitting.pptx
+++ b/machine-learning/notations/semana-3/presentation/06-regularization-overfitting.pptx
@@ -7613,8 +7613,8 @@
           </a:p>
         </p:txBody>
       </p:sp>
-      <mc:AlternateContent xmlns:mc="http://schemas.openxmlformats.org/markup-compatibility/2006" xmlns:a14="http://schemas.microsoft.com/office/drawing/2010/main">
-        <mc:Choice Requires="a14">
+      <mc:AlternateContent xmlns:mc="http://schemas.openxmlformats.org/markup-compatibility/2006">
+        <mc:Choice xmlns:a14="http://schemas.microsoft.com/office/drawing/2010/main" Requires="a14">
           <p:sp>
             <p:nvSpPr>
               <p:cNvPr id="5" name="TextBox 4"/>
@@ -7934,10 +7934,10 @@
                     </a:solidFill>
                     <a:cs typeface="Arial" pitchFamily="34" charset="0"/>
                   </a:rPr>
-                  <a:t> a </a:t>
+                  <a:t> </a:t>
                 </a:r>
                 <a:r>
-                  <a:rPr lang="en-US" altLang="ko-KR" sz="1200" dirty="0" err="1">
+                  <a:rPr lang="en-US" altLang="ko-KR" sz="1200">
                     <a:solidFill>
                       <a:schemeClr val="tx1">
                         <a:lumMod val="75000"/>
@@ -7946,7 +7946,7 @@
                     </a:solidFill>
                     <a:cs typeface="Arial" pitchFamily="34" charset="0"/>
                   </a:rPr>
-                  <a:t>oferfitting</a:t>
+                  <a:t>a overfitting</a:t>
                 </a:r>
                 <a:endParaRPr lang="en-US" altLang="ko-KR" sz="1200" dirty="0">
                   <a:solidFill>
@@ -7961,7 +7961,7 @@
             </p:txBody>
           </p:sp>
         </mc:Choice>
-        <mc:Fallback xmlns="">
+        <mc:Fallback>
           <p:sp>
             <p:nvSpPr>
               <p:cNvPr id="5" name="TextBox 4"/>
@@ -18266,8 +18266,8 @@
           </p:sp>
         </mc:Fallback>
       </mc:AlternateContent>
-      <mc:AlternateContent xmlns:mc="http://schemas.openxmlformats.org/markup-compatibility/2006">
-        <mc:Choice xmlns:a14="http://schemas.microsoft.com/office/drawing/2010/main" Requires="a14">
+      <mc:AlternateContent xmlns:mc="http://schemas.openxmlformats.org/markup-compatibility/2006" xmlns:a14="http://schemas.microsoft.com/office/drawing/2010/main">
+        <mc:Choice Requires="a14">
           <p:sp>
             <p:nvSpPr>
               <p:cNvPr id="17" name="CaixaDeTexto 16">
@@ -18367,7 +18367,7 @@
             </p:txBody>
           </p:sp>
         </mc:Choice>
-        <mc:Fallback>
+        <mc:Fallback xmlns="">
           <p:sp>
             <p:nvSpPr>
               <p:cNvPr id="17" name="CaixaDeTexto 16">
@@ -21282,8 +21282,8 @@
           </a:fontRef>
         </p:style>
       </p:cxnSp>
-      <mc:AlternateContent xmlns:mc="http://schemas.openxmlformats.org/markup-compatibility/2006">
-        <mc:Choice xmlns:a14="http://schemas.microsoft.com/office/drawing/2010/main" Requires="a14">
+      <mc:AlternateContent xmlns:mc="http://schemas.openxmlformats.org/markup-compatibility/2006" xmlns:a14="http://schemas.microsoft.com/office/drawing/2010/main">
+        <mc:Choice Requires="a14">
           <p:sp>
             <p:nvSpPr>
               <p:cNvPr id="27" name="CaixaDeTexto 26">
@@ -21364,7 +21364,7 @@
             </p:txBody>
           </p:sp>
         </mc:Choice>
-        <mc:Fallback>
+        <mc:Fallback xmlns="">
           <p:sp>
             <p:nvSpPr>
               <p:cNvPr id="27" name="CaixaDeTexto 26">
@@ -23951,8 +23951,8 @@
           </a:p>
         </p:txBody>
       </p:sp>
-      <mc:AlternateContent xmlns:mc="http://schemas.openxmlformats.org/markup-compatibility/2006">
-        <mc:Choice xmlns:a14="http://schemas.microsoft.com/office/drawing/2010/main" Requires="a14">
+      <mc:AlternateContent xmlns:mc="http://schemas.openxmlformats.org/markup-compatibility/2006" xmlns:a14="http://schemas.microsoft.com/office/drawing/2010/main">
+        <mc:Choice Requires="a14">
           <p:sp>
             <p:nvSpPr>
               <p:cNvPr id="12" name="CaixaDeTexto 11">
@@ -24490,7 +24490,7 @@
             </p:txBody>
           </p:sp>
         </mc:Choice>
-        <mc:Fallback>
+        <mc:Fallback xmlns="">
           <p:sp>
             <p:nvSpPr>
               <p:cNvPr id="12" name="CaixaDeTexto 11">
@@ -24565,8 +24565,8 @@
           </a:prstGeom>
         </p:spPr>
       </p:pic>
-      <mc:AlternateContent xmlns:mc="http://schemas.openxmlformats.org/markup-compatibility/2006">
-        <mc:Choice xmlns:a14="http://schemas.microsoft.com/office/drawing/2010/main" Requires="a14">
+      <mc:AlternateContent xmlns:mc="http://schemas.openxmlformats.org/markup-compatibility/2006" xmlns:a14="http://schemas.microsoft.com/office/drawing/2010/main">
+        <mc:Choice Requires="a14">
           <p:sp>
             <p:nvSpPr>
               <p:cNvPr id="14" name="CaixaDeTexto 13">
@@ -25056,7 +25056,7 @@
             </p:txBody>
           </p:sp>
         </mc:Choice>
-        <mc:Fallback>
+        <mc:Fallback xmlns="">
           <p:sp>
             <p:nvSpPr>
               <p:cNvPr id="14" name="CaixaDeTexto 13">
@@ -25546,8 +25546,8 @@
           </a:p>
         </p:txBody>
       </p:sp>
-      <mc:AlternateContent xmlns:mc="http://schemas.openxmlformats.org/markup-compatibility/2006">
-        <mc:Choice xmlns:a14="http://schemas.microsoft.com/office/drawing/2010/main" Requires="a14">
+      <mc:AlternateContent xmlns:mc="http://schemas.openxmlformats.org/markup-compatibility/2006" xmlns:a14="http://schemas.microsoft.com/office/drawing/2010/main">
+        <mc:Choice Requires="a14">
           <p:sp>
             <p:nvSpPr>
               <p:cNvPr id="14" name="CaixaDeTexto 13">
@@ -26037,7 +26037,7 @@
             </p:txBody>
           </p:sp>
         </mc:Choice>
-        <mc:Fallback>
+        <mc:Fallback xmlns="">
           <p:sp>
             <p:nvSpPr>
               <p:cNvPr id="14" name="CaixaDeTexto 13">
@@ -26082,8 +26082,8 @@
           </p:sp>
         </mc:Fallback>
       </mc:AlternateContent>
-      <mc:AlternateContent xmlns:mc="http://schemas.openxmlformats.org/markup-compatibility/2006">
-        <mc:Choice xmlns:a14="http://schemas.microsoft.com/office/drawing/2010/main" Requires="a14">
+      <mc:AlternateContent xmlns:mc="http://schemas.openxmlformats.org/markup-compatibility/2006" xmlns:a14="http://schemas.microsoft.com/office/drawing/2010/main">
+        <mc:Choice Requires="a14">
           <p:sp>
             <p:nvSpPr>
               <p:cNvPr id="8" name="CaixaDeTexto 7">
@@ -26244,7 +26244,7 @@
             </p:txBody>
           </p:sp>
         </mc:Choice>
-        <mc:Fallback>
+        <mc:Fallback xmlns="">
           <p:sp>
             <p:nvSpPr>
               <p:cNvPr id="8" name="CaixaDeTexto 7">
@@ -26342,8 +26342,8 @@
           </a:p>
         </p:txBody>
       </p:sp>
-      <mc:AlternateContent xmlns:mc="http://schemas.openxmlformats.org/markup-compatibility/2006">
-        <mc:Choice xmlns:a14="http://schemas.microsoft.com/office/drawing/2010/main" Requires="a14">
+      <mc:AlternateContent xmlns:mc="http://schemas.openxmlformats.org/markup-compatibility/2006" xmlns:a14="http://schemas.microsoft.com/office/drawing/2010/main">
+        <mc:Choice Requires="a14">
           <p:sp>
             <p:nvSpPr>
               <p:cNvPr id="10" name="CaixaDeTexto 9">
@@ -26485,7 +26485,7 @@
             </p:txBody>
           </p:sp>
         </mc:Choice>
-        <mc:Fallback>
+        <mc:Fallback xmlns="">
           <p:sp>
             <p:nvSpPr>
               <p:cNvPr id="10" name="CaixaDeTexto 9">
@@ -28472,8 +28472,8 @@
           </p:sp>
         </mc:Fallback>
       </mc:AlternateContent>
-      <mc:AlternateContent xmlns:mc="http://schemas.openxmlformats.org/markup-compatibility/2006">
-        <mc:Choice xmlns:a14="http://schemas.microsoft.com/office/drawing/2010/main" Requires="a14">
+      <mc:AlternateContent xmlns:mc="http://schemas.openxmlformats.org/markup-compatibility/2006" xmlns:a14="http://schemas.microsoft.com/office/drawing/2010/main">
+        <mc:Choice Requires="a14">
           <p:sp>
             <p:nvSpPr>
               <p:cNvPr id="17" name="CaixaDeTexto 16">
@@ -28573,7 +28573,7 @@
             </p:txBody>
           </p:sp>
         </mc:Choice>
-        <mc:Fallback>
+        <mc:Fallback xmlns="">
           <p:sp>
             <p:nvSpPr>
               <p:cNvPr id="17" name="CaixaDeTexto 16">
